--- a/doc/0.공용폴더/05 와이어프레임/00 와이어프레임 - 종합 rev 00.pptx
+++ b/doc/0.공용폴더/05 와이어프레임/00 와이어프레임 - 종합 rev 00.pptx
@@ -377,7 +377,7 @@
     </p:spTree>
     <p:extLst>
       <p:ext uri="{BB962C8B-B14F-4D97-AF65-F5344CB8AC3E}">
-        <p14:creationId xmlns:p14="http://schemas.microsoft.com/office/powerpoint/2010/main" val="2118148366"/>
+        <p14:creationId xmlns:p14="http://schemas.microsoft.com/office/powerpoint/2010/main" xmlns="" val="2118148366"/>
       </p:ext>
     </p:extLst>
   </p:cSld>
@@ -549,7 +549,7 @@
     </p:spTree>
     <p:extLst>
       <p:ext uri="{BB962C8B-B14F-4D97-AF65-F5344CB8AC3E}">
-        <p14:creationId xmlns:p14="http://schemas.microsoft.com/office/powerpoint/2010/main" val="2967183153"/>
+        <p14:creationId xmlns:p14="http://schemas.microsoft.com/office/powerpoint/2010/main" xmlns="" val="2967183153"/>
       </p:ext>
     </p:extLst>
   </p:cSld>
@@ -731,7 +731,7 @@
     </p:spTree>
     <p:extLst>
       <p:ext uri="{BB962C8B-B14F-4D97-AF65-F5344CB8AC3E}">
-        <p14:creationId xmlns:p14="http://schemas.microsoft.com/office/powerpoint/2010/main" val="3139434043"/>
+        <p14:creationId xmlns:p14="http://schemas.microsoft.com/office/powerpoint/2010/main" xmlns="" val="3139434043"/>
       </p:ext>
     </p:extLst>
   </p:cSld>
@@ -903,7 +903,7 @@
     </p:spTree>
     <p:extLst>
       <p:ext uri="{BB962C8B-B14F-4D97-AF65-F5344CB8AC3E}">
-        <p14:creationId xmlns:p14="http://schemas.microsoft.com/office/powerpoint/2010/main" val="884517288"/>
+        <p14:creationId xmlns:p14="http://schemas.microsoft.com/office/powerpoint/2010/main" xmlns="" val="884517288"/>
       </p:ext>
     </p:extLst>
   </p:cSld>
@@ -1151,7 +1151,7 @@
     </p:spTree>
     <p:extLst>
       <p:ext uri="{BB962C8B-B14F-4D97-AF65-F5344CB8AC3E}">
-        <p14:creationId xmlns:p14="http://schemas.microsoft.com/office/powerpoint/2010/main" val="2742713806"/>
+        <p14:creationId xmlns:p14="http://schemas.microsoft.com/office/powerpoint/2010/main" xmlns="" val="2742713806"/>
       </p:ext>
     </p:extLst>
   </p:cSld>
@@ -1441,7 +1441,7 @@
     </p:spTree>
     <p:extLst>
       <p:ext uri="{BB962C8B-B14F-4D97-AF65-F5344CB8AC3E}">
-        <p14:creationId xmlns:p14="http://schemas.microsoft.com/office/powerpoint/2010/main" val="4228873110"/>
+        <p14:creationId xmlns:p14="http://schemas.microsoft.com/office/powerpoint/2010/main" xmlns="" val="4228873110"/>
       </p:ext>
     </p:extLst>
   </p:cSld>
@@ -1865,7 +1865,7 @@
     </p:spTree>
     <p:extLst>
       <p:ext uri="{BB962C8B-B14F-4D97-AF65-F5344CB8AC3E}">
-        <p14:creationId xmlns:p14="http://schemas.microsoft.com/office/powerpoint/2010/main" val="603847611"/>
+        <p14:creationId xmlns:p14="http://schemas.microsoft.com/office/powerpoint/2010/main" xmlns="" val="603847611"/>
       </p:ext>
     </p:extLst>
   </p:cSld>
@@ -1985,7 +1985,7 @@
     </p:spTree>
     <p:extLst>
       <p:ext uri="{BB962C8B-B14F-4D97-AF65-F5344CB8AC3E}">
-        <p14:creationId xmlns:p14="http://schemas.microsoft.com/office/powerpoint/2010/main" val="2005364396"/>
+        <p14:creationId xmlns:p14="http://schemas.microsoft.com/office/powerpoint/2010/main" xmlns="" val="2005364396"/>
       </p:ext>
     </p:extLst>
   </p:cSld>
@@ -2082,7 +2082,7 @@
     </p:spTree>
     <p:extLst>
       <p:ext uri="{BB962C8B-B14F-4D97-AF65-F5344CB8AC3E}">
-        <p14:creationId xmlns:p14="http://schemas.microsoft.com/office/powerpoint/2010/main" val="1259732851"/>
+        <p14:creationId xmlns:p14="http://schemas.microsoft.com/office/powerpoint/2010/main" xmlns="" val="1259732851"/>
       </p:ext>
     </p:extLst>
   </p:cSld>
@@ -2361,7 +2361,7 @@
     </p:spTree>
     <p:extLst>
       <p:ext uri="{BB962C8B-B14F-4D97-AF65-F5344CB8AC3E}">
-        <p14:creationId xmlns:p14="http://schemas.microsoft.com/office/powerpoint/2010/main" val="933014393"/>
+        <p14:creationId xmlns:p14="http://schemas.microsoft.com/office/powerpoint/2010/main" xmlns="" val="933014393"/>
       </p:ext>
     </p:extLst>
   </p:cSld>
@@ -2616,7 +2616,7 @@
     </p:spTree>
     <p:extLst>
       <p:ext uri="{BB962C8B-B14F-4D97-AF65-F5344CB8AC3E}">
-        <p14:creationId xmlns:p14="http://schemas.microsoft.com/office/powerpoint/2010/main" val="2509312667"/>
+        <p14:creationId xmlns:p14="http://schemas.microsoft.com/office/powerpoint/2010/main" xmlns="" val="2509312667"/>
       </p:ext>
     </p:extLst>
   </p:cSld>
@@ -2867,7 +2867,7 @@
     </p:spTree>
     <p:extLst>
       <p:ext uri="{BB962C8B-B14F-4D97-AF65-F5344CB8AC3E}">
-        <p14:creationId xmlns:p14="http://schemas.microsoft.com/office/powerpoint/2010/main" val="2062571708"/>
+        <p14:creationId xmlns:p14="http://schemas.microsoft.com/office/powerpoint/2010/main" xmlns="" val="2062571708"/>
       </p:ext>
     </p:extLst>
   </p:cSld>
@@ -3205,7 +3205,7 @@
           <a:blip r:embed="rId2">
             <a:extLst>
               <a:ext uri="{28A0092B-C50C-407E-A947-70E740481C1C}">
-                <a14:useLocalDpi xmlns:a14="http://schemas.microsoft.com/office/drawing/2010/main" val="0"/>
+                <a14:useLocalDpi xmlns:a14="http://schemas.microsoft.com/office/drawing/2010/main" xmlns="" val="0"/>
               </a:ext>
             </a:extLst>
           </a:blip>
@@ -3229,14 +3229,14 @@
           <a:effectLst/>
           <a:extLst>
             <a:ext uri="{909E8E84-426E-40DD-AFC4-6F175D3DCCD1}">
-              <a14:hiddenFill xmlns:a14="http://schemas.microsoft.com/office/drawing/2010/main">
+              <a14:hiddenFill xmlns:a14="http://schemas.microsoft.com/office/drawing/2010/main" xmlns="">
                 <a:solidFill>
                   <a:schemeClr val="accent1"/>
                 </a:solidFill>
               </a14:hiddenFill>
             </a:ext>
             <a:ext uri="{91240B29-F687-4F45-9708-019B960494DF}">
-              <a14:hiddenLine xmlns:a14="http://schemas.microsoft.com/office/drawing/2010/main" w="9525">
+              <a14:hiddenLine xmlns:a14="http://schemas.microsoft.com/office/drawing/2010/main" xmlns="" w="9525">
                 <a:solidFill>
                   <a:schemeClr val="tx1"/>
                 </a:solidFill>
@@ -3246,7 +3246,7 @@
               </a14:hiddenLine>
             </a:ext>
             <a:ext uri="{AF507438-7753-43E0-B8FC-AC1667EBCBE1}">
-              <a14:hiddenEffects xmlns:a14="http://schemas.microsoft.com/office/drawing/2010/main">
+              <a14:hiddenEffects xmlns:a14="http://schemas.microsoft.com/office/drawing/2010/main" xmlns="">
                 <a:effectLst>
                   <a:outerShdw dist="35921" dir="2700000" algn="ctr" rotWithShape="0">
                     <a:schemeClr val="bg2"/>
@@ -3354,7 +3354,7 @@
     </p:spTree>
     <p:extLst>
       <p:ext uri="{BB962C8B-B14F-4D97-AF65-F5344CB8AC3E}">
-        <p14:creationId xmlns:p14="http://schemas.microsoft.com/office/powerpoint/2010/main" val="3322499010"/>
+        <p14:creationId xmlns:p14="http://schemas.microsoft.com/office/powerpoint/2010/main" xmlns="" val="3322499010"/>
       </p:ext>
     </p:extLst>
   </p:cSld>
@@ -3393,7 +3393,7 @@
           <a:blip r:embed="rId2">
             <a:extLst>
               <a:ext uri="{28A0092B-C50C-407E-A947-70E740481C1C}">
-                <a14:useLocalDpi xmlns:a14="http://schemas.microsoft.com/office/drawing/2010/main" val="0"/>
+                <a14:useLocalDpi xmlns:a14="http://schemas.microsoft.com/office/drawing/2010/main" xmlns="" val="0"/>
               </a:ext>
             </a:extLst>
           </a:blip>
@@ -3413,7 +3413,7 @@
           <a:noFill/>
           <a:extLst>
             <a:ext uri="{909E8E84-426E-40DD-AFC4-6F175D3DCCD1}">
-              <a14:hiddenFill xmlns:a14="http://schemas.microsoft.com/office/drawing/2010/main">
+              <a14:hiddenFill xmlns:a14="http://schemas.microsoft.com/office/drawing/2010/main" xmlns="">
                 <a:solidFill>
                   <a:srgbClr val="FFFFFF"/>
                 </a:solidFill>
@@ -3425,7 +3425,7 @@
     </p:spTree>
     <p:extLst>
       <p:ext uri="{BB962C8B-B14F-4D97-AF65-F5344CB8AC3E}">
-        <p14:creationId xmlns:p14="http://schemas.microsoft.com/office/powerpoint/2010/main" val="1522577095"/>
+        <p14:creationId xmlns:p14="http://schemas.microsoft.com/office/powerpoint/2010/main" xmlns="" val="1522577095"/>
       </p:ext>
     </p:extLst>
   </p:cSld>
@@ -3471,7 +3471,7 @@
           <a:blip r:embed="rId2">
             <a:extLst>
               <a:ext uri="{28A0092B-C50C-407E-A947-70E740481C1C}">
-                <a14:useLocalDpi xmlns:a14="http://schemas.microsoft.com/office/drawing/2010/main" val="0"/>
+                <a14:useLocalDpi xmlns:a14="http://schemas.microsoft.com/office/drawing/2010/main" xmlns="" val="0"/>
               </a:ext>
             </a:extLst>
           </a:blip>
@@ -3491,7 +3491,7 @@
           <a:noFill/>
           <a:extLst>
             <a:ext uri="{909E8E84-426E-40DD-AFC4-6F175D3DCCD1}">
-              <a14:hiddenFill xmlns:a14="http://schemas.microsoft.com/office/drawing/2010/main">
+              <a14:hiddenFill xmlns:a14="http://schemas.microsoft.com/office/drawing/2010/main" xmlns="">
                 <a:solidFill>
                   <a:srgbClr val="FFFFFF"/>
                 </a:solidFill>
@@ -3503,7 +3503,7 @@
     </p:spTree>
     <p:extLst>
       <p:ext uri="{BB962C8B-B14F-4D97-AF65-F5344CB8AC3E}">
-        <p14:creationId xmlns:p14="http://schemas.microsoft.com/office/powerpoint/2010/main" val="1522577095"/>
+        <p14:creationId xmlns:p14="http://schemas.microsoft.com/office/powerpoint/2010/main" xmlns="" val="1522577095"/>
       </p:ext>
     </p:extLst>
   </p:cSld>
@@ -3549,7 +3549,7 @@
           <a:blip r:embed="rId2">
             <a:extLst>
               <a:ext uri="{28A0092B-C50C-407E-A947-70E740481C1C}">
-                <a14:useLocalDpi xmlns:a14="http://schemas.microsoft.com/office/drawing/2010/main" val="0"/>
+                <a14:useLocalDpi xmlns:a14="http://schemas.microsoft.com/office/drawing/2010/main" xmlns="" val="0"/>
               </a:ext>
             </a:extLst>
           </a:blip>
@@ -3569,7 +3569,7 @@
           <a:noFill/>
           <a:extLst>
             <a:ext uri="{909E8E84-426E-40DD-AFC4-6F175D3DCCD1}">
-              <a14:hiddenFill xmlns:a14="http://schemas.microsoft.com/office/drawing/2010/main">
+              <a14:hiddenFill xmlns:a14="http://schemas.microsoft.com/office/drawing/2010/main" xmlns="">
                 <a:solidFill>
                   <a:srgbClr val="FFFFFF"/>
                 </a:solidFill>
@@ -3581,7 +3581,7 @@
     </p:spTree>
     <p:extLst>
       <p:ext uri="{BB962C8B-B14F-4D97-AF65-F5344CB8AC3E}">
-        <p14:creationId xmlns:p14="http://schemas.microsoft.com/office/powerpoint/2010/main" val="1522577095"/>
+        <p14:creationId xmlns:p14="http://schemas.microsoft.com/office/powerpoint/2010/main" xmlns="" val="1522577095"/>
       </p:ext>
     </p:extLst>
   </p:cSld>
@@ -3627,7 +3627,7 @@
           <a:blip r:embed="rId2">
             <a:extLst>
               <a:ext uri="{28A0092B-C50C-407E-A947-70E740481C1C}">
-                <a14:useLocalDpi xmlns:a14="http://schemas.microsoft.com/office/drawing/2010/main" val="0"/>
+                <a14:useLocalDpi xmlns:a14="http://schemas.microsoft.com/office/drawing/2010/main" xmlns="" val="0"/>
               </a:ext>
             </a:extLst>
           </a:blip>
@@ -3647,7 +3647,7 @@
           <a:noFill/>
           <a:extLst>
             <a:ext uri="{909E8E84-426E-40DD-AFC4-6F175D3DCCD1}">
-              <a14:hiddenFill xmlns:a14="http://schemas.microsoft.com/office/drawing/2010/main">
+              <a14:hiddenFill xmlns:a14="http://schemas.microsoft.com/office/drawing/2010/main" xmlns="">
                 <a:solidFill>
                   <a:srgbClr val="FFFFFF"/>
                 </a:solidFill>
@@ -3659,7 +3659,7 @@
     </p:spTree>
     <p:extLst>
       <p:ext uri="{BB962C8B-B14F-4D97-AF65-F5344CB8AC3E}">
-        <p14:creationId xmlns:p14="http://schemas.microsoft.com/office/powerpoint/2010/main" val="1522577095"/>
+        <p14:creationId xmlns:p14="http://schemas.microsoft.com/office/powerpoint/2010/main" xmlns="" val="1522577095"/>
       </p:ext>
     </p:extLst>
   </p:cSld>
@@ -3705,7 +3705,7 @@
           <a:blip r:embed="rId2">
             <a:extLst>
               <a:ext uri="{28A0092B-C50C-407E-A947-70E740481C1C}">
-                <a14:useLocalDpi xmlns:a14="http://schemas.microsoft.com/office/drawing/2010/main" val="0"/>
+                <a14:useLocalDpi xmlns:a14="http://schemas.microsoft.com/office/drawing/2010/main" xmlns="" val="0"/>
               </a:ext>
             </a:extLst>
           </a:blip>
@@ -3725,7 +3725,7 @@
           <a:noFill/>
           <a:extLst>
             <a:ext uri="{909E8E84-426E-40DD-AFC4-6F175D3DCCD1}">
-              <a14:hiddenFill xmlns:a14="http://schemas.microsoft.com/office/drawing/2010/main">
+              <a14:hiddenFill xmlns:a14="http://schemas.microsoft.com/office/drawing/2010/main" xmlns="">
                 <a:solidFill>
                   <a:srgbClr val="FFFFFF"/>
                 </a:solidFill>
@@ -3782,7 +3782,7 @@
     </p:spTree>
     <p:extLst>
       <p:ext uri="{BB962C8B-B14F-4D97-AF65-F5344CB8AC3E}">
-        <p14:creationId xmlns:p14="http://schemas.microsoft.com/office/powerpoint/2010/main" val="2234334166"/>
+        <p14:creationId xmlns:p14="http://schemas.microsoft.com/office/powerpoint/2010/main" xmlns="" val="2234334166"/>
       </p:ext>
     </p:extLst>
   </p:cSld>
@@ -3852,7 +3852,7 @@
     </p:spTree>
     <p:extLst>
       <p:ext uri="{BB962C8B-B14F-4D97-AF65-F5344CB8AC3E}">
-        <p14:creationId xmlns:p14="http://schemas.microsoft.com/office/powerpoint/2010/main" val="1245314589"/>
+        <p14:creationId xmlns:p14="http://schemas.microsoft.com/office/powerpoint/2010/main" xmlns="" val="1245314589"/>
       </p:ext>
     </p:extLst>
   </p:cSld>
@@ -3915,7 +3915,7 @@
     </p:spTree>
     <p:extLst>
       <p:ext uri="{BB962C8B-B14F-4D97-AF65-F5344CB8AC3E}">
-        <p14:creationId xmlns:p14="http://schemas.microsoft.com/office/powerpoint/2010/main" val="2206801969"/>
+        <p14:creationId xmlns:p14="http://schemas.microsoft.com/office/powerpoint/2010/main" xmlns="" val="2206801969"/>
       </p:ext>
     </p:extLst>
   </p:cSld>
@@ -3978,7 +3978,7 @@
     </p:spTree>
     <p:extLst>
       <p:ext uri="{BB962C8B-B14F-4D97-AF65-F5344CB8AC3E}">
-        <p14:creationId xmlns:p14="http://schemas.microsoft.com/office/powerpoint/2010/main" val="713391932"/>
+        <p14:creationId xmlns:p14="http://schemas.microsoft.com/office/powerpoint/2010/main" xmlns="" val="713391932"/>
       </p:ext>
     </p:extLst>
   </p:cSld>
@@ -4041,7 +4041,7 @@
     </p:spTree>
     <p:extLst>
       <p:ext uri="{BB962C8B-B14F-4D97-AF65-F5344CB8AC3E}">
-        <p14:creationId xmlns:p14="http://schemas.microsoft.com/office/powerpoint/2010/main" val="2573928863"/>
+        <p14:creationId xmlns:p14="http://schemas.microsoft.com/office/powerpoint/2010/main" xmlns="" val="2573928863"/>
       </p:ext>
     </p:extLst>
   </p:cSld>
@@ -4068,464 +4068,627 @@
           <a:chExt cx="0" cy="0"/>
         </a:xfrm>
       </p:grpSpPr>
-      <p:pic>
-        <p:nvPicPr>
-          <p:cNvPr id="6146" name="Picture 2"/>
-          <p:cNvPicPr>
-            <a:picLocks noChangeAspect="1" noChangeArrowheads="1"/>
-          </p:cNvPicPr>
+      <p:grpSp>
+        <p:nvGrpSpPr>
+          <p:cNvPr id="9" name="그룹 8"/>
+          <p:cNvGrpSpPr/>
           <p:nvPr/>
-        </p:nvPicPr>
-        <p:blipFill>
-          <a:blip r:embed="rId2"/>
-          <a:srcRect/>
-          <a:stretch>
-            <a:fillRect/>
-          </a:stretch>
-        </p:blipFill>
-        <p:spPr bwMode="auto">
+        </p:nvGrpSpPr>
+        <p:grpSpPr>
           <a:xfrm>
-            <a:off x="224699" y="830468"/>
-            <a:ext cx="8136904" cy="4928926"/>
+            <a:off x="500034" y="1340768"/>
+            <a:ext cx="8215370" cy="4928926"/>
+            <a:chOff x="500034" y="1340768"/>
+            <a:chExt cx="8215370" cy="4928926"/>
           </a:xfrm>
-          <a:prstGeom prst="rect">
-            <a:avLst/>
-          </a:prstGeom>
-          <a:noFill/>
-          <a:ln w="9525">
+        </p:grpSpPr>
+        <p:grpSp>
+          <p:nvGrpSpPr>
+            <p:cNvPr id="10" name="그룹 9"/>
+            <p:cNvGrpSpPr/>
+            <p:nvPr/>
+          </p:nvGrpSpPr>
+          <p:grpSpPr>
+            <a:xfrm>
+              <a:off x="500034" y="1340768"/>
+              <a:ext cx="8215370" cy="4928926"/>
+              <a:chOff x="500034" y="1340768"/>
+              <a:chExt cx="8215370" cy="4928926"/>
+            </a:xfrm>
+          </p:grpSpPr>
+          <p:pic>
+            <p:nvPicPr>
+              <p:cNvPr id="20" name="Picture 2"/>
+              <p:cNvPicPr>
+                <a:picLocks noChangeAspect="1" noChangeArrowheads="1"/>
+              </p:cNvPicPr>
+              <p:nvPr/>
+            </p:nvPicPr>
+            <p:blipFill>
+              <a:blip r:embed="rId2"/>
+              <a:srcRect/>
+              <a:stretch>
+                <a:fillRect/>
+              </a:stretch>
+            </p:blipFill>
+            <p:spPr bwMode="auto">
+              <a:xfrm>
+                <a:off x="539552" y="1340768"/>
+                <a:ext cx="8136904" cy="4928926"/>
+              </a:xfrm>
+              <a:prstGeom prst="rect">
+                <a:avLst/>
+              </a:prstGeom>
+              <a:noFill/>
+              <a:ln w="9525">
+                <a:noFill/>
+                <a:miter lim="800000"/>
+                <a:headEnd/>
+                <a:tailEnd/>
+              </a:ln>
+              <a:effectLst/>
+            </p:spPr>
+          </p:pic>
+          <p:sp>
+            <p:nvSpPr>
+              <p:cNvPr id="21" name="직사각형 20"/>
+              <p:cNvSpPr/>
+              <p:nvPr/>
+            </p:nvSpPr>
+            <p:spPr>
+              <a:xfrm>
+                <a:off x="500034" y="1857364"/>
+                <a:ext cx="8215370" cy="3929090"/>
+              </a:xfrm>
+              <a:prstGeom prst="rect">
+                <a:avLst/>
+              </a:prstGeom>
+              <a:solidFill>
+                <a:schemeClr val="bg1"/>
+              </a:solidFill>
+              <a:ln>
+                <a:noFill/>
+              </a:ln>
+            </p:spPr>
+            <p:style>
+              <a:lnRef idx="2">
+                <a:schemeClr val="accent1">
+                  <a:shade val="50000"/>
+                </a:schemeClr>
+              </a:lnRef>
+              <a:fillRef idx="1">
+                <a:schemeClr val="accent1"/>
+              </a:fillRef>
+              <a:effectRef idx="0">
+                <a:schemeClr val="accent1"/>
+              </a:effectRef>
+              <a:fontRef idx="minor">
+                <a:schemeClr val="lt1"/>
+              </a:fontRef>
+            </p:style>
+            <p:txBody>
+              <a:bodyPr rtlCol="0" anchor="ctr"/>
+              <a:lstStyle/>
+              <a:p>
+                <a:pPr algn="ctr"/>
+                <a:endParaRPr lang="ko-KR" altLang="en-US"/>
+              </a:p>
+            </p:txBody>
+          </p:sp>
+        </p:grpSp>
+        <p:pic>
+          <p:nvPicPr>
+            <p:cNvPr id="11" name="Picture 2"/>
+            <p:cNvPicPr>
+              <a:picLocks noChangeAspect="1" noChangeArrowheads="1"/>
+            </p:cNvPicPr>
+            <p:nvPr/>
+          </p:nvPicPr>
+          <p:blipFill>
+            <a:blip r:embed="rId3" cstate="print">
+              <a:extLst>
+                <a:ext uri="{28A0092B-C50C-407E-A947-70E740481C1C}">
+                  <a14:useLocalDpi xmlns:a14="http://schemas.microsoft.com/office/drawing/2010/main" xmlns="" val="0"/>
+                </a:ext>
+              </a:extLst>
+            </a:blip>
+            <a:srcRect/>
+            <a:stretch>
+              <a:fillRect/>
+            </a:stretch>
+          </p:blipFill>
+          <p:spPr bwMode="auto">
+            <a:xfrm>
+              <a:off x="6000760" y="2357430"/>
+              <a:ext cx="2451473" cy="2500330"/>
+            </a:xfrm>
+            <a:prstGeom prst="rect">
+              <a:avLst/>
+            </a:prstGeom>
             <a:noFill/>
-            <a:miter lim="800000"/>
-            <a:headEnd/>
-            <a:tailEnd/>
-          </a:ln>
-          <a:effectLst/>
-        </p:spPr>
-      </p:pic>
-      <p:pic>
-        <p:nvPicPr>
-          <p:cNvPr id="3" name="Picture 2"/>
-          <p:cNvPicPr>
-            <a:picLocks noChangeAspect="1" noChangeArrowheads="1"/>
-          </p:cNvPicPr>
-          <p:nvPr/>
-        </p:nvPicPr>
-        <p:blipFill>
-          <a:blip r:embed="rId3" cstate="print">
-            <a:extLst>
-              <a:ext uri="{28A0092B-C50C-407E-A947-70E740481C1C}">
-                <a14:useLocalDpi xmlns:a14="http://schemas.microsoft.com/office/drawing/2010/main" val="0"/>
-              </a:ext>
-            </a:extLst>
-          </a:blip>
-          <a:srcRect/>
-          <a:stretch>
-            <a:fillRect/>
-          </a:stretch>
-        </p:blipFill>
-        <p:spPr bwMode="auto">
-          <a:xfrm>
-            <a:off x="567919" y="2858125"/>
-            <a:ext cx="2872467" cy="2929714"/>
-          </a:xfrm>
-          <a:prstGeom prst="rect">
-            <a:avLst/>
-          </a:prstGeom>
-          <a:noFill/>
-          <a:ln w="9525">
-            <a:solidFill>
-              <a:schemeClr val="tx1"/>
-            </a:solidFill>
-            <a:miter lim="800000"/>
-            <a:headEnd/>
-            <a:tailEnd/>
-          </a:ln>
-          <a:effectLst/>
-          <a:extLst>
-            <a:ext uri="{909E8E84-426E-40DD-AFC4-6F175D3DCCD1}">
-              <a14:hiddenFill xmlns:a14="http://schemas.microsoft.com/office/drawing/2010/main">
-                <a:solidFill>
-                  <a:schemeClr val="accent1"/>
-                </a:solidFill>
-              </a14:hiddenFill>
-            </a:ext>
-            <a:ext uri="{AF507438-7753-43E0-B8FC-AC1667EBCBE1}">
-              <a14:hiddenEffects xmlns:a14="http://schemas.microsoft.com/office/drawing/2010/main">
-                <a:effectLst>
-                  <a:outerShdw dist="35921" dir="2700000" algn="ctr" rotWithShape="0">
-                    <a:schemeClr val="bg2"/>
-                  </a:outerShdw>
-                </a:effectLst>
-              </a14:hiddenEffects>
-            </a:ext>
-          </a:extLst>
-        </p:spPr>
-      </p:pic>
-      <p:pic>
-        <p:nvPicPr>
-          <p:cNvPr id="4" name="Picture 3"/>
-          <p:cNvPicPr>
-            <a:picLocks noChangeAspect="1" noChangeArrowheads="1"/>
-          </p:cNvPicPr>
-          <p:nvPr/>
-        </p:nvPicPr>
-        <p:blipFill>
-          <a:blip r:embed="rId4" cstate="print">
-            <a:extLst>
-              <a:ext uri="{28A0092B-C50C-407E-A947-70E740481C1C}">
-                <a14:useLocalDpi xmlns:a14="http://schemas.microsoft.com/office/drawing/2010/main" val="0"/>
-              </a:ext>
-            </a:extLst>
-          </a:blip>
-          <a:srcRect/>
-          <a:stretch>
-            <a:fillRect/>
-          </a:stretch>
-        </p:blipFill>
-        <p:spPr bwMode="auto">
-          <a:xfrm>
-            <a:off x="2118784" y="2861356"/>
-            <a:ext cx="3013994" cy="2935575"/>
-          </a:xfrm>
-          <a:prstGeom prst="rect">
-            <a:avLst/>
-          </a:prstGeom>
-          <a:noFill/>
-          <a:ln w="9525">
-            <a:solidFill>
-              <a:schemeClr val="tx1"/>
-            </a:solidFill>
-            <a:miter lim="800000"/>
-            <a:headEnd/>
-            <a:tailEnd/>
-          </a:ln>
-          <a:effectLst/>
-          <a:extLst>
-            <a:ext uri="{909E8E84-426E-40DD-AFC4-6F175D3DCCD1}">
-              <a14:hiddenFill xmlns:a14="http://schemas.microsoft.com/office/drawing/2010/main">
-                <a:solidFill>
-                  <a:schemeClr val="accent1"/>
-                </a:solidFill>
-              </a14:hiddenFill>
-            </a:ext>
-            <a:ext uri="{AF507438-7753-43E0-B8FC-AC1667EBCBE1}">
-              <a14:hiddenEffects xmlns:a14="http://schemas.microsoft.com/office/drawing/2010/main">
-                <a:effectLst>
-                  <a:outerShdw dist="35921" dir="2700000" algn="ctr" rotWithShape="0">
-                    <a:schemeClr val="bg2"/>
-                  </a:outerShdw>
-                </a:effectLst>
-              </a14:hiddenEffects>
-            </a:ext>
-          </a:extLst>
-        </p:spPr>
-      </p:pic>
-      <p:pic>
-        <p:nvPicPr>
-          <p:cNvPr id="5" name="Picture 4"/>
-          <p:cNvPicPr>
-            <a:picLocks noChangeAspect="1" noChangeArrowheads="1"/>
-          </p:cNvPicPr>
-          <p:nvPr/>
-        </p:nvPicPr>
-        <p:blipFill>
-          <a:blip r:embed="rId5">
-            <a:extLst>
-              <a:ext uri="{28A0092B-C50C-407E-A947-70E740481C1C}">
-                <a14:useLocalDpi xmlns:a14="http://schemas.microsoft.com/office/drawing/2010/main" val="0"/>
-              </a:ext>
-            </a:extLst>
-          </a:blip>
-          <a:srcRect/>
-          <a:stretch>
-            <a:fillRect/>
-          </a:stretch>
-        </p:blipFill>
-        <p:spPr bwMode="auto">
-          <a:xfrm>
-            <a:off x="4427984" y="2861356"/>
-            <a:ext cx="4166117" cy="2952328"/>
-          </a:xfrm>
-          <a:prstGeom prst="rect">
-            <a:avLst/>
-          </a:prstGeom>
-          <a:noFill/>
-          <a:ln w="9525">
-            <a:solidFill>
-              <a:schemeClr val="tx1"/>
-            </a:solidFill>
-            <a:miter lim="800000"/>
-            <a:headEnd/>
-            <a:tailEnd/>
-          </a:ln>
-          <a:effectLst/>
-          <a:extLst>
-            <a:ext uri="{909E8E84-426E-40DD-AFC4-6F175D3DCCD1}">
-              <a14:hiddenFill xmlns:a14="http://schemas.microsoft.com/office/drawing/2010/main">
-                <a:solidFill>
-                  <a:schemeClr val="accent1"/>
-                </a:solidFill>
-              </a14:hiddenFill>
-            </a:ext>
-            <a:ext uri="{AF507438-7753-43E0-B8FC-AC1667EBCBE1}">
-              <a14:hiddenEffects xmlns:a14="http://schemas.microsoft.com/office/drawing/2010/main">
-                <a:effectLst>
-                  <a:outerShdw dist="35921" dir="2700000" algn="ctr" rotWithShape="0">
-                    <a:schemeClr val="bg2"/>
-                  </a:outerShdw>
-                </a:effectLst>
-              </a14:hiddenEffects>
-            </a:ext>
-          </a:extLst>
-        </p:spPr>
-      </p:pic>
-      <p:sp>
-        <p:nvSpPr>
-          <p:cNvPr id="2" name="모서리가 둥근 직사각형 1"/>
-          <p:cNvSpPr/>
-          <p:nvPr/>
-        </p:nvSpPr>
-        <p:spPr>
-          <a:xfrm>
-            <a:off x="567919" y="2488139"/>
-            <a:ext cx="1347751" cy="288032"/>
-          </a:xfrm>
-          <a:prstGeom prst="roundRect">
-            <a:avLst/>
-          </a:prstGeom>
-          <a:solidFill>
-            <a:schemeClr val="bg1"/>
-          </a:solidFill>
-          <a:ln>
-            <a:solidFill>
-              <a:schemeClr val="tx1"/>
-            </a:solidFill>
-          </a:ln>
-        </p:spPr>
-        <p:style>
-          <a:lnRef idx="2">
-            <a:schemeClr val="accent1">
-              <a:shade val="50000"/>
-            </a:schemeClr>
-          </a:lnRef>
-          <a:fillRef idx="1">
-            <a:schemeClr val="accent1"/>
-          </a:fillRef>
-          <a:effectRef idx="0">
-            <a:schemeClr val="accent1"/>
-          </a:effectRef>
-          <a:fontRef idx="minor">
-            <a:schemeClr val="lt1"/>
-          </a:fontRef>
-        </p:style>
-        <p:txBody>
-          <a:bodyPr rtlCol="0" anchor="ctr"/>
-          <a:lstStyle/>
-          <a:p>
-            <a:pPr algn="ctr"/>
-            <a:r>
-              <a:rPr lang="ko-KR" altLang="en-US" sz="1000" dirty="0" smtClean="0">
-                <a:solidFill>
-                  <a:schemeClr val="tx1"/>
-                </a:solidFill>
-              </a:rPr>
-              <a:t>역대관중 현황표</a:t>
-            </a:r>
-            <a:endParaRPr lang="ko-KR" altLang="en-US" sz="1000" dirty="0">
+            <a:ln w="9525">
               <a:solidFill>
                 <a:schemeClr val="tx1"/>
               </a:solidFill>
-            </a:endParaRPr>
-          </a:p>
-        </p:txBody>
-      </p:sp>
-      <p:sp>
-        <p:nvSpPr>
-          <p:cNvPr id="7" name="모서리가 둥근 직사각형 6"/>
-          <p:cNvSpPr/>
-          <p:nvPr/>
-        </p:nvSpPr>
-        <p:spPr>
-          <a:xfrm>
-            <a:off x="2118784" y="2488139"/>
-            <a:ext cx="2093175" cy="288032"/>
-          </a:xfrm>
-          <a:prstGeom prst="roundRect">
-            <a:avLst/>
-          </a:prstGeom>
-          <a:solidFill>
-            <a:schemeClr val="bg1"/>
-          </a:solidFill>
-          <a:ln>
-            <a:solidFill>
-              <a:schemeClr val="tx1"/>
-            </a:solidFill>
-          </a:ln>
-        </p:spPr>
-        <p:style>
-          <a:lnRef idx="2">
-            <a:schemeClr val="accent1">
-              <a:shade val="50000"/>
-            </a:schemeClr>
-          </a:lnRef>
-          <a:fillRef idx="1">
-            <a:schemeClr val="accent1"/>
-          </a:fillRef>
-          <a:effectRef idx="0">
-            <a:schemeClr val="accent1"/>
-          </a:effectRef>
-          <a:fontRef idx="minor">
-            <a:schemeClr val="lt1"/>
-          </a:fontRef>
-        </p:style>
-        <p:txBody>
-          <a:bodyPr rtlCol="0" anchor="ctr"/>
-          <a:lstStyle/>
-          <a:p>
-            <a:pPr algn="ctr"/>
-            <a:r>
-              <a:rPr lang="ko-KR" altLang="en-US" sz="1000" dirty="0" smtClean="0">
-                <a:solidFill>
-                  <a:schemeClr val="tx1"/>
-                </a:solidFill>
-              </a:rPr>
-              <a:t>연도별</a:t>
-            </a:r>
-            <a:r>
-              <a:rPr lang="en-US" altLang="ko-KR" sz="1000" dirty="0" smtClean="0">
-                <a:solidFill>
-                  <a:schemeClr val="tx1"/>
-                </a:solidFill>
-              </a:rPr>
-              <a:t>(</a:t>
-            </a:r>
-            <a:r>
-              <a:rPr lang="ko-KR" altLang="en-US" sz="1000" dirty="0" smtClean="0">
-                <a:solidFill>
-                  <a:schemeClr val="tx1"/>
-                </a:solidFill>
-              </a:rPr>
-              <a:t>구단 필터</a:t>
-            </a:r>
-            <a:r>
-              <a:rPr lang="en-US" altLang="ko-KR" sz="1000" dirty="0" smtClean="0">
-                <a:solidFill>
-                  <a:schemeClr val="tx1"/>
-                </a:solidFill>
-              </a:rPr>
-              <a:t>)</a:t>
-            </a:r>
-            <a:r>
-              <a:rPr lang="ko-KR" altLang="en-US" sz="1000" dirty="0" smtClean="0">
-                <a:solidFill>
-                  <a:schemeClr val="tx1"/>
-                </a:solidFill>
-              </a:rPr>
-              <a:t> 관중 현황</a:t>
-            </a:r>
-            <a:endParaRPr lang="ko-KR" altLang="en-US" sz="1000" dirty="0">
+              <a:miter lim="800000"/>
+              <a:headEnd/>
+              <a:tailEnd/>
+            </a:ln>
+            <a:effectLst/>
+            <a:extLst>
+              <a:ext uri="{909E8E84-426E-40DD-AFC4-6F175D3DCCD1}">
+                <a14:hiddenFill xmlns:a14="http://schemas.microsoft.com/office/drawing/2010/main" xmlns="">
+                  <a:solidFill>
+                    <a:schemeClr val="accent1"/>
+                  </a:solidFill>
+                </a14:hiddenFill>
+              </a:ext>
+              <a:ext uri="{AF507438-7753-43E0-B8FC-AC1667EBCBE1}">
+                <a14:hiddenEffects xmlns:a14="http://schemas.microsoft.com/office/drawing/2010/main" xmlns="">
+                  <a:effectLst>
+                    <a:outerShdw dist="35921" dir="2700000" algn="ctr" rotWithShape="0">
+                      <a:schemeClr val="bg2"/>
+                    </a:outerShdw>
+                  </a:effectLst>
+                </a14:hiddenEffects>
+              </a:ext>
+            </a:extLst>
+          </p:spPr>
+        </p:pic>
+        <p:pic>
+          <p:nvPicPr>
+            <p:cNvPr id="12" name="Picture 3"/>
+            <p:cNvPicPr>
+              <a:picLocks noChangeAspect="1" noChangeArrowheads="1"/>
+            </p:cNvPicPr>
+            <p:nvPr/>
+          </p:nvPicPr>
+          <p:blipFill>
+            <a:blip r:embed="rId4" cstate="print">
+              <a:extLst>
+                <a:ext uri="{28A0092B-C50C-407E-A947-70E740481C1C}">
+                  <a14:useLocalDpi xmlns:a14="http://schemas.microsoft.com/office/drawing/2010/main" xmlns="" val="0"/>
+                </a:ext>
+              </a:extLst>
+            </a:blip>
+            <a:srcRect/>
+            <a:stretch>
+              <a:fillRect/>
+            </a:stretch>
+          </p:blipFill>
+          <p:spPr bwMode="auto">
+            <a:xfrm>
+              <a:off x="3929058" y="2357430"/>
+              <a:ext cx="1760312" cy="1714512"/>
+            </a:xfrm>
+            <a:prstGeom prst="rect">
+              <a:avLst/>
+            </a:prstGeom>
+            <a:noFill/>
+            <a:ln w="9525">
               <a:solidFill>
                 <a:schemeClr val="tx1"/>
               </a:solidFill>
-            </a:endParaRPr>
-          </a:p>
-        </p:txBody>
-      </p:sp>
-      <p:sp>
-        <p:nvSpPr>
-          <p:cNvPr id="8" name="모서리가 둥근 직사각형 7"/>
-          <p:cNvSpPr/>
-          <p:nvPr/>
-        </p:nvSpPr>
-        <p:spPr>
-          <a:xfrm>
-            <a:off x="4438400" y="2488139"/>
-            <a:ext cx="2259415" cy="288032"/>
-          </a:xfrm>
-          <a:prstGeom prst="roundRect">
-            <a:avLst/>
-          </a:prstGeom>
-          <a:solidFill>
-            <a:schemeClr val="bg1"/>
-          </a:solidFill>
-          <a:ln>
-            <a:solidFill>
-              <a:schemeClr val="tx1"/>
-            </a:solidFill>
-          </a:ln>
-        </p:spPr>
-        <p:style>
-          <a:lnRef idx="2">
-            <a:schemeClr val="accent1">
-              <a:shade val="50000"/>
-            </a:schemeClr>
-          </a:lnRef>
-          <a:fillRef idx="1">
-            <a:schemeClr val="accent1"/>
-          </a:fillRef>
-          <a:effectRef idx="0">
-            <a:schemeClr val="accent1"/>
-          </a:effectRef>
-          <a:fontRef idx="minor">
-            <a:schemeClr val="lt1"/>
-          </a:fontRef>
-        </p:style>
-        <p:txBody>
-          <a:bodyPr rtlCol="0" anchor="ctr"/>
-          <a:lstStyle/>
-          <a:p>
-            <a:pPr algn="ctr"/>
-            <a:r>
-              <a:rPr lang="ko-KR" altLang="en-US" sz="1000" dirty="0" err="1" smtClean="0">
-                <a:solidFill>
-                  <a:schemeClr val="tx1"/>
-                </a:solidFill>
-              </a:rPr>
-              <a:t>구단별</a:t>
-            </a:r>
-            <a:r>
-              <a:rPr lang="en-US" altLang="ko-KR" sz="1000" dirty="0" smtClean="0">
-                <a:solidFill>
-                  <a:schemeClr val="tx1"/>
-                </a:solidFill>
-              </a:rPr>
-              <a:t>(</a:t>
-            </a:r>
-            <a:r>
-              <a:rPr lang="ko-KR" altLang="en-US" sz="1000" dirty="0" smtClean="0">
-                <a:solidFill>
-                  <a:schemeClr val="tx1"/>
-                </a:solidFill>
-              </a:rPr>
-              <a:t>연도별 필터</a:t>
-            </a:r>
-            <a:r>
-              <a:rPr lang="en-US" altLang="ko-KR" sz="1000" dirty="0" smtClean="0">
-                <a:solidFill>
-                  <a:schemeClr val="tx1"/>
-                </a:solidFill>
-              </a:rPr>
-              <a:t>)</a:t>
-            </a:r>
-            <a:r>
-              <a:rPr lang="ko-KR" altLang="en-US" sz="1000" dirty="0" smtClean="0">
-                <a:solidFill>
-                  <a:schemeClr val="tx1"/>
-                </a:solidFill>
-              </a:rPr>
-              <a:t> 관중현황</a:t>
-            </a:r>
-            <a:endParaRPr lang="ko-KR" altLang="en-US" sz="1000" dirty="0">
+              <a:miter lim="800000"/>
+              <a:headEnd/>
+              <a:tailEnd/>
+            </a:ln>
+            <a:effectLst/>
+            <a:extLst>
+              <a:ext uri="{909E8E84-426E-40DD-AFC4-6F175D3DCCD1}">
+                <a14:hiddenFill xmlns:a14="http://schemas.microsoft.com/office/drawing/2010/main" xmlns="">
+                  <a:solidFill>
+                    <a:schemeClr val="accent1"/>
+                  </a:solidFill>
+                </a14:hiddenFill>
+              </a:ext>
+              <a:ext uri="{AF507438-7753-43E0-B8FC-AC1667EBCBE1}">
+                <a14:hiddenEffects xmlns:a14="http://schemas.microsoft.com/office/drawing/2010/main" xmlns="">
+                  <a:effectLst>
+                    <a:outerShdw dist="35921" dir="2700000" algn="ctr" rotWithShape="0">
+                      <a:schemeClr val="bg2"/>
+                    </a:outerShdw>
+                  </a:effectLst>
+                </a14:hiddenEffects>
+              </a:ext>
+            </a:extLst>
+          </p:spPr>
+        </p:pic>
+        <p:pic>
+          <p:nvPicPr>
+            <p:cNvPr id="13" name="Picture 4"/>
+            <p:cNvPicPr>
+              <a:picLocks noChangeAspect="1" noChangeArrowheads="1"/>
+            </p:cNvPicPr>
+            <p:nvPr/>
+          </p:nvPicPr>
+          <p:blipFill>
+            <a:blip r:embed="rId5" cstate="print">
+              <a:extLst>
+                <a:ext uri="{28A0092B-C50C-407E-A947-70E740481C1C}">
+                  <a14:useLocalDpi xmlns:a14="http://schemas.microsoft.com/office/drawing/2010/main" xmlns="" val="0"/>
+                </a:ext>
+              </a:extLst>
+            </a:blip>
+            <a:srcRect/>
+            <a:stretch>
+              <a:fillRect/>
+            </a:stretch>
+          </p:blipFill>
+          <p:spPr bwMode="auto">
+            <a:xfrm>
+              <a:off x="1071538" y="2357430"/>
+              <a:ext cx="2428892" cy="1721240"/>
+            </a:xfrm>
+            <a:prstGeom prst="rect">
+              <a:avLst/>
+            </a:prstGeom>
+            <a:noFill/>
+            <a:ln w="9525">
               <a:solidFill>
                 <a:schemeClr val="tx1"/>
               </a:solidFill>
-            </a:endParaRPr>
-          </a:p>
-        </p:txBody>
-      </p:sp>
+              <a:miter lim="800000"/>
+              <a:headEnd/>
+              <a:tailEnd/>
+            </a:ln>
+            <a:effectLst/>
+            <a:extLst>
+              <a:ext uri="{909E8E84-426E-40DD-AFC4-6F175D3DCCD1}">
+                <a14:hiddenFill xmlns:a14="http://schemas.microsoft.com/office/drawing/2010/main" xmlns="">
+                  <a:solidFill>
+                    <a:schemeClr val="accent1"/>
+                  </a:solidFill>
+                </a14:hiddenFill>
+              </a:ext>
+              <a:ext uri="{AF507438-7753-43E0-B8FC-AC1667EBCBE1}">
+                <a14:hiddenEffects xmlns:a14="http://schemas.microsoft.com/office/drawing/2010/main" xmlns="">
+                  <a:effectLst>
+                    <a:outerShdw dist="35921" dir="2700000" algn="ctr" rotWithShape="0">
+                      <a:schemeClr val="bg2"/>
+                    </a:outerShdw>
+                  </a:effectLst>
+                </a14:hiddenEffects>
+              </a:ext>
+            </a:extLst>
+          </p:spPr>
+        </p:pic>
+        <p:sp>
+          <p:nvSpPr>
+            <p:cNvPr id="14" name="모서리가 둥근 직사각형 1"/>
+            <p:cNvSpPr/>
+            <p:nvPr/>
+          </p:nvSpPr>
+          <p:spPr>
+            <a:xfrm>
+              <a:off x="6010331" y="2000240"/>
+              <a:ext cx="1347751" cy="288032"/>
+            </a:xfrm>
+            <a:prstGeom prst="roundRect">
+              <a:avLst/>
+            </a:prstGeom>
+            <a:solidFill>
+              <a:schemeClr val="bg1"/>
+            </a:solidFill>
+            <a:ln>
+              <a:solidFill>
+                <a:schemeClr val="tx1"/>
+              </a:solidFill>
+            </a:ln>
+          </p:spPr>
+          <p:style>
+            <a:lnRef idx="2">
+              <a:schemeClr val="accent1">
+                <a:shade val="50000"/>
+              </a:schemeClr>
+            </a:lnRef>
+            <a:fillRef idx="1">
+              <a:schemeClr val="accent1"/>
+            </a:fillRef>
+            <a:effectRef idx="0">
+              <a:schemeClr val="accent1"/>
+            </a:effectRef>
+            <a:fontRef idx="minor">
+              <a:schemeClr val="lt1"/>
+            </a:fontRef>
+          </p:style>
+          <p:txBody>
+            <a:bodyPr rtlCol="0" anchor="ctr"/>
+            <a:lstStyle/>
+            <a:p>
+              <a:pPr algn="ctr"/>
+              <a:r>
+                <a:rPr lang="ko-KR" altLang="en-US" sz="1000" dirty="0" smtClean="0">
+                  <a:solidFill>
+                    <a:schemeClr val="tx1"/>
+                  </a:solidFill>
+                </a:rPr>
+                <a:t>역대관중 현황표</a:t>
+              </a:r>
+              <a:endParaRPr lang="ko-KR" altLang="en-US" sz="1000" dirty="0">
+                <a:solidFill>
+                  <a:schemeClr val="tx1"/>
+                </a:solidFill>
+              </a:endParaRPr>
+            </a:p>
+          </p:txBody>
+        </p:sp>
+        <p:sp>
+          <p:nvSpPr>
+            <p:cNvPr id="15" name="모서리가 둥근 직사각형 14"/>
+            <p:cNvSpPr/>
+            <p:nvPr/>
+          </p:nvSpPr>
+          <p:spPr>
+            <a:xfrm>
+              <a:off x="3929058" y="2000240"/>
+              <a:ext cx="1347751" cy="288032"/>
+            </a:xfrm>
+            <a:prstGeom prst="roundRect">
+              <a:avLst/>
+            </a:prstGeom>
+            <a:solidFill>
+              <a:schemeClr val="bg1"/>
+            </a:solidFill>
+            <a:ln>
+              <a:solidFill>
+                <a:schemeClr val="tx1"/>
+              </a:solidFill>
+            </a:ln>
+          </p:spPr>
+          <p:style>
+            <a:lnRef idx="2">
+              <a:schemeClr val="accent1">
+                <a:shade val="50000"/>
+              </a:schemeClr>
+            </a:lnRef>
+            <a:fillRef idx="1">
+              <a:schemeClr val="accent1"/>
+            </a:fillRef>
+            <a:effectRef idx="0">
+              <a:schemeClr val="accent1"/>
+            </a:effectRef>
+            <a:fontRef idx="minor">
+              <a:schemeClr val="lt1"/>
+            </a:fontRef>
+          </p:style>
+          <p:txBody>
+            <a:bodyPr rtlCol="0" anchor="ctr"/>
+            <a:lstStyle/>
+            <a:p>
+              <a:pPr algn="ctr"/>
+              <a:r>
+                <a:rPr lang="ko-KR" altLang="en-US" sz="1000" dirty="0" smtClean="0">
+                  <a:solidFill>
+                    <a:schemeClr val="tx1"/>
+                  </a:solidFill>
+                </a:rPr>
+                <a:t>연도별 관중 현황</a:t>
+              </a:r>
+              <a:endParaRPr lang="ko-KR" altLang="en-US" sz="1000" dirty="0">
+                <a:solidFill>
+                  <a:schemeClr val="tx1"/>
+                </a:solidFill>
+              </a:endParaRPr>
+            </a:p>
+          </p:txBody>
+        </p:sp>
+        <p:sp>
+          <p:nvSpPr>
+            <p:cNvPr id="16" name="모서리가 둥근 직사각형 15"/>
+            <p:cNvSpPr/>
+            <p:nvPr/>
+          </p:nvSpPr>
+          <p:spPr>
+            <a:xfrm>
+              <a:off x="1071538" y="2000240"/>
+              <a:ext cx="1347751" cy="288032"/>
+            </a:xfrm>
+            <a:prstGeom prst="roundRect">
+              <a:avLst/>
+            </a:prstGeom>
+            <a:solidFill>
+              <a:schemeClr val="bg1"/>
+            </a:solidFill>
+            <a:ln>
+              <a:solidFill>
+                <a:schemeClr val="tx1"/>
+              </a:solidFill>
+            </a:ln>
+          </p:spPr>
+          <p:style>
+            <a:lnRef idx="2">
+              <a:schemeClr val="accent1">
+                <a:shade val="50000"/>
+              </a:schemeClr>
+            </a:lnRef>
+            <a:fillRef idx="1">
+              <a:schemeClr val="accent1"/>
+            </a:fillRef>
+            <a:effectRef idx="0">
+              <a:schemeClr val="accent1"/>
+            </a:effectRef>
+            <a:fontRef idx="minor">
+              <a:schemeClr val="lt1"/>
+            </a:fontRef>
+          </p:style>
+          <p:txBody>
+            <a:bodyPr rtlCol="0" anchor="ctr"/>
+            <a:lstStyle/>
+            <a:p>
+              <a:pPr algn="ctr"/>
+              <a:r>
+                <a:rPr lang="ko-KR" altLang="en-US" sz="1000" dirty="0" err="1" smtClean="0">
+                  <a:solidFill>
+                    <a:schemeClr val="tx1"/>
+                  </a:solidFill>
+                </a:rPr>
+                <a:t>구단별</a:t>
+              </a:r>
+              <a:r>
+                <a:rPr lang="ko-KR" altLang="en-US" sz="1000" dirty="0" smtClean="0">
+                  <a:solidFill>
+                    <a:schemeClr val="tx1"/>
+                  </a:solidFill>
+                </a:rPr>
+                <a:t> 관중현황</a:t>
+              </a:r>
+              <a:endParaRPr lang="ko-KR" altLang="en-US" sz="1000" dirty="0">
+                <a:solidFill>
+                  <a:schemeClr val="tx1"/>
+                </a:solidFill>
+              </a:endParaRPr>
+            </a:p>
+          </p:txBody>
+        </p:sp>
+        <p:cxnSp>
+          <p:nvCxnSpPr>
+            <p:cNvPr id="17" name="직선 연결선 16"/>
+            <p:cNvCxnSpPr/>
+            <p:nvPr/>
+          </p:nvCxnSpPr>
+          <p:spPr>
+            <a:xfrm rot="5400000">
+              <a:off x="1893075" y="3821116"/>
+              <a:ext cx="3643338" cy="1588"/>
+            </a:xfrm>
+            <a:prstGeom prst="line">
+              <a:avLst/>
+            </a:prstGeom>
+            <a:ln>
+              <a:solidFill>
+                <a:schemeClr val="bg1">
+                  <a:lumMod val="85000"/>
+                </a:schemeClr>
+              </a:solidFill>
+            </a:ln>
+          </p:spPr>
+          <p:style>
+            <a:lnRef idx="1">
+              <a:schemeClr val="accent1"/>
+            </a:lnRef>
+            <a:fillRef idx="0">
+              <a:schemeClr val="accent1"/>
+            </a:fillRef>
+            <a:effectRef idx="0">
+              <a:schemeClr val="accent1"/>
+            </a:effectRef>
+            <a:fontRef idx="minor">
+              <a:schemeClr val="tx1"/>
+            </a:fontRef>
+          </p:style>
+        </p:cxnSp>
+        <p:cxnSp>
+          <p:nvCxnSpPr>
+            <p:cNvPr id="18" name="직선 연결선 17"/>
+            <p:cNvCxnSpPr/>
+            <p:nvPr/>
+          </p:nvCxnSpPr>
+          <p:spPr>
+            <a:xfrm rot="5400000">
+              <a:off x="4037009" y="3821115"/>
+              <a:ext cx="3643338" cy="1588"/>
+            </a:xfrm>
+            <a:prstGeom prst="line">
+              <a:avLst/>
+            </a:prstGeom>
+            <a:ln>
+              <a:solidFill>
+                <a:schemeClr val="bg1">
+                  <a:lumMod val="85000"/>
+                </a:schemeClr>
+              </a:solidFill>
+            </a:ln>
+          </p:spPr>
+          <p:style>
+            <a:lnRef idx="1">
+              <a:schemeClr val="accent1"/>
+            </a:lnRef>
+            <a:fillRef idx="0">
+              <a:schemeClr val="accent1"/>
+            </a:fillRef>
+            <a:effectRef idx="0">
+              <a:schemeClr val="accent1"/>
+            </a:effectRef>
+            <a:fontRef idx="minor">
+              <a:schemeClr val="tx1"/>
+            </a:fontRef>
+          </p:style>
+        </p:cxnSp>
+        <p:sp>
+          <p:nvSpPr>
+            <p:cNvPr id="19" name="모서리가 둥근 사각형 설명선 18"/>
+            <p:cNvSpPr/>
+            <p:nvPr/>
+          </p:nvSpPr>
+          <p:spPr>
+            <a:xfrm>
+              <a:off x="3286116" y="5072074"/>
+              <a:ext cx="2500330" cy="571504"/>
+            </a:xfrm>
+            <a:prstGeom prst="wedgeRoundRectCallout">
+              <a:avLst>
+                <a:gd name="adj1" fmla="val 24445"/>
+                <a:gd name="adj2" fmla="val -102070"/>
+                <a:gd name="adj3" fmla="val 16667"/>
+              </a:avLst>
+            </a:prstGeom>
+            <a:solidFill>
+              <a:schemeClr val="tx1">
+                <a:lumMod val="65000"/>
+                <a:lumOff val="35000"/>
+              </a:schemeClr>
+            </a:solidFill>
+            <a:ln>
+              <a:noFill/>
+            </a:ln>
+          </p:spPr>
+          <p:style>
+            <a:lnRef idx="2">
+              <a:schemeClr val="accent1">
+                <a:shade val="50000"/>
+              </a:schemeClr>
+            </a:lnRef>
+            <a:fillRef idx="1">
+              <a:schemeClr val="accent1"/>
+            </a:fillRef>
+            <a:effectRef idx="0">
+              <a:schemeClr val="accent1"/>
+            </a:effectRef>
+            <a:fontRef idx="minor">
+              <a:schemeClr val="lt1"/>
+            </a:fontRef>
+          </p:style>
+          <p:txBody>
+            <a:bodyPr rtlCol="0" anchor="ctr"/>
+            <a:lstStyle/>
+            <a:p>
+              <a:pPr algn="ctr"/>
+              <a:r>
+                <a:rPr lang="en-US" altLang="ko-KR" sz="1100" dirty="0" smtClean="0"/>
+                <a:t>3</a:t>
+              </a:r>
+              <a:r>
+                <a:rPr lang="ko-KR" altLang="en-US" sz="1100" dirty="0" smtClean="0"/>
+                <a:t>분면 또는 </a:t>
+              </a:r>
+              <a:r>
+                <a:rPr lang="en-US" altLang="ko-KR" sz="1100" dirty="0" smtClean="0"/>
+                <a:t>1</a:t>
+              </a:r>
+              <a:r>
+                <a:rPr lang="ko-KR" altLang="en-US" sz="1100" dirty="0" smtClean="0"/>
+                <a:t>면에 차례로 배치한다</a:t>
+              </a:r>
+              <a:endParaRPr lang="ko-KR" altLang="en-US" sz="1100" dirty="0"/>
+            </a:p>
+          </p:txBody>
+        </p:sp>
+      </p:grpSp>
     </p:spTree>
     <p:extLst>
       <p:ext uri="{BB962C8B-B14F-4D97-AF65-F5344CB8AC3E}">
-        <p14:creationId xmlns:p14="http://schemas.microsoft.com/office/powerpoint/2010/main" val="2358022711"/>
+        <p14:creationId xmlns:p14="http://schemas.microsoft.com/office/powerpoint/2010/main" xmlns="" val="2358022711"/>
       </p:ext>
     </p:extLst>
   </p:cSld>
@@ -4602,7 +4765,7 @@
           <a:blip r:embed="rId2">
             <a:extLst>
               <a:ext uri="{28A0092B-C50C-407E-A947-70E740481C1C}">
-                <a14:useLocalDpi xmlns:a14="http://schemas.microsoft.com/office/drawing/2010/main" val="0"/>
+                <a14:useLocalDpi xmlns:a14="http://schemas.microsoft.com/office/drawing/2010/main" xmlns="" val="0"/>
               </a:ext>
             </a:extLst>
           </a:blip>
@@ -4626,14 +4789,14 @@
           <a:effectLst/>
           <a:extLst>
             <a:ext uri="{909E8E84-426E-40DD-AFC4-6F175D3DCCD1}">
-              <a14:hiddenFill xmlns:a14="http://schemas.microsoft.com/office/drawing/2010/main">
+              <a14:hiddenFill xmlns:a14="http://schemas.microsoft.com/office/drawing/2010/main" xmlns="">
                 <a:solidFill>
                   <a:schemeClr val="accent1"/>
                 </a:solidFill>
               </a14:hiddenFill>
             </a:ext>
             <a:ext uri="{91240B29-F687-4F45-9708-019B960494DF}">
-              <a14:hiddenLine xmlns:a14="http://schemas.microsoft.com/office/drawing/2010/main" w="9525">
+              <a14:hiddenLine xmlns:a14="http://schemas.microsoft.com/office/drawing/2010/main" xmlns="" w="9525">
                 <a:solidFill>
                   <a:schemeClr val="tx1"/>
                 </a:solidFill>
@@ -4643,7 +4806,7 @@
               </a14:hiddenLine>
             </a:ext>
             <a:ext uri="{AF507438-7753-43E0-B8FC-AC1667EBCBE1}">
-              <a14:hiddenEffects xmlns:a14="http://schemas.microsoft.com/office/drawing/2010/main">
+              <a14:hiddenEffects xmlns:a14="http://schemas.microsoft.com/office/drawing/2010/main" xmlns="">
                 <a:effectLst>
                   <a:outerShdw dist="35921" dir="2700000" algn="ctr" rotWithShape="0">
                     <a:schemeClr val="bg2"/>
@@ -4687,7 +4850,7 @@
     </p:spTree>
     <p:extLst>
       <p:ext uri="{BB962C8B-B14F-4D97-AF65-F5344CB8AC3E}">
-        <p14:creationId xmlns:p14="http://schemas.microsoft.com/office/powerpoint/2010/main" val="1222455737"/>
+        <p14:creationId xmlns:p14="http://schemas.microsoft.com/office/powerpoint/2010/main" xmlns="" val="1222455737"/>
       </p:ext>
     </p:extLst>
   </p:cSld>
@@ -4750,7 +4913,7 @@
     </p:spTree>
     <p:extLst>
       <p:ext uri="{BB962C8B-B14F-4D97-AF65-F5344CB8AC3E}">
-        <p14:creationId xmlns:p14="http://schemas.microsoft.com/office/powerpoint/2010/main" val="3551393168"/>
+        <p14:creationId xmlns:p14="http://schemas.microsoft.com/office/powerpoint/2010/main" xmlns="" val="3551393168"/>
       </p:ext>
     </p:extLst>
   </p:cSld>
@@ -4789,7 +4952,7 @@
           <a:blip r:embed="rId2">
             <a:extLst>
               <a:ext uri="{28A0092B-C50C-407E-A947-70E740481C1C}">
-                <a14:useLocalDpi xmlns:a14="http://schemas.microsoft.com/office/drawing/2010/main" val="0"/>
+                <a14:useLocalDpi xmlns:a14="http://schemas.microsoft.com/office/drawing/2010/main" xmlns="" val="0"/>
               </a:ext>
             </a:extLst>
           </a:blip>
@@ -4809,7 +4972,7 @@
           <a:noFill/>
           <a:extLst>
             <a:ext uri="{909E8E84-426E-40DD-AFC4-6F175D3DCCD1}">
-              <a14:hiddenFill xmlns:a14="http://schemas.microsoft.com/office/drawing/2010/main">
+              <a14:hiddenFill xmlns:a14="http://schemas.microsoft.com/office/drawing/2010/main" xmlns="">
                 <a:solidFill>
                   <a:srgbClr val="FFFFFF"/>
                 </a:solidFill>
@@ -5030,7 +5193,7 @@
     </p:spTree>
     <p:extLst>
       <p:ext uri="{BB962C8B-B14F-4D97-AF65-F5344CB8AC3E}">
-        <p14:creationId xmlns:p14="http://schemas.microsoft.com/office/powerpoint/2010/main" val="1761084381"/>
+        <p14:creationId xmlns:p14="http://schemas.microsoft.com/office/powerpoint/2010/main" xmlns="" val="1761084381"/>
       </p:ext>
     </p:extLst>
   </p:cSld>
@@ -5069,7 +5232,7 @@
           <a:blip r:embed="rId2">
             <a:extLst>
               <a:ext uri="{28A0092B-C50C-407E-A947-70E740481C1C}">
-                <a14:useLocalDpi xmlns:a14="http://schemas.microsoft.com/office/drawing/2010/main" val="0"/>
+                <a14:useLocalDpi xmlns:a14="http://schemas.microsoft.com/office/drawing/2010/main" xmlns="" val="0"/>
               </a:ext>
             </a:extLst>
           </a:blip>
@@ -5089,7 +5252,7 @@
           <a:noFill/>
           <a:extLst>
             <a:ext uri="{909E8E84-426E-40DD-AFC4-6F175D3DCCD1}">
-              <a14:hiddenFill xmlns:a14="http://schemas.microsoft.com/office/drawing/2010/main">
+              <a14:hiddenFill xmlns:a14="http://schemas.microsoft.com/office/drawing/2010/main" xmlns="">
                 <a:solidFill>
                   <a:srgbClr val="FFFFFF"/>
                 </a:solidFill>
@@ -5194,7 +5357,7 @@
     </p:spTree>
     <p:extLst>
       <p:ext uri="{BB962C8B-B14F-4D97-AF65-F5344CB8AC3E}">
-        <p14:creationId xmlns:p14="http://schemas.microsoft.com/office/powerpoint/2010/main" val="2851968572"/>
+        <p14:creationId xmlns:p14="http://schemas.microsoft.com/office/powerpoint/2010/main" xmlns="" val="2851968572"/>
       </p:ext>
     </p:extLst>
   </p:cSld>
@@ -5233,7 +5396,7 @@
           <a:blip r:embed="rId2">
             <a:extLst>
               <a:ext uri="{28A0092B-C50C-407E-A947-70E740481C1C}">
-                <a14:useLocalDpi xmlns:a14="http://schemas.microsoft.com/office/drawing/2010/main" val="0"/>
+                <a14:useLocalDpi xmlns:a14="http://schemas.microsoft.com/office/drawing/2010/main" xmlns="" val="0"/>
               </a:ext>
             </a:extLst>
           </a:blip>
@@ -5253,7 +5416,7 @@
           <a:noFill/>
           <a:extLst>
             <a:ext uri="{909E8E84-426E-40DD-AFC4-6F175D3DCCD1}">
-              <a14:hiddenFill xmlns:a14="http://schemas.microsoft.com/office/drawing/2010/main">
+              <a14:hiddenFill xmlns:a14="http://schemas.microsoft.com/office/drawing/2010/main" xmlns="">
                 <a:solidFill>
                   <a:srgbClr val="FFFFFF"/>
                 </a:solidFill>
@@ -5265,7 +5428,7 @@
     </p:spTree>
     <p:extLst>
       <p:ext uri="{BB962C8B-B14F-4D97-AF65-F5344CB8AC3E}">
-        <p14:creationId xmlns:p14="http://schemas.microsoft.com/office/powerpoint/2010/main" val="2851968572"/>
+        <p14:creationId xmlns:p14="http://schemas.microsoft.com/office/powerpoint/2010/main" xmlns="" val="2851968572"/>
       </p:ext>
     </p:extLst>
   </p:cSld>
@@ -5304,7 +5467,7 @@
           <a:blip r:embed="rId2">
             <a:extLst>
               <a:ext uri="{28A0092B-C50C-407E-A947-70E740481C1C}">
-                <a14:useLocalDpi xmlns:a14="http://schemas.microsoft.com/office/drawing/2010/main" val="0"/>
+                <a14:useLocalDpi xmlns:a14="http://schemas.microsoft.com/office/drawing/2010/main" xmlns="" val="0"/>
               </a:ext>
             </a:extLst>
           </a:blip>
@@ -5324,7 +5487,7 @@
           <a:noFill/>
           <a:extLst>
             <a:ext uri="{909E8E84-426E-40DD-AFC4-6F175D3DCCD1}">
-              <a14:hiddenFill xmlns:a14="http://schemas.microsoft.com/office/drawing/2010/main">
+              <a14:hiddenFill xmlns:a14="http://schemas.microsoft.com/office/drawing/2010/main" xmlns="">
                 <a:solidFill>
                   <a:srgbClr val="FFFFFF"/>
                 </a:solidFill>
@@ -5336,7 +5499,7 @@
     </p:spTree>
     <p:extLst>
       <p:ext uri="{BB962C8B-B14F-4D97-AF65-F5344CB8AC3E}">
-        <p14:creationId xmlns:p14="http://schemas.microsoft.com/office/powerpoint/2010/main" val="2851968572"/>
+        <p14:creationId xmlns:p14="http://schemas.microsoft.com/office/powerpoint/2010/main" xmlns="" val="2851968572"/>
       </p:ext>
     </p:extLst>
   </p:cSld>
@@ -5375,7 +5538,7 @@
           <a:blip r:embed="rId2">
             <a:extLst>
               <a:ext uri="{28A0092B-C50C-407E-A947-70E740481C1C}">
-                <a14:useLocalDpi xmlns:a14="http://schemas.microsoft.com/office/drawing/2010/main" val="0"/>
+                <a14:useLocalDpi xmlns:a14="http://schemas.microsoft.com/office/drawing/2010/main" xmlns="" val="0"/>
               </a:ext>
             </a:extLst>
           </a:blip>
@@ -5395,7 +5558,7 @@
           <a:noFill/>
           <a:extLst>
             <a:ext uri="{909E8E84-426E-40DD-AFC4-6F175D3DCCD1}">
-              <a14:hiddenFill xmlns:a14="http://schemas.microsoft.com/office/drawing/2010/main">
+              <a14:hiddenFill xmlns:a14="http://schemas.microsoft.com/office/drawing/2010/main" xmlns="">
                 <a:solidFill>
                   <a:srgbClr val="FFFFFF"/>
                 </a:solidFill>
@@ -5407,7 +5570,7 @@
     </p:spTree>
     <p:extLst>
       <p:ext uri="{BB962C8B-B14F-4D97-AF65-F5344CB8AC3E}">
-        <p14:creationId xmlns:p14="http://schemas.microsoft.com/office/powerpoint/2010/main" val="3834709605"/>
+        <p14:creationId xmlns:p14="http://schemas.microsoft.com/office/powerpoint/2010/main" xmlns="" val="3834709605"/>
       </p:ext>
     </p:extLst>
   </p:cSld>
@@ -5446,7 +5609,7 @@
           <a:blip r:embed="rId2">
             <a:extLst>
               <a:ext uri="{28A0092B-C50C-407E-A947-70E740481C1C}">
-                <a14:useLocalDpi xmlns:a14="http://schemas.microsoft.com/office/drawing/2010/main" val="0"/>
+                <a14:useLocalDpi xmlns:a14="http://schemas.microsoft.com/office/drawing/2010/main" xmlns="" val="0"/>
               </a:ext>
             </a:extLst>
           </a:blip>
@@ -5466,7 +5629,7 @@
           <a:noFill/>
           <a:extLst>
             <a:ext uri="{909E8E84-426E-40DD-AFC4-6F175D3DCCD1}">
-              <a14:hiddenFill xmlns:a14="http://schemas.microsoft.com/office/drawing/2010/main">
+              <a14:hiddenFill xmlns:a14="http://schemas.microsoft.com/office/drawing/2010/main" xmlns="">
                 <a:solidFill>
                   <a:srgbClr val="FFFFFF"/>
                 </a:solidFill>
@@ -5605,7 +5768,7 @@
     </p:spTree>
     <p:extLst>
       <p:ext uri="{BB962C8B-B14F-4D97-AF65-F5344CB8AC3E}">
-        <p14:creationId xmlns:p14="http://schemas.microsoft.com/office/powerpoint/2010/main" val="3944887229"/>
+        <p14:creationId xmlns:p14="http://schemas.microsoft.com/office/powerpoint/2010/main" xmlns="" val="3944887229"/>
       </p:ext>
     </p:extLst>
   </p:cSld>
@@ -5644,7 +5807,7 @@
           <a:blip r:embed="rId2" cstate="print">
             <a:extLst>
               <a:ext uri="{28A0092B-C50C-407E-A947-70E740481C1C}">
-                <a14:useLocalDpi xmlns:a14="http://schemas.microsoft.com/office/drawing/2010/main" val="0"/>
+                <a14:useLocalDpi xmlns:a14="http://schemas.microsoft.com/office/drawing/2010/main" xmlns="" val="0"/>
               </a:ext>
             </a:extLst>
           </a:blip>
@@ -5664,7 +5827,7 @@
           <a:noFill/>
           <a:extLst>
             <a:ext uri="{909E8E84-426E-40DD-AFC4-6F175D3DCCD1}">
-              <a14:hiddenFill xmlns:a14="http://schemas.microsoft.com/office/drawing/2010/main">
+              <a14:hiddenFill xmlns:a14="http://schemas.microsoft.com/office/drawing/2010/main" xmlns="">
                 <a:solidFill>
                   <a:srgbClr val="FFFFFF"/>
                 </a:solidFill>
@@ -5676,7 +5839,7 @@
     </p:spTree>
     <p:extLst>
       <p:ext uri="{BB962C8B-B14F-4D97-AF65-F5344CB8AC3E}">
-        <p14:creationId xmlns:p14="http://schemas.microsoft.com/office/powerpoint/2010/main" val="877918525"/>
+        <p14:creationId xmlns:p14="http://schemas.microsoft.com/office/powerpoint/2010/main" xmlns="" val="877918525"/>
       </p:ext>
     </p:extLst>
   </p:cSld>
@@ -5723,7 +5886,7 @@
           <a:blip r:embed="rId2" cstate="print">
             <a:extLst>
               <a:ext uri="{28A0092B-C50C-407E-A947-70E740481C1C}">
-                <a14:useLocalDpi xmlns:a14="http://schemas.microsoft.com/office/drawing/2010/main" val="0"/>
+                <a14:useLocalDpi xmlns:a14="http://schemas.microsoft.com/office/drawing/2010/main" xmlns="" val="0"/>
               </a:ext>
             </a:extLst>
           </a:blip>
@@ -5743,7 +5906,7 @@
           <a:noFill/>
           <a:extLst>
             <a:ext uri="{909E8E84-426E-40DD-AFC4-6F175D3DCCD1}">
-              <a14:hiddenFill xmlns:a14="http://schemas.microsoft.com/office/drawing/2010/main">
+              <a14:hiddenFill xmlns:a14="http://schemas.microsoft.com/office/drawing/2010/main" xmlns="">
                 <a:solidFill>
                   <a:srgbClr val="FFFFFF"/>
                 </a:solidFill>
@@ -5755,7 +5918,7 @@
     </p:spTree>
     <p:extLst>
       <p:ext uri="{BB962C8B-B14F-4D97-AF65-F5344CB8AC3E}">
-        <p14:creationId xmlns:p14="http://schemas.microsoft.com/office/powerpoint/2010/main" val="3176543279"/>
+        <p14:creationId xmlns:p14="http://schemas.microsoft.com/office/powerpoint/2010/main" xmlns="" val="3176543279"/>
       </p:ext>
     </p:extLst>
   </p:cSld>
@@ -5802,7 +5965,7 @@
           <a:blip r:embed="rId2" cstate="print">
             <a:extLst>
               <a:ext uri="{28A0092B-C50C-407E-A947-70E740481C1C}">
-                <a14:useLocalDpi xmlns:a14="http://schemas.microsoft.com/office/drawing/2010/main" val="0"/>
+                <a14:useLocalDpi xmlns:a14="http://schemas.microsoft.com/office/drawing/2010/main" xmlns="" val="0"/>
               </a:ext>
             </a:extLst>
           </a:blip>
@@ -5822,7 +5985,7 @@
           <a:noFill/>
           <a:extLst>
             <a:ext uri="{909E8E84-426E-40DD-AFC4-6F175D3DCCD1}">
-              <a14:hiddenFill xmlns:a14="http://schemas.microsoft.com/office/drawing/2010/main">
+              <a14:hiddenFill xmlns:a14="http://schemas.microsoft.com/office/drawing/2010/main" xmlns="">
                 <a:solidFill>
                   <a:srgbClr val="FFFFFF"/>
                 </a:solidFill>
@@ -5834,7 +5997,7 @@
     </p:spTree>
     <p:extLst>
       <p:ext uri="{BB962C8B-B14F-4D97-AF65-F5344CB8AC3E}">
-        <p14:creationId xmlns:p14="http://schemas.microsoft.com/office/powerpoint/2010/main" val="3434212402"/>
+        <p14:creationId xmlns:p14="http://schemas.microsoft.com/office/powerpoint/2010/main" xmlns="" val="3434212402"/>
       </p:ext>
     </p:extLst>
   </p:cSld>
@@ -5919,7 +6082,7 @@
           <a:blip r:embed="rId2">
             <a:extLst>
               <a:ext uri="{28A0092B-C50C-407E-A947-70E740481C1C}">
-                <a14:useLocalDpi xmlns:a14="http://schemas.microsoft.com/office/drawing/2010/main" val="0"/>
+                <a14:useLocalDpi xmlns:a14="http://schemas.microsoft.com/office/drawing/2010/main" xmlns="" val="0"/>
               </a:ext>
             </a:extLst>
           </a:blip>
@@ -5943,14 +6106,14 @@
           <a:effectLst/>
           <a:extLst>
             <a:ext uri="{909E8E84-426E-40DD-AFC4-6F175D3DCCD1}">
-              <a14:hiddenFill xmlns:a14="http://schemas.microsoft.com/office/drawing/2010/main">
+              <a14:hiddenFill xmlns:a14="http://schemas.microsoft.com/office/drawing/2010/main" xmlns="">
                 <a:solidFill>
                   <a:schemeClr val="accent1"/>
                 </a:solidFill>
               </a14:hiddenFill>
             </a:ext>
             <a:ext uri="{91240B29-F687-4F45-9708-019B960494DF}">
-              <a14:hiddenLine xmlns:a14="http://schemas.microsoft.com/office/drawing/2010/main" w="9525">
+              <a14:hiddenLine xmlns:a14="http://schemas.microsoft.com/office/drawing/2010/main" xmlns="" w="9525">
                 <a:solidFill>
                   <a:schemeClr val="tx1"/>
                 </a:solidFill>
@@ -5960,7 +6123,7 @@
               </a14:hiddenLine>
             </a:ext>
             <a:ext uri="{AF507438-7753-43E0-B8FC-AC1667EBCBE1}">
-              <a14:hiddenEffects xmlns:a14="http://schemas.microsoft.com/office/drawing/2010/main">
+              <a14:hiddenEffects xmlns:a14="http://schemas.microsoft.com/office/drawing/2010/main" xmlns="">
                 <a:effectLst>
                   <a:outerShdw dist="35921" dir="2700000" algn="ctr" rotWithShape="0">
                     <a:schemeClr val="bg2"/>
@@ -6064,15 +6227,7 @@
                   <a:srgbClr val="FF0000"/>
                 </a:solidFill>
               </a:rPr>
-              <a:t>비밀번호</a:t>
-            </a:r>
-            <a:r>
-              <a:rPr lang="ko-KR" altLang="en-US" sz="1000" b="1" dirty="0" smtClean="0">
-                <a:solidFill>
-                  <a:srgbClr val="FF0000"/>
-                </a:solidFill>
-              </a:rPr>
-              <a:t>는 </a:t>
+              <a:t>비밀번호는 </a:t>
             </a:r>
             <a:r>
               <a:rPr lang="ko-KR" altLang="en-US" sz="1000" b="1" dirty="0" err="1" smtClean="0">
@@ -6093,7 +6248,7 @@
     </p:spTree>
     <p:extLst>
       <p:ext uri="{BB962C8B-B14F-4D97-AF65-F5344CB8AC3E}">
-        <p14:creationId xmlns:p14="http://schemas.microsoft.com/office/powerpoint/2010/main" val="2025987737"/>
+        <p14:creationId xmlns:p14="http://schemas.microsoft.com/office/powerpoint/2010/main" xmlns="" val="2025987737"/>
       </p:ext>
     </p:extLst>
   </p:cSld>
@@ -6132,7 +6287,7 @@
           <a:blip r:embed="rId2" cstate="print">
             <a:extLst>
               <a:ext uri="{28A0092B-C50C-407E-A947-70E740481C1C}">
-                <a14:useLocalDpi xmlns:a14="http://schemas.microsoft.com/office/drawing/2010/main" val="0"/>
+                <a14:useLocalDpi xmlns:a14="http://schemas.microsoft.com/office/drawing/2010/main" xmlns="" val="0"/>
               </a:ext>
             </a:extLst>
           </a:blip>
@@ -6152,7 +6307,7 @@
           <a:noFill/>
           <a:extLst>
             <a:ext uri="{909E8E84-426E-40DD-AFC4-6F175D3DCCD1}">
-              <a14:hiddenFill xmlns:a14="http://schemas.microsoft.com/office/drawing/2010/main">
+              <a14:hiddenFill xmlns:a14="http://schemas.microsoft.com/office/drawing/2010/main" xmlns="">
                 <a:solidFill>
                   <a:srgbClr val="FFFFFF"/>
                 </a:solidFill>
@@ -6164,7 +6319,7 @@
     </p:spTree>
     <p:extLst>
       <p:ext uri="{BB962C8B-B14F-4D97-AF65-F5344CB8AC3E}">
-        <p14:creationId xmlns:p14="http://schemas.microsoft.com/office/powerpoint/2010/main" val="2665957509"/>
+        <p14:creationId xmlns:p14="http://schemas.microsoft.com/office/powerpoint/2010/main" xmlns="" val="2665957509"/>
       </p:ext>
     </p:extLst>
   </p:cSld>
@@ -6211,7 +6366,7 @@
           <a:blip r:embed="rId2" cstate="print">
             <a:extLst>
               <a:ext uri="{28A0092B-C50C-407E-A947-70E740481C1C}">
-                <a14:useLocalDpi xmlns:a14="http://schemas.microsoft.com/office/drawing/2010/main" val="0"/>
+                <a14:useLocalDpi xmlns:a14="http://schemas.microsoft.com/office/drawing/2010/main" xmlns="" val="0"/>
               </a:ext>
             </a:extLst>
           </a:blip>
@@ -6231,7 +6386,7 @@
           <a:noFill/>
           <a:extLst>
             <a:ext uri="{909E8E84-426E-40DD-AFC4-6F175D3DCCD1}">
-              <a14:hiddenFill xmlns:a14="http://schemas.microsoft.com/office/drawing/2010/main">
+              <a14:hiddenFill xmlns:a14="http://schemas.microsoft.com/office/drawing/2010/main" xmlns="">
                 <a:solidFill>
                   <a:srgbClr val="FFFFFF"/>
                 </a:solidFill>
@@ -6243,7 +6398,7 @@
     </p:spTree>
     <p:extLst>
       <p:ext uri="{BB962C8B-B14F-4D97-AF65-F5344CB8AC3E}">
-        <p14:creationId xmlns:p14="http://schemas.microsoft.com/office/powerpoint/2010/main" val="2883297758"/>
+        <p14:creationId xmlns:p14="http://schemas.microsoft.com/office/powerpoint/2010/main" xmlns="" val="2883297758"/>
       </p:ext>
     </p:extLst>
   </p:cSld>
@@ -6290,7 +6445,7 @@
           <a:blip r:embed="rId2" cstate="print">
             <a:extLst>
               <a:ext uri="{28A0092B-C50C-407E-A947-70E740481C1C}">
-                <a14:useLocalDpi xmlns:a14="http://schemas.microsoft.com/office/drawing/2010/main" val="0"/>
+                <a14:useLocalDpi xmlns:a14="http://schemas.microsoft.com/office/drawing/2010/main" xmlns="" val="0"/>
               </a:ext>
             </a:extLst>
           </a:blip>
@@ -6310,7 +6465,7 @@
           <a:noFill/>
           <a:extLst>
             <a:ext uri="{909E8E84-426E-40DD-AFC4-6F175D3DCCD1}">
-              <a14:hiddenFill xmlns:a14="http://schemas.microsoft.com/office/drawing/2010/main">
+              <a14:hiddenFill xmlns:a14="http://schemas.microsoft.com/office/drawing/2010/main" xmlns="">
                 <a:solidFill>
                   <a:srgbClr val="FFFFFF"/>
                 </a:solidFill>
@@ -6322,7 +6477,7 @@
     </p:spTree>
     <p:extLst>
       <p:ext uri="{BB962C8B-B14F-4D97-AF65-F5344CB8AC3E}">
-        <p14:creationId xmlns:p14="http://schemas.microsoft.com/office/powerpoint/2010/main" val="2360957746"/>
+        <p14:creationId xmlns:p14="http://schemas.microsoft.com/office/powerpoint/2010/main" xmlns="" val="2360957746"/>
       </p:ext>
     </p:extLst>
   </p:cSld>
@@ -6369,7 +6524,7 @@
           <a:blip r:embed="rId2" cstate="print">
             <a:extLst>
               <a:ext uri="{28A0092B-C50C-407E-A947-70E740481C1C}">
-                <a14:useLocalDpi xmlns:a14="http://schemas.microsoft.com/office/drawing/2010/main" val="0"/>
+                <a14:useLocalDpi xmlns:a14="http://schemas.microsoft.com/office/drawing/2010/main" xmlns="" val="0"/>
               </a:ext>
             </a:extLst>
           </a:blip>
@@ -6389,7 +6544,7 @@
           <a:noFill/>
           <a:extLst>
             <a:ext uri="{909E8E84-426E-40DD-AFC4-6F175D3DCCD1}">
-              <a14:hiddenFill xmlns:a14="http://schemas.microsoft.com/office/drawing/2010/main">
+              <a14:hiddenFill xmlns:a14="http://schemas.microsoft.com/office/drawing/2010/main" xmlns="">
                 <a:solidFill>
                   <a:srgbClr val="FFFFFF"/>
                 </a:solidFill>
@@ -6401,7 +6556,7 @@
     </p:spTree>
     <p:extLst>
       <p:ext uri="{BB962C8B-B14F-4D97-AF65-F5344CB8AC3E}">
-        <p14:creationId xmlns:p14="http://schemas.microsoft.com/office/powerpoint/2010/main" val="334552316"/>
+        <p14:creationId xmlns:p14="http://schemas.microsoft.com/office/powerpoint/2010/main" xmlns="" val="334552316"/>
       </p:ext>
     </p:extLst>
   </p:cSld>
@@ -6448,7 +6603,7 @@
           <a:blip r:embed="rId2" cstate="print">
             <a:extLst>
               <a:ext uri="{28A0092B-C50C-407E-A947-70E740481C1C}">
-                <a14:useLocalDpi xmlns:a14="http://schemas.microsoft.com/office/drawing/2010/main" val="0"/>
+                <a14:useLocalDpi xmlns:a14="http://schemas.microsoft.com/office/drawing/2010/main" xmlns="" val="0"/>
               </a:ext>
             </a:extLst>
           </a:blip>
@@ -6468,7 +6623,7 @@
           <a:noFill/>
           <a:extLst>
             <a:ext uri="{909E8E84-426E-40DD-AFC4-6F175D3DCCD1}">
-              <a14:hiddenFill xmlns:a14="http://schemas.microsoft.com/office/drawing/2010/main">
+              <a14:hiddenFill xmlns:a14="http://schemas.microsoft.com/office/drawing/2010/main" xmlns="">
                 <a:solidFill>
                   <a:srgbClr val="FFFFFF"/>
                 </a:solidFill>
@@ -6562,15 +6717,7 @@
                   <a:srgbClr val="FF0000"/>
                 </a:solidFill>
               </a:rPr>
-              <a:t> 처리에 대한 속성 </a:t>
-            </a:r>
-            <a:r>
-              <a:rPr lang="ko-KR" altLang="en-US" sz="1000" b="1" dirty="0" smtClean="0">
-                <a:solidFill>
-                  <a:srgbClr val="FF0000"/>
-                </a:solidFill>
-              </a:rPr>
-              <a:t>추</a:t>
+              <a:t> 처리에 대한 속성 추</a:t>
             </a:r>
             <a:r>
               <a:rPr lang="ko-KR" altLang="en-US" sz="1000" b="1" dirty="0">
@@ -6580,11 +6727,6 @@
               </a:rPr>
               <a:t>가</a:t>
             </a:r>
-            <a:endParaRPr lang="ko-KR" altLang="en-US" sz="1000" b="1" dirty="0">
-              <a:solidFill>
-                <a:srgbClr val="FF0000"/>
-              </a:solidFill>
-            </a:endParaRPr>
           </a:p>
         </p:txBody>
       </p:sp>
@@ -6676,7 +6818,7 @@
     </p:spTree>
     <p:extLst>
       <p:ext uri="{BB962C8B-B14F-4D97-AF65-F5344CB8AC3E}">
-        <p14:creationId xmlns:p14="http://schemas.microsoft.com/office/powerpoint/2010/main" val="2188434631"/>
+        <p14:creationId xmlns:p14="http://schemas.microsoft.com/office/powerpoint/2010/main" xmlns="" val="2188434631"/>
       </p:ext>
     </p:extLst>
   </p:cSld>
@@ -6723,7 +6865,7 @@
           <a:blip r:embed="rId2" cstate="print">
             <a:extLst>
               <a:ext uri="{28A0092B-C50C-407E-A947-70E740481C1C}">
-                <a14:useLocalDpi xmlns:a14="http://schemas.microsoft.com/office/drawing/2010/main" val="0"/>
+                <a14:useLocalDpi xmlns:a14="http://schemas.microsoft.com/office/drawing/2010/main" xmlns="" val="0"/>
               </a:ext>
             </a:extLst>
           </a:blip>
@@ -6743,7 +6885,7 @@
           <a:noFill/>
           <a:extLst>
             <a:ext uri="{909E8E84-426E-40DD-AFC4-6F175D3DCCD1}">
-              <a14:hiddenFill xmlns:a14="http://schemas.microsoft.com/office/drawing/2010/main">
+              <a14:hiddenFill xmlns:a14="http://schemas.microsoft.com/office/drawing/2010/main" xmlns="">
                 <a:solidFill>
                   <a:srgbClr val="FFFFFF"/>
                 </a:solidFill>
@@ -6800,7 +6942,7 @@
     </p:spTree>
     <p:extLst>
       <p:ext uri="{BB962C8B-B14F-4D97-AF65-F5344CB8AC3E}">
-        <p14:creationId xmlns:p14="http://schemas.microsoft.com/office/powerpoint/2010/main" val="396975966"/>
+        <p14:creationId xmlns:p14="http://schemas.microsoft.com/office/powerpoint/2010/main" xmlns="" val="396975966"/>
       </p:ext>
     </p:extLst>
   </p:cSld>
@@ -6847,7 +6989,7 @@
           <a:blip r:embed="rId2" cstate="print">
             <a:extLst>
               <a:ext uri="{28A0092B-C50C-407E-A947-70E740481C1C}">
-                <a14:useLocalDpi xmlns:a14="http://schemas.microsoft.com/office/drawing/2010/main" val="0"/>
+                <a14:useLocalDpi xmlns:a14="http://schemas.microsoft.com/office/drawing/2010/main" xmlns="" val="0"/>
               </a:ext>
             </a:extLst>
           </a:blip>
@@ -6867,7 +7009,7 @@
           <a:noFill/>
           <a:extLst>
             <a:ext uri="{909E8E84-426E-40DD-AFC4-6F175D3DCCD1}">
-              <a14:hiddenFill xmlns:a14="http://schemas.microsoft.com/office/drawing/2010/main">
+              <a14:hiddenFill xmlns:a14="http://schemas.microsoft.com/office/drawing/2010/main" xmlns="">
                 <a:solidFill>
                   <a:srgbClr val="FFFFFF"/>
                 </a:solidFill>
@@ -6879,7 +7021,7 @@
     </p:spTree>
     <p:extLst>
       <p:ext uri="{BB962C8B-B14F-4D97-AF65-F5344CB8AC3E}">
-        <p14:creationId xmlns:p14="http://schemas.microsoft.com/office/powerpoint/2010/main" val="247157852"/>
+        <p14:creationId xmlns:p14="http://schemas.microsoft.com/office/powerpoint/2010/main" xmlns="" val="247157852"/>
       </p:ext>
     </p:extLst>
   </p:cSld>
@@ -6926,7 +7068,7 @@
           <a:blip r:embed="rId2" cstate="print">
             <a:extLst>
               <a:ext uri="{28A0092B-C50C-407E-A947-70E740481C1C}">
-                <a14:useLocalDpi xmlns:a14="http://schemas.microsoft.com/office/drawing/2010/main" val="0"/>
+                <a14:useLocalDpi xmlns:a14="http://schemas.microsoft.com/office/drawing/2010/main" xmlns="" val="0"/>
               </a:ext>
             </a:extLst>
           </a:blip>
@@ -6946,7 +7088,7 @@
           <a:noFill/>
           <a:extLst>
             <a:ext uri="{909E8E84-426E-40DD-AFC4-6F175D3DCCD1}">
-              <a14:hiddenFill xmlns:a14="http://schemas.microsoft.com/office/drawing/2010/main">
+              <a14:hiddenFill xmlns:a14="http://schemas.microsoft.com/office/drawing/2010/main" xmlns="">
                 <a:solidFill>
                   <a:srgbClr val="FFFFFF"/>
                 </a:solidFill>
@@ -6958,7 +7100,7 @@
     </p:spTree>
     <p:extLst>
       <p:ext uri="{BB962C8B-B14F-4D97-AF65-F5344CB8AC3E}">
-        <p14:creationId xmlns:p14="http://schemas.microsoft.com/office/powerpoint/2010/main" val="1090011476"/>
+        <p14:creationId xmlns:p14="http://schemas.microsoft.com/office/powerpoint/2010/main" xmlns="" val="1090011476"/>
       </p:ext>
     </p:extLst>
   </p:cSld>
@@ -7043,7 +7185,7 @@
           <a:blip r:embed="rId2">
             <a:extLst>
               <a:ext uri="{28A0092B-C50C-407E-A947-70E740481C1C}">
-                <a14:useLocalDpi xmlns:a14="http://schemas.microsoft.com/office/drawing/2010/main" val="0"/>
+                <a14:useLocalDpi xmlns:a14="http://schemas.microsoft.com/office/drawing/2010/main" xmlns="" val="0"/>
               </a:ext>
             </a:extLst>
           </a:blip>
@@ -7067,14 +7209,14 @@
           <a:effectLst/>
           <a:extLst>
             <a:ext uri="{909E8E84-426E-40DD-AFC4-6F175D3DCCD1}">
-              <a14:hiddenFill xmlns:a14="http://schemas.microsoft.com/office/drawing/2010/main">
+              <a14:hiddenFill xmlns:a14="http://schemas.microsoft.com/office/drawing/2010/main" xmlns="">
                 <a:solidFill>
                   <a:schemeClr val="accent1"/>
                 </a:solidFill>
               </a14:hiddenFill>
             </a:ext>
             <a:ext uri="{91240B29-F687-4F45-9708-019B960494DF}">
-              <a14:hiddenLine xmlns:a14="http://schemas.microsoft.com/office/drawing/2010/main" w="9525">
+              <a14:hiddenLine xmlns:a14="http://schemas.microsoft.com/office/drawing/2010/main" xmlns="" w="9525">
                 <a:solidFill>
                   <a:schemeClr val="tx1"/>
                 </a:solidFill>
@@ -7084,7 +7226,7 @@
               </a14:hiddenLine>
             </a:ext>
             <a:ext uri="{AF507438-7753-43E0-B8FC-AC1667EBCBE1}">
-              <a14:hiddenEffects xmlns:a14="http://schemas.microsoft.com/office/drawing/2010/main">
+              <a14:hiddenEffects xmlns:a14="http://schemas.microsoft.com/office/drawing/2010/main" xmlns="">
                 <a:effectLst>
                   <a:outerShdw dist="35921" dir="2700000" algn="ctr" rotWithShape="0">
                     <a:schemeClr val="bg2"/>
@@ -7174,7 +7316,7 @@
     </p:spTree>
     <p:extLst>
       <p:ext uri="{BB962C8B-B14F-4D97-AF65-F5344CB8AC3E}">
-        <p14:creationId xmlns:p14="http://schemas.microsoft.com/office/powerpoint/2010/main" val="3792504104"/>
+        <p14:creationId xmlns:p14="http://schemas.microsoft.com/office/powerpoint/2010/main" xmlns="" val="3792504104"/>
       </p:ext>
     </p:extLst>
   </p:cSld>
@@ -7251,7 +7393,7 @@
           <a:blip r:embed="rId2">
             <a:extLst>
               <a:ext uri="{28A0092B-C50C-407E-A947-70E740481C1C}">
-                <a14:useLocalDpi xmlns:a14="http://schemas.microsoft.com/office/drawing/2010/main" val="0"/>
+                <a14:useLocalDpi xmlns:a14="http://schemas.microsoft.com/office/drawing/2010/main" xmlns="" val="0"/>
               </a:ext>
             </a:extLst>
           </a:blip>
@@ -7275,14 +7417,14 @@
           <a:effectLst/>
           <a:extLst>
             <a:ext uri="{909E8E84-426E-40DD-AFC4-6F175D3DCCD1}">
-              <a14:hiddenFill xmlns:a14="http://schemas.microsoft.com/office/drawing/2010/main">
+              <a14:hiddenFill xmlns:a14="http://schemas.microsoft.com/office/drawing/2010/main" xmlns="">
                 <a:solidFill>
                   <a:schemeClr val="accent1"/>
                 </a:solidFill>
               </a14:hiddenFill>
             </a:ext>
             <a:ext uri="{91240B29-F687-4F45-9708-019B960494DF}">
-              <a14:hiddenLine xmlns:a14="http://schemas.microsoft.com/office/drawing/2010/main" w="9525">
+              <a14:hiddenLine xmlns:a14="http://schemas.microsoft.com/office/drawing/2010/main" xmlns="" w="9525">
                 <a:solidFill>
                   <a:schemeClr val="tx1"/>
                 </a:solidFill>
@@ -7292,7 +7434,7 @@
               </a14:hiddenLine>
             </a:ext>
             <a:ext uri="{AF507438-7753-43E0-B8FC-AC1667EBCBE1}">
-              <a14:hiddenEffects xmlns:a14="http://schemas.microsoft.com/office/drawing/2010/main">
+              <a14:hiddenEffects xmlns:a14="http://schemas.microsoft.com/office/drawing/2010/main" xmlns="">
                 <a:effectLst>
                   <a:outerShdw dist="35921" dir="2700000" algn="ctr" rotWithShape="0">
                     <a:schemeClr val="bg2"/>
@@ -7336,7 +7478,7 @@
     </p:spTree>
     <p:extLst>
       <p:ext uri="{BB962C8B-B14F-4D97-AF65-F5344CB8AC3E}">
-        <p14:creationId xmlns:p14="http://schemas.microsoft.com/office/powerpoint/2010/main" val="1178541986"/>
+        <p14:creationId xmlns:p14="http://schemas.microsoft.com/office/powerpoint/2010/main" xmlns="" val="1178541986"/>
       </p:ext>
     </p:extLst>
   </p:cSld>
@@ -7413,7 +7555,7 @@
           <a:blip r:embed="rId2">
             <a:extLst>
               <a:ext uri="{28A0092B-C50C-407E-A947-70E740481C1C}">
-                <a14:useLocalDpi xmlns:a14="http://schemas.microsoft.com/office/drawing/2010/main" val="0"/>
+                <a14:useLocalDpi xmlns:a14="http://schemas.microsoft.com/office/drawing/2010/main" xmlns="" val="0"/>
               </a:ext>
             </a:extLst>
           </a:blip>
@@ -7437,14 +7579,14 @@
           <a:effectLst/>
           <a:extLst>
             <a:ext uri="{909E8E84-426E-40DD-AFC4-6F175D3DCCD1}">
-              <a14:hiddenFill xmlns:a14="http://schemas.microsoft.com/office/drawing/2010/main">
+              <a14:hiddenFill xmlns:a14="http://schemas.microsoft.com/office/drawing/2010/main" xmlns="">
                 <a:solidFill>
                   <a:schemeClr val="accent1"/>
                 </a:solidFill>
               </a14:hiddenFill>
             </a:ext>
             <a:ext uri="{91240B29-F687-4F45-9708-019B960494DF}">
-              <a14:hiddenLine xmlns:a14="http://schemas.microsoft.com/office/drawing/2010/main" w="9525">
+              <a14:hiddenLine xmlns:a14="http://schemas.microsoft.com/office/drawing/2010/main" xmlns="" w="9525">
                 <a:solidFill>
                   <a:schemeClr val="tx1"/>
                 </a:solidFill>
@@ -7454,7 +7596,7 @@
               </a14:hiddenLine>
             </a:ext>
             <a:ext uri="{AF507438-7753-43E0-B8FC-AC1667EBCBE1}">
-              <a14:hiddenEffects xmlns:a14="http://schemas.microsoft.com/office/drawing/2010/main">
+              <a14:hiddenEffects xmlns:a14="http://schemas.microsoft.com/office/drawing/2010/main" xmlns="">
                 <a:effectLst>
                   <a:outerShdw dist="35921" dir="2700000" algn="ctr" rotWithShape="0">
                     <a:schemeClr val="bg2"/>
@@ -7552,7 +7694,7 @@
     </p:spTree>
     <p:extLst>
       <p:ext uri="{BB962C8B-B14F-4D97-AF65-F5344CB8AC3E}">
-        <p14:creationId xmlns:p14="http://schemas.microsoft.com/office/powerpoint/2010/main" val="3840524966"/>
+        <p14:creationId xmlns:p14="http://schemas.microsoft.com/office/powerpoint/2010/main" xmlns="" val="3840524966"/>
       </p:ext>
     </p:extLst>
   </p:cSld>
@@ -7629,7 +7771,7 @@
           <a:blip r:embed="rId2">
             <a:extLst>
               <a:ext uri="{28A0092B-C50C-407E-A947-70E740481C1C}">
-                <a14:useLocalDpi xmlns:a14="http://schemas.microsoft.com/office/drawing/2010/main" val="0"/>
+                <a14:useLocalDpi xmlns:a14="http://schemas.microsoft.com/office/drawing/2010/main" xmlns="" val="0"/>
               </a:ext>
             </a:extLst>
           </a:blip>
@@ -7653,14 +7795,14 @@
           <a:effectLst/>
           <a:extLst>
             <a:ext uri="{909E8E84-426E-40DD-AFC4-6F175D3DCCD1}">
-              <a14:hiddenFill xmlns:a14="http://schemas.microsoft.com/office/drawing/2010/main">
+              <a14:hiddenFill xmlns:a14="http://schemas.microsoft.com/office/drawing/2010/main" xmlns="">
                 <a:solidFill>
                   <a:schemeClr val="accent1"/>
                 </a:solidFill>
               </a14:hiddenFill>
             </a:ext>
             <a:ext uri="{91240B29-F687-4F45-9708-019B960494DF}">
-              <a14:hiddenLine xmlns:a14="http://schemas.microsoft.com/office/drawing/2010/main" w="9525">
+              <a14:hiddenLine xmlns:a14="http://schemas.microsoft.com/office/drawing/2010/main" xmlns="" w="9525">
                 <a:solidFill>
                   <a:schemeClr val="tx1"/>
                 </a:solidFill>
@@ -7670,7 +7812,7 @@
               </a14:hiddenLine>
             </a:ext>
             <a:ext uri="{AF507438-7753-43E0-B8FC-AC1667EBCBE1}">
-              <a14:hiddenEffects xmlns:a14="http://schemas.microsoft.com/office/drawing/2010/main">
+              <a14:hiddenEffects xmlns:a14="http://schemas.microsoft.com/office/drawing/2010/main" xmlns="">
                 <a:effectLst>
                   <a:outerShdw dist="35921" dir="2700000" algn="ctr" rotWithShape="0">
                     <a:schemeClr val="bg2"/>
@@ -7722,7 +7864,7 @@
     </p:spTree>
     <p:extLst>
       <p:ext uri="{BB962C8B-B14F-4D97-AF65-F5344CB8AC3E}">
-        <p14:creationId xmlns:p14="http://schemas.microsoft.com/office/powerpoint/2010/main" val="2111256600"/>
+        <p14:creationId xmlns:p14="http://schemas.microsoft.com/office/powerpoint/2010/main" xmlns="" val="2111256600"/>
       </p:ext>
     </p:extLst>
   </p:cSld>
@@ -7799,7 +7941,7 @@
           <a:blip r:embed="rId2">
             <a:extLst>
               <a:ext uri="{28A0092B-C50C-407E-A947-70E740481C1C}">
-                <a14:useLocalDpi xmlns:a14="http://schemas.microsoft.com/office/drawing/2010/main" val="0"/>
+                <a14:useLocalDpi xmlns:a14="http://schemas.microsoft.com/office/drawing/2010/main" xmlns="" val="0"/>
               </a:ext>
             </a:extLst>
           </a:blip>
@@ -7823,14 +7965,14 @@
           <a:effectLst/>
           <a:extLst>
             <a:ext uri="{909E8E84-426E-40DD-AFC4-6F175D3DCCD1}">
-              <a14:hiddenFill xmlns:a14="http://schemas.microsoft.com/office/drawing/2010/main">
+              <a14:hiddenFill xmlns:a14="http://schemas.microsoft.com/office/drawing/2010/main" xmlns="">
                 <a:solidFill>
                   <a:schemeClr val="accent1"/>
                 </a:solidFill>
               </a14:hiddenFill>
             </a:ext>
             <a:ext uri="{91240B29-F687-4F45-9708-019B960494DF}">
-              <a14:hiddenLine xmlns:a14="http://schemas.microsoft.com/office/drawing/2010/main" w="9525">
+              <a14:hiddenLine xmlns:a14="http://schemas.microsoft.com/office/drawing/2010/main" xmlns="" w="9525">
                 <a:solidFill>
                   <a:schemeClr val="tx1"/>
                 </a:solidFill>
@@ -7840,7 +7982,7 @@
               </a14:hiddenLine>
             </a:ext>
             <a:ext uri="{AF507438-7753-43E0-B8FC-AC1667EBCBE1}">
-              <a14:hiddenEffects xmlns:a14="http://schemas.microsoft.com/office/drawing/2010/main">
+              <a14:hiddenEffects xmlns:a14="http://schemas.microsoft.com/office/drawing/2010/main" xmlns="">
                 <a:effectLst>
                   <a:outerShdw dist="35921" dir="2700000" algn="ctr" rotWithShape="0">
                     <a:schemeClr val="bg2"/>
@@ -7884,7 +8026,7 @@
     </p:spTree>
     <p:extLst>
       <p:ext uri="{BB962C8B-B14F-4D97-AF65-F5344CB8AC3E}">
-        <p14:creationId xmlns:p14="http://schemas.microsoft.com/office/powerpoint/2010/main" val="3200386711"/>
+        <p14:creationId xmlns:p14="http://schemas.microsoft.com/office/powerpoint/2010/main" xmlns="" val="3200386711"/>
       </p:ext>
     </p:extLst>
   </p:cSld>
@@ -7923,7 +8065,7 @@
           <a:blip r:embed="rId2">
             <a:extLst>
               <a:ext uri="{28A0092B-C50C-407E-A947-70E740481C1C}">
-                <a14:useLocalDpi xmlns:a14="http://schemas.microsoft.com/office/drawing/2010/main" val="0"/>
+                <a14:useLocalDpi xmlns:a14="http://schemas.microsoft.com/office/drawing/2010/main" xmlns="" val="0"/>
               </a:ext>
             </a:extLst>
           </a:blip>
@@ -7943,7 +8085,7 @@
           <a:noFill/>
           <a:extLst>
             <a:ext uri="{909E8E84-426E-40DD-AFC4-6F175D3DCCD1}">
-              <a14:hiddenFill xmlns:a14="http://schemas.microsoft.com/office/drawing/2010/main">
+              <a14:hiddenFill xmlns:a14="http://schemas.microsoft.com/office/drawing/2010/main" xmlns="">
                 <a:solidFill>
                   <a:srgbClr val="FFFFFF"/>
                 </a:solidFill>
@@ -8094,7 +8236,7 @@
     </p:spTree>
     <p:extLst>
       <p:ext uri="{BB962C8B-B14F-4D97-AF65-F5344CB8AC3E}">
-        <p14:creationId xmlns:p14="http://schemas.microsoft.com/office/powerpoint/2010/main" val="1522577095"/>
+        <p14:creationId xmlns:p14="http://schemas.microsoft.com/office/powerpoint/2010/main" xmlns="" val="1522577095"/>
       </p:ext>
     </p:extLst>
   </p:cSld>

--- a/doc/0.공용폴더/05 와이어프레임/00 와이어프레임 - 종합 rev 00.pptx
+++ b/doc/0.공용폴더/05 와이어프레임/00 와이어프레임 - 종합 rev 00.pptx
@@ -377,7 +377,7 @@
     </p:spTree>
     <p:extLst>
       <p:ext uri="{BB962C8B-B14F-4D97-AF65-F5344CB8AC3E}">
-        <p14:creationId xmlns:p14="http://schemas.microsoft.com/office/powerpoint/2010/main" xmlns="" val="2118148366"/>
+        <p14:creationId xmlns="" xmlns:p14="http://schemas.microsoft.com/office/powerpoint/2010/main" val="2118148366"/>
       </p:ext>
     </p:extLst>
   </p:cSld>
@@ -549,7 +549,7 @@
     </p:spTree>
     <p:extLst>
       <p:ext uri="{BB962C8B-B14F-4D97-AF65-F5344CB8AC3E}">
-        <p14:creationId xmlns:p14="http://schemas.microsoft.com/office/powerpoint/2010/main" xmlns="" val="2967183153"/>
+        <p14:creationId xmlns="" xmlns:p14="http://schemas.microsoft.com/office/powerpoint/2010/main" val="2967183153"/>
       </p:ext>
     </p:extLst>
   </p:cSld>
@@ -731,7 +731,7 @@
     </p:spTree>
     <p:extLst>
       <p:ext uri="{BB962C8B-B14F-4D97-AF65-F5344CB8AC3E}">
-        <p14:creationId xmlns:p14="http://schemas.microsoft.com/office/powerpoint/2010/main" xmlns="" val="3139434043"/>
+        <p14:creationId xmlns="" xmlns:p14="http://schemas.microsoft.com/office/powerpoint/2010/main" val="3139434043"/>
       </p:ext>
     </p:extLst>
   </p:cSld>
@@ -903,7 +903,7 @@
     </p:spTree>
     <p:extLst>
       <p:ext uri="{BB962C8B-B14F-4D97-AF65-F5344CB8AC3E}">
-        <p14:creationId xmlns:p14="http://schemas.microsoft.com/office/powerpoint/2010/main" xmlns="" val="884517288"/>
+        <p14:creationId xmlns="" xmlns:p14="http://schemas.microsoft.com/office/powerpoint/2010/main" val="884517288"/>
       </p:ext>
     </p:extLst>
   </p:cSld>
@@ -1151,7 +1151,7 @@
     </p:spTree>
     <p:extLst>
       <p:ext uri="{BB962C8B-B14F-4D97-AF65-F5344CB8AC3E}">
-        <p14:creationId xmlns:p14="http://schemas.microsoft.com/office/powerpoint/2010/main" xmlns="" val="2742713806"/>
+        <p14:creationId xmlns="" xmlns:p14="http://schemas.microsoft.com/office/powerpoint/2010/main" val="2742713806"/>
       </p:ext>
     </p:extLst>
   </p:cSld>
@@ -1441,7 +1441,7 @@
     </p:spTree>
     <p:extLst>
       <p:ext uri="{BB962C8B-B14F-4D97-AF65-F5344CB8AC3E}">
-        <p14:creationId xmlns:p14="http://schemas.microsoft.com/office/powerpoint/2010/main" xmlns="" val="4228873110"/>
+        <p14:creationId xmlns="" xmlns:p14="http://schemas.microsoft.com/office/powerpoint/2010/main" val="4228873110"/>
       </p:ext>
     </p:extLst>
   </p:cSld>
@@ -1865,7 +1865,7 @@
     </p:spTree>
     <p:extLst>
       <p:ext uri="{BB962C8B-B14F-4D97-AF65-F5344CB8AC3E}">
-        <p14:creationId xmlns:p14="http://schemas.microsoft.com/office/powerpoint/2010/main" xmlns="" val="603847611"/>
+        <p14:creationId xmlns="" xmlns:p14="http://schemas.microsoft.com/office/powerpoint/2010/main" val="603847611"/>
       </p:ext>
     </p:extLst>
   </p:cSld>
@@ -1985,7 +1985,7 @@
     </p:spTree>
     <p:extLst>
       <p:ext uri="{BB962C8B-B14F-4D97-AF65-F5344CB8AC3E}">
-        <p14:creationId xmlns:p14="http://schemas.microsoft.com/office/powerpoint/2010/main" xmlns="" val="2005364396"/>
+        <p14:creationId xmlns="" xmlns:p14="http://schemas.microsoft.com/office/powerpoint/2010/main" val="2005364396"/>
       </p:ext>
     </p:extLst>
   </p:cSld>
@@ -2082,7 +2082,7 @@
     </p:spTree>
     <p:extLst>
       <p:ext uri="{BB962C8B-B14F-4D97-AF65-F5344CB8AC3E}">
-        <p14:creationId xmlns:p14="http://schemas.microsoft.com/office/powerpoint/2010/main" xmlns="" val="1259732851"/>
+        <p14:creationId xmlns="" xmlns:p14="http://schemas.microsoft.com/office/powerpoint/2010/main" val="1259732851"/>
       </p:ext>
     </p:extLst>
   </p:cSld>
@@ -2361,7 +2361,7 @@
     </p:spTree>
     <p:extLst>
       <p:ext uri="{BB962C8B-B14F-4D97-AF65-F5344CB8AC3E}">
-        <p14:creationId xmlns:p14="http://schemas.microsoft.com/office/powerpoint/2010/main" xmlns="" val="933014393"/>
+        <p14:creationId xmlns="" xmlns:p14="http://schemas.microsoft.com/office/powerpoint/2010/main" val="933014393"/>
       </p:ext>
     </p:extLst>
   </p:cSld>
@@ -2616,7 +2616,7 @@
     </p:spTree>
     <p:extLst>
       <p:ext uri="{BB962C8B-B14F-4D97-AF65-F5344CB8AC3E}">
-        <p14:creationId xmlns:p14="http://schemas.microsoft.com/office/powerpoint/2010/main" xmlns="" val="2509312667"/>
+        <p14:creationId xmlns="" xmlns:p14="http://schemas.microsoft.com/office/powerpoint/2010/main" val="2509312667"/>
       </p:ext>
     </p:extLst>
   </p:cSld>
@@ -2867,7 +2867,7 @@
     </p:spTree>
     <p:extLst>
       <p:ext uri="{BB962C8B-B14F-4D97-AF65-F5344CB8AC3E}">
-        <p14:creationId xmlns:p14="http://schemas.microsoft.com/office/powerpoint/2010/main" xmlns="" val="2062571708"/>
+        <p14:creationId xmlns="" xmlns:p14="http://schemas.microsoft.com/office/powerpoint/2010/main" val="2062571708"/>
       </p:ext>
     </p:extLst>
   </p:cSld>
@@ -3205,7 +3205,7 @@
           <a:blip r:embed="rId2">
             <a:extLst>
               <a:ext uri="{28A0092B-C50C-407E-A947-70E740481C1C}">
-                <a14:useLocalDpi xmlns:a14="http://schemas.microsoft.com/office/drawing/2010/main" xmlns="" val="0"/>
+                <a14:useLocalDpi xmlns="" xmlns:a14="http://schemas.microsoft.com/office/drawing/2010/main" val="0"/>
               </a:ext>
             </a:extLst>
           </a:blip>
@@ -3229,14 +3229,14 @@
           <a:effectLst/>
           <a:extLst>
             <a:ext uri="{909E8E84-426E-40DD-AFC4-6F175D3DCCD1}">
-              <a14:hiddenFill xmlns:a14="http://schemas.microsoft.com/office/drawing/2010/main" xmlns="">
+              <a14:hiddenFill xmlns="" xmlns:a14="http://schemas.microsoft.com/office/drawing/2010/main">
                 <a:solidFill>
                   <a:schemeClr val="accent1"/>
                 </a:solidFill>
               </a14:hiddenFill>
             </a:ext>
             <a:ext uri="{91240B29-F687-4F45-9708-019B960494DF}">
-              <a14:hiddenLine xmlns:a14="http://schemas.microsoft.com/office/drawing/2010/main" xmlns="" w="9525">
+              <a14:hiddenLine xmlns="" xmlns:a14="http://schemas.microsoft.com/office/drawing/2010/main" w="9525">
                 <a:solidFill>
                   <a:schemeClr val="tx1"/>
                 </a:solidFill>
@@ -3246,7 +3246,7 @@
               </a14:hiddenLine>
             </a:ext>
             <a:ext uri="{AF507438-7753-43E0-B8FC-AC1667EBCBE1}">
-              <a14:hiddenEffects xmlns:a14="http://schemas.microsoft.com/office/drawing/2010/main" xmlns="">
+              <a14:hiddenEffects xmlns="" xmlns:a14="http://schemas.microsoft.com/office/drawing/2010/main">
                 <a:effectLst>
                   <a:outerShdw dist="35921" dir="2700000" algn="ctr" rotWithShape="0">
                     <a:schemeClr val="bg2"/>
@@ -3354,7 +3354,7 @@
     </p:spTree>
     <p:extLst>
       <p:ext uri="{BB962C8B-B14F-4D97-AF65-F5344CB8AC3E}">
-        <p14:creationId xmlns:p14="http://schemas.microsoft.com/office/powerpoint/2010/main" xmlns="" val="3322499010"/>
+        <p14:creationId xmlns="" xmlns:p14="http://schemas.microsoft.com/office/powerpoint/2010/main" val="3322499010"/>
       </p:ext>
     </p:extLst>
   </p:cSld>
@@ -3393,7 +3393,7 @@
           <a:blip r:embed="rId2">
             <a:extLst>
               <a:ext uri="{28A0092B-C50C-407E-A947-70E740481C1C}">
-                <a14:useLocalDpi xmlns:a14="http://schemas.microsoft.com/office/drawing/2010/main" xmlns="" val="0"/>
+                <a14:useLocalDpi xmlns="" xmlns:a14="http://schemas.microsoft.com/office/drawing/2010/main" val="0"/>
               </a:ext>
             </a:extLst>
           </a:blip>
@@ -3413,7 +3413,7 @@
           <a:noFill/>
           <a:extLst>
             <a:ext uri="{909E8E84-426E-40DD-AFC4-6F175D3DCCD1}">
-              <a14:hiddenFill xmlns:a14="http://schemas.microsoft.com/office/drawing/2010/main" xmlns="">
+              <a14:hiddenFill xmlns="" xmlns:a14="http://schemas.microsoft.com/office/drawing/2010/main">
                 <a:solidFill>
                   <a:srgbClr val="FFFFFF"/>
                 </a:solidFill>
@@ -3425,7 +3425,7 @@
     </p:spTree>
     <p:extLst>
       <p:ext uri="{BB962C8B-B14F-4D97-AF65-F5344CB8AC3E}">
-        <p14:creationId xmlns:p14="http://schemas.microsoft.com/office/powerpoint/2010/main" xmlns="" val="1522577095"/>
+        <p14:creationId xmlns="" xmlns:p14="http://schemas.microsoft.com/office/powerpoint/2010/main" val="1522577095"/>
       </p:ext>
     </p:extLst>
   </p:cSld>
@@ -3471,7 +3471,7 @@
           <a:blip r:embed="rId2">
             <a:extLst>
               <a:ext uri="{28A0092B-C50C-407E-A947-70E740481C1C}">
-                <a14:useLocalDpi xmlns:a14="http://schemas.microsoft.com/office/drawing/2010/main" xmlns="" val="0"/>
+                <a14:useLocalDpi xmlns="" xmlns:a14="http://schemas.microsoft.com/office/drawing/2010/main" val="0"/>
               </a:ext>
             </a:extLst>
           </a:blip>
@@ -3491,7 +3491,7 @@
           <a:noFill/>
           <a:extLst>
             <a:ext uri="{909E8E84-426E-40DD-AFC4-6F175D3DCCD1}">
-              <a14:hiddenFill xmlns:a14="http://schemas.microsoft.com/office/drawing/2010/main" xmlns="">
+              <a14:hiddenFill xmlns="" xmlns:a14="http://schemas.microsoft.com/office/drawing/2010/main">
                 <a:solidFill>
                   <a:srgbClr val="FFFFFF"/>
                 </a:solidFill>
@@ -3503,7 +3503,7 @@
     </p:spTree>
     <p:extLst>
       <p:ext uri="{BB962C8B-B14F-4D97-AF65-F5344CB8AC3E}">
-        <p14:creationId xmlns:p14="http://schemas.microsoft.com/office/powerpoint/2010/main" xmlns="" val="1522577095"/>
+        <p14:creationId xmlns="" xmlns:p14="http://schemas.microsoft.com/office/powerpoint/2010/main" val="1522577095"/>
       </p:ext>
     </p:extLst>
   </p:cSld>
@@ -3549,7 +3549,7 @@
           <a:blip r:embed="rId2">
             <a:extLst>
               <a:ext uri="{28A0092B-C50C-407E-A947-70E740481C1C}">
-                <a14:useLocalDpi xmlns:a14="http://schemas.microsoft.com/office/drawing/2010/main" xmlns="" val="0"/>
+                <a14:useLocalDpi xmlns="" xmlns:a14="http://schemas.microsoft.com/office/drawing/2010/main" val="0"/>
               </a:ext>
             </a:extLst>
           </a:blip>
@@ -3569,7 +3569,7 @@
           <a:noFill/>
           <a:extLst>
             <a:ext uri="{909E8E84-426E-40DD-AFC4-6F175D3DCCD1}">
-              <a14:hiddenFill xmlns:a14="http://schemas.microsoft.com/office/drawing/2010/main" xmlns="">
+              <a14:hiddenFill xmlns="" xmlns:a14="http://schemas.microsoft.com/office/drawing/2010/main">
                 <a:solidFill>
                   <a:srgbClr val="FFFFFF"/>
                 </a:solidFill>
@@ -3581,7 +3581,7 @@
     </p:spTree>
     <p:extLst>
       <p:ext uri="{BB962C8B-B14F-4D97-AF65-F5344CB8AC3E}">
-        <p14:creationId xmlns:p14="http://schemas.microsoft.com/office/powerpoint/2010/main" xmlns="" val="1522577095"/>
+        <p14:creationId xmlns="" xmlns:p14="http://schemas.microsoft.com/office/powerpoint/2010/main" val="1522577095"/>
       </p:ext>
     </p:extLst>
   </p:cSld>
@@ -3627,7 +3627,7 @@
           <a:blip r:embed="rId2">
             <a:extLst>
               <a:ext uri="{28A0092B-C50C-407E-A947-70E740481C1C}">
-                <a14:useLocalDpi xmlns:a14="http://schemas.microsoft.com/office/drawing/2010/main" xmlns="" val="0"/>
+                <a14:useLocalDpi xmlns="" xmlns:a14="http://schemas.microsoft.com/office/drawing/2010/main" val="0"/>
               </a:ext>
             </a:extLst>
           </a:blip>
@@ -3647,7 +3647,7 @@
           <a:noFill/>
           <a:extLst>
             <a:ext uri="{909E8E84-426E-40DD-AFC4-6F175D3DCCD1}">
-              <a14:hiddenFill xmlns:a14="http://schemas.microsoft.com/office/drawing/2010/main" xmlns="">
+              <a14:hiddenFill xmlns="" xmlns:a14="http://schemas.microsoft.com/office/drawing/2010/main">
                 <a:solidFill>
                   <a:srgbClr val="FFFFFF"/>
                 </a:solidFill>
@@ -3659,7 +3659,7 @@
     </p:spTree>
     <p:extLst>
       <p:ext uri="{BB962C8B-B14F-4D97-AF65-F5344CB8AC3E}">
-        <p14:creationId xmlns:p14="http://schemas.microsoft.com/office/powerpoint/2010/main" xmlns="" val="1522577095"/>
+        <p14:creationId xmlns="" xmlns:p14="http://schemas.microsoft.com/office/powerpoint/2010/main" val="1522577095"/>
       </p:ext>
     </p:extLst>
   </p:cSld>
@@ -3705,7 +3705,7 @@
           <a:blip r:embed="rId2">
             <a:extLst>
               <a:ext uri="{28A0092B-C50C-407E-A947-70E740481C1C}">
-                <a14:useLocalDpi xmlns:a14="http://schemas.microsoft.com/office/drawing/2010/main" xmlns="" val="0"/>
+                <a14:useLocalDpi xmlns="" xmlns:a14="http://schemas.microsoft.com/office/drawing/2010/main" val="0"/>
               </a:ext>
             </a:extLst>
           </a:blip>
@@ -3725,7 +3725,7 @@
           <a:noFill/>
           <a:extLst>
             <a:ext uri="{909E8E84-426E-40DD-AFC4-6F175D3DCCD1}">
-              <a14:hiddenFill xmlns:a14="http://schemas.microsoft.com/office/drawing/2010/main" xmlns="">
+              <a14:hiddenFill xmlns="" xmlns:a14="http://schemas.microsoft.com/office/drawing/2010/main">
                 <a:solidFill>
                   <a:srgbClr val="FFFFFF"/>
                 </a:solidFill>
@@ -3782,7 +3782,7 @@
     </p:spTree>
     <p:extLst>
       <p:ext uri="{BB962C8B-B14F-4D97-AF65-F5344CB8AC3E}">
-        <p14:creationId xmlns:p14="http://schemas.microsoft.com/office/powerpoint/2010/main" xmlns="" val="2234334166"/>
+        <p14:creationId xmlns="" xmlns:p14="http://schemas.microsoft.com/office/powerpoint/2010/main" val="2234334166"/>
       </p:ext>
     </p:extLst>
   </p:cSld>
@@ -3852,7 +3852,7 @@
     </p:spTree>
     <p:extLst>
       <p:ext uri="{BB962C8B-B14F-4D97-AF65-F5344CB8AC3E}">
-        <p14:creationId xmlns:p14="http://schemas.microsoft.com/office/powerpoint/2010/main" xmlns="" val="1245314589"/>
+        <p14:creationId xmlns="" xmlns:p14="http://schemas.microsoft.com/office/powerpoint/2010/main" val="1245314589"/>
       </p:ext>
     </p:extLst>
   </p:cSld>
@@ -3915,7 +3915,7 @@
     </p:spTree>
     <p:extLst>
       <p:ext uri="{BB962C8B-B14F-4D97-AF65-F5344CB8AC3E}">
-        <p14:creationId xmlns:p14="http://schemas.microsoft.com/office/powerpoint/2010/main" xmlns="" val="2206801969"/>
+        <p14:creationId xmlns="" xmlns:p14="http://schemas.microsoft.com/office/powerpoint/2010/main" val="2206801969"/>
       </p:ext>
     </p:extLst>
   </p:cSld>
@@ -3978,7 +3978,7 @@
     </p:spTree>
     <p:extLst>
       <p:ext uri="{BB962C8B-B14F-4D97-AF65-F5344CB8AC3E}">
-        <p14:creationId xmlns:p14="http://schemas.microsoft.com/office/powerpoint/2010/main" xmlns="" val="713391932"/>
+        <p14:creationId xmlns="" xmlns:p14="http://schemas.microsoft.com/office/powerpoint/2010/main" val="713391932"/>
       </p:ext>
     </p:extLst>
   </p:cSld>
@@ -4041,7 +4041,7 @@
     </p:spTree>
     <p:extLst>
       <p:ext uri="{BB962C8B-B14F-4D97-AF65-F5344CB8AC3E}">
-        <p14:creationId xmlns:p14="http://schemas.microsoft.com/office/powerpoint/2010/main" xmlns="" val="2573928863"/>
+        <p14:creationId xmlns="" xmlns:p14="http://schemas.microsoft.com/office/powerpoint/2010/main" val="2573928863"/>
       </p:ext>
     </p:extLst>
   </p:cSld>
@@ -4070,7 +4070,7 @@
       </p:grpSpPr>
       <p:grpSp>
         <p:nvGrpSpPr>
-          <p:cNvPr id="9" name="그룹 8"/>
+          <p:cNvPr id="22" name="그룹 21"/>
           <p:cNvGrpSpPr/>
           <p:nvPr/>
         </p:nvGrpSpPr>
@@ -4084,7 +4084,7 @@
         </p:grpSpPr>
         <p:grpSp>
           <p:nvGrpSpPr>
-            <p:cNvPr id="10" name="그룹 9"/>
+            <p:cNvPr id="23" name="그룹 14"/>
             <p:cNvGrpSpPr/>
             <p:nvPr/>
           </p:nvGrpSpPr>
@@ -4096,16 +4096,116 @@
               <a:chExt cx="8215370" cy="4928926"/>
             </a:xfrm>
           </p:grpSpPr>
+          <p:grpSp>
+            <p:nvGrpSpPr>
+              <p:cNvPr id="25" name="그룹 9"/>
+              <p:cNvGrpSpPr/>
+              <p:nvPr/>
+            </p:nvGrpSpPr>
+            <p:grpSpPr>
+              <a:xfrm>
+                <a:off x="500034" y="1340768"/>
+                <a:ext cx="8215370" cy="4928926"/>
+                <a:chOff x="500034" y="1340768"/>
+                <a:chExt cx="8215370" cy="4928926"/>
+              </a:xfrm>
+            </p:grpSpPr>
+            <p:pic>
+              <p:nvPicPr>
+                <p:cNvPr id="35" name="Picture 2"/>
+                <p:cNvPicPr>
+                  <a:picLocks noChangeAspect="1" noChangeArrowheads="1"/>
+                </p:cNvPicPr>
+                <p:nvPr/>
+              </p:nvPicPr>
+              <p:blipFill>
+                <a:blip r:embed="rId2"/>
+                <a:srcRect/>
+                <a:stretch>
+                  <a:fillRect/>
+                </a:stretch>
+              </p:blipFill>
+              <p:spPr bwMode="auto">
+                <a:xfrm>
+                  <a:off x="539552" y="1340768"/>
+                  <a:ext cx="8136904" cy="4928926"/>
+                </a:xfrm>
+                <a:prstGeom prst="rect">
+                  <a:avLst/>
+                </a:prstGeom>
+                <a:noFill/>
+                <a:ln w="9525">
+                  <a:noFill/>
+                  <a:miter lim="800000"/>
+                  <a:headEnd/>
+                  <a:tailEnd/>
+                </a:ln>
+                <a:effectLst/>
+              </p:spPr>
+            </p:pic>
+            <p:sp>
+              <p:nvSpPr>
+                <p:cNvPr id="36" name="직사각형 8"/>
+                <p:cNvSpPr/>
+                <p:nvPr/>
+              </p:nvSpPr>
+              <p:spPr>
+                <a:xfrm>
+                  <a:off x="500034" y="1857364"/>
+                  <a:ext cx="8215370" cy="3929090"/>
+                </a:xfrm>
+                <a:prstGeom prst="rect">
+                  <a:avLst/>
+                </a:prstGeom>
+                <a:solidFill>
+                  <a:schemeClr val="bg1"/>
+                </a:solidFill>
+                <a:ln>
+                  <a:noFill/>
+                </a:ln>
+              </p:spPr>
+              <p:style>
+                <a:lnRef idx="2">
+                  <a:schemeClr val="accent1">
+                    <a:shade val="50000"/>
+                  </a:schemeClr>
+                </a:lnRef>
+                <a:fillRef idx="1">
+                  <a:schemeClr val="accent1"/>
+                </a:fillRef>
+                <a:effectRef idx="0">
+                  <a:schemeClr val="accent1"/>
+                </a:effectRef>
+                <a:fontRef idx="minor">
+                  <a:schemeClr val="lt1"/>
+                </a:fontRef>
+              </p:style>
+              <p:txBody>
+                <a:bodyPr rtlCol="0" anchor="ctr"/>
+                <a:lstStyle/>
+                <a:p>
+                  <a:pPr algn="ctr"/>
+                  <a:endParaRPr lang="ko-KR" altLang="en-US"/>
+                </a:p>
+              </p:txBody>
+            </p:sp>
+          </p:grpSp>
           <p:pic>
             <p:nvPicPr>
-              <p:cNvPr id="20" name="Picture 2"/>
+              <p:cNvPr id="26" name="Picture 2"/>
               <p:cNvPicPr>
                 <a:picLocks noChangeAspect="1" noChangeArrowheads="1"/>
               </p:cNvPicPr>
               <p:nvPr/>
             </p:nvPicPr>
             <p:blipFill>
-              <a:blip r:embed="rId2"/>
+              <a:blip r:embed="rId3" cstate="print">
+                <a:extLst>
+                  <a:ext uri="{28A0092B-C50C-407E-A947-70E740481C1C}">
+                    <a14:useLocalDpi xmlns="" xmlns:a14="http://schemas.microsoft.com/office/drawing/2010/main" val="0"/>
+                  </a:ext>
+                </a:extLst>
+              </a:blip>
               <a:srcRect/>
               <a:stretch>
                 <a:fillRect/>
@@ -4113,38 +4213,445 @@
             </p:blipFill>
             <p:spPr bwMode="auto">
               <a:xfrm>
-                <a:off x="539552" y="1340768"/>
-                <a:ext cx="8136904" cy="4928926"/>
+                <a:off x="6000760" y="2714620"/>
+                <a:ext cx="2451473" cy="2500330"/>
               </a:xfrm>
               <a:prstGeom prst="rect">
                 <a:avLst/>
               </a:prstGeom>
               <a:noFill/>
               <a:ln w="9525">
-                <a:noFill/>
+                <a:solidFill>
+                  <a:schemeClr val="tx1"/>
+                </a:solidFill>
                 <a:miter lim="800000"/>
                 <a:headEnd/>
                 <a:tailEnd/>
               </a:ln>
               <a:effectLst/>
+              <a:extLst>
+                <a:ext uri="{909E8E84-426E-40DD-AFC4-6F175D3DCCD1}">
+                  <a14:hiddenFill xmlns="" xmlns:a14="http://schemas.microsoft.com/office/drawing/2010/main">
+                    <a:solidFill>
+                      <a:schemeClr val="accent1"/>
+                    </a:solidFill>
+                  </a14:hiddenFill>
+                </a:ext>
+                <a:ext uri="{AF507438-7753-43E0-B8FC-AC1667EBCBE1}">
+                  <a14:hiddenEffects xmlns="" xmlns:a14="http://schemas.microsoft.com/office/drawing/2010/main">
+                    <a:effectLst>
+                      <a:outerShdw dist="35921" dir="2700000" algn="ctr" rotWithShape="0">
+                        <a:schemeClr val="bg2"/>
+                      </a:outerShdw>
+                    </a:effectLst>
+                  </a14:hiddenEffects>
+                </a:ext>
+              </a:extLst>
+            </p:spPr>
+          </p:pic>
+          <p:pic>
+            <p:nvPicPr>
+              <p:cNvPr id="27" name="Picture 3"/>
+              <p:cNvPicPr>
+                <a:picLocks noChangeAspect="1" noChangeArrowheads="1"/>
+              </p:cNvPicPr>
+              <p:nvPr/>
+            </p:nvPicPr>
+            <p:blipFill>
+              <a:blip r:embed="rId4" cstate="print">
+                <a:extLst>
+                  <a:ext uri="{28A0092B-C50C-407E-A947-70E740481C1C}">
+                    <a14:useLocalDpi xmlns="" xmlns:a14="http://schemas.microsoft.com/office/drawing/2010/main" val="0"/>
+                  </a:ext>
+                </a:extLst>
+              </a:blip>
+              <a:srcRect/>
+              <a:stretch>
+                <a:fillRect/>
+              </a:stretch>
+            </p:blipFill>
+            <p:spPr bwMode="auto">
+              <a:xfrm>
+                <a:off x="3929058" y="2714620"/>
+                <a:ext cx="1760312" cy="1714512"/>
+              </a:xfrm>
+              <a:prstGeom prst="rect">
+                <a:avLst/>
+              </a:prstGeom>
+              <a:noFill/>
+              <a:ln w="9525">
+                <a:solidFill>
+                  <a:schemeClr val="tx1"/>
+                </a:solidFill>
+                <a:miter lim="800000"/>
+                <a:headEnd/>
+                <a:tailEnd/>
+              </a:ln>
+              <a:effectLst/>
+              <a:extLst>
+                <a:ext uri="{909E8E84-426E-40DD-AFC4-6F175D3DCCD1}">
+                  <a14:hiddenFill xmlns="" xmlns:a14="http://schemas.microsoft.com/office/drawing/2010/main">
+                    <a:solidFill>
+                      <a:schemeClr val="accent1"/>
+                    </a:solidFill>
+                  </a14:hiddenFill>
+                </a:ext>
+                <a:ext uri="{AF507438-7753-43E0-B8FC-AC1667EBCBE1}">
+                  <a14:hiddenEffects xmlns="" xmlns:a14="http://schemas.microsoft.com/office/drawing/2010/main">
+                    <a:effectLst>
+                      <a:outerShdw dist="35921" dir="2700000" algn="ctr" rotWithShape="0">
+                        <a:schemeClr val="bg2"/>
+                      </a:outerShdw>
+                    </a:effectLst>
+                  </a14:hiddenEffects>
+                </a:ext>
+              </a:extLst>
+            </p:spPr>
+          </p:pic>
+          <p:pic>
+            <p:nvPicPr>
+              <p:cNvPr id="28" name="Picture 4"/>
+              <p:cNvPicPr>
+                <a:picLocks noChangeAspect="1" noChangeArrowheads="1"/>
+              </p:cNvPicPr>
+              <p:nvPr/>
+            </p:nvPicPr>
+            <p:blipFill>
+              <a:blip r:embed="rId5" cstate="print">
+                <a:extLst>
+                  <a:ext uri="{28A0092B-C50C-407E-A947-70E740481C1C}">
+                    <a14:useLocalDpi xmlns="" xmlns:a14="http://schemas.microsoft.com/office/drawing/2010/main" val="0"/>
+                  </a:ext>
+                </a:extLst>
+              </a:blip>
+              <a:srcRect/>
+              <a:stretch>
+                <a:fillRect/>
+              </a:stretch>
+            </p:blipFill>
+            <p:spPr bwMode="auto">
+              <a:xfrm>
+                <a:off x="1071538" y="2714620"/>
+                <a:ext cx="2428892" cy="1721240"/>
+              </a:xfrm>
+              <a:prstGeom prst="rect">
+                <a:avLst/>
+              </a:prstGeom>
+              <a:noFill/>
+              <a:ln w="9525">
+                <a:solidFill>
+                  <a:schemeClr val="tx1"/>
+                </a:solidFill>
+                <a:miter lim="800000"/>
+                <a:headEnd/>
+                <a:tailEnd/>
+              </a:ln>
+              <a:effectLst/>
+              <a:extLst>
+                <a:ext uri="{909E8E84-426E-40DD-AFC4-6F175D3DCCD1}">
+                  <a14:hiddenFill xmlns="" xmlns:a14="http://schemas.microsoft.com/office/drawing/2010/main">
+                    <a:solidFill>
+                      <a:schemeClr val="accent1"/>
+                    </a:solidFill>
+                  </a14:hiddenFill>
+                </a:ext>
+                <a:ext uri="{AF507438-7753-43E0-B8FC-AC1667EBCBE1}">
+                  <a14:hiddenEffects xmlns="" xmlns:a14="http://schemas.microsoft.com/office/drawing/2010/main">
+                    <a:effectLst>
+                      <a:outerShdw dist="35921" dir="2700000" algn="ctr" rotWithShape="0">
+                        <a:schemeClr val="bg2"/>
+                      </a:outerShdw>
+                    </a:effectLst>
+                  </a14:hiddenEffects>
+                </a:ext>
+              </a:extLst>
             </p:spPr>
           </p:pic>
           <p:sp>
             <p:nvSpPr>
-              <p:cNvPr id="21" name="직사각형 20"/>
+              <p:cNvPr id="29" name="모서리가 둥근 직사각형 1"/>
               <p:cNvSpPr/>
               <p:nvPr/>
             </p:nvSpPr>
             <p:spPr>
               <a:xfrm>
-                <a:off x="500034" y="1857364"/>
-                <a:ext cx="8215370" cy="3929090"/>
+                <a:off x="6010331" y="2357430"/>
+                <a:ext cx="1347751" cy="288032"/>
               </a:xfrm>
-              <a:prstGeom prst="rect">
+              <a:prstGeom prst="roundRect">
                 <a:avLst/>
               </a:prstGeom>
               <a:solidFill>
                 <a:schemeClr val="bg1"/>
+              </a:solidFill>
+              <a:ln>
+                <a:solidFill>
+                  <a:schemeClr val="tx1"/>
+                </a:solidFill>
+              </a:ln>
+            </p:spPr>
+            <p:style>
+              <a:lnRef idx="2">
+                <a:schemeClr val="accent1">
+                  <a:shade val="50000"/>
+                </a:schemeClr>
+              </a:lnRef>
+              <a:fillRef idx="1">
+                <a:schemeClr val="accent1"/>
+              </a:fillRef>
+              <a:effectRef idx="0">
+                <a:schemeClr val="accent1"/>
+              </a:effectRef>
+              <a:fontRef idx="minor">
+                <a:schemeClr val="lt1"/>
+              </a:fontRef>
+            </p:style>
+            <p:txBody>
+              <a:bodyPr rtlCol="0" anchor="ctr"/>
+              <a:lstStyle/>
+              <a:p>
+                <a:pPr algn="ctr"/>
+                <a:r>
+                  <a:rPr lang="ko-KR" altLang="en-US" sz="1000" dirty="0" smtClean="0">
+                    <a:solidFill>
+                      <a:schemeClr val="tx1"/>
+                    </a:solidFill>
+                  </a:rPr>
+                  <a:t>역대관중 현황표</a:t>
+                </a:r>
+                <a:endParaRPr lang="ko-KR" altLang="en-US" sz="1000" dirty="0">
+                  <a:solidFill>
+                    <a:schemeClr val="tx1"/>
+                  </a:solidFill>
+                </a:endParaRPr>
+              </a:p>
+            </p:txBody>
+          </p:sp>
+          <p:sp>
+            <p:nvSpPr>
+              <p:cNvPr id="30" name="모서리가 둥근 직사각형 6"/>
+              <p:cNvSpPr/>
+              <p:nvPr/>
+            </p:nvSpPr>
+            <p:spPr>
+              <a:xfrm>
+                <a:off x="3929058" y="2357430"/>
+                <a:ext cx="1347751" cy="288032"/>
+              </a:xfrm>
+              <a:prstGeom prst="roundRect">
+                <a:avLst/>
+              </a:prstGeom>
+              <a:solidFill>
+                <a:schemeClr val="bg1"/>
+              </a:solidFill>
+              <a:ln>
+                <a:solidFill>
+                  <a:schemeClr val="tx1"/>
+                </a:solidFill>
+              </a:ln>
+            </p:spPr>
+            <p:style>
+              <a:lnRef idx="2">
+                <a:schemeClr val="accent1">
+                  <a:shade val="50000"/>
+                </a:schemeClr>
+              </a:lnRef>
+              <a:fillRef idx="1">
+                <a:schemeClr val="accent1"/>
+              </a:fillRef>
+              <a:effectRef idx="0">
+                <a:schemeClr val="accent1"/>
+              </a:effectRef>
+              <a:fontRef idx="minor">
+                <a:schemeClr val="lt1"/>
+              </a:fontRef>
+            </p:style>
+            <p:txBody>
+              <a:bodyPr rtlCol="0" anchor="ctr"/>
+              <a:lstStyle/>
+              <a:p>
+                <a:pPr algn="ctr"/>
+                <a:r>
+                  <a:rPr lang="ko-KR" altLang="en-US" sz="1000" dirty="0" smtClean="0">
+                    <a:solidFill>
+                      <a:schemeClr val="tx1"/>
+                    </a:solidFill>
+                  </a:rPr>
+                  <a:t>연도별 관중 현황</a:t>
+                </a:r>
+                <a:endParaRPr lang="ko-KR" altLang="en-US" sz="1000" dirty="0">
+                  <a:solidFill>
+                    <a:schemeClr val="tx1"/>
+                  </a:solidFill>
+                </a:endParaRPr>
+              </a:p>
+            </p:txBody>
+          </p:sp>
+          <p:sp>
+            <p:nvSpPr>
+              <p:cNvPr id="31" name="모서리가 둥근 직사각형 7"/>
+              <p:cNvSpPr/>
+              <p:nvPr/>
+            </p:nvSpPr>
+            <p:spPr>
+              <a:xfrm>
+                <a:off x="1071538" y="2357430"/>
+                <a:ext cx="1347751" cy="288032"/>
+              </a:xfrm>
+              <a:prstGeom prst="roundRect">
+                <a:avLst/>
+              </a:prstGeom>
+              <a:solidFill>
+                <a:schemeClr val="bg1"/>
+              </a:solidFill>
+              <a:ln>
+                <a:solidFill>
+                  <a:schemeClr val="tx1"/>
+                </a:solidFill>
+              </a:ln>
+            </p:spPr>
+            <p:style>
+              <a:lnRef idx="2">
+                <a:schemeClr val="accent1">
+                  <a:shade val="50000"/>
+                </a:schemeClr>
+              </a:lnRef>
+              <a:fillRef idx="1">
+                <a:schemeClr val="accent1"/>
+              </a:fillRef>
+              <a:effectRef idx="0">
+                <a:schemeClr val="accent1"/>
+              </a:effectRef>
+              <a:fontRef idx="minor">
+                <a:schemeClr val="lt1"/>
+              </a:fontRef>
+            </p:style>
+            <p:txBody>
+              <a:bodyPr rtlCol="0" anchor="ctr"/>
+              <a:lstStyle/>
+              <a:p>
+                <a:pPr algn="ctr"/>
+                <a:r>
+                  <a:rPr lang="ko-KR" altLang="en-US" sz="1000" dirty="0" err="1" smtClean="0">
+                    <a:solidFill>
+                      <a:schemeClr val="tx1"/>
+                    </a:solidFill>
+                  </a:rPr>
+                  <a:t>구단별</a:t>
+                </a:r>
+                <a:r>
+                  <a:rPr lang="ko-KR" altLang="en-US" sz="1000" dirty="0" smtClean="0">
+                    <a:solidFill>
+                      <a:schemeClr val="tx1"/>
+                    </a:solidFill>
+                  </a:rPr>
+                  <a:t> 관중현황</a:t>
+                </a:r>
+                <a:endParaRPr lang="ko-KR" altLang="en-US" sz="1000" dirty="0">
+                  <a:solidFill>
+                    <a:schemeClr val="tx1"/>
+                  </a:solidFill>
+                </a:endParaRPr>
+              </a:p>
+            </p:txBody>
+          </p:sp>
+          <p:cxnSp>
+            <p:nvCxnSpPr>
+              <p:cNvPr id="32" name="직선 연결선 31"/>
+              <p:cNvCxnSpPr/>
+              <p:nvPr/>
+            </p:nvCxnSpPr>
+            <p:spPr>
+              <a:xfrm rot="5400000">
+                <a:off x="1893075" y="3821116"/>
+                <a:ext cx="3643338" cy="1588"/>
+              </a:xfrm>
+              <a:prstGeom prst="line">
+                <a:avLst/>
+              </a:prstGeom>
+              <a:ln>
+                <a:solidFill>
+                  <a:schemeClr val="bg1">
+                    <a:lumMod val="85000"/>
+                  </a:schemeClr>
+                </a:solidFill>
+              </a:ln>
+            </p:spPr>
+            <p:style>
+              <a:lnRef idx="1">
+                <a:schemeClr val="accent1"/>
+              </a:lnRef>
+              <a:fillRef idx="0">
+                <a:schemeClr val="accent1"/>
+              </a:fillRef>
+              <a:effectRef idx="0">
+                <a:schemeClr val="accent1"/>
+              </a:effectRef>
+              <a:fontRef idx="minor">
+                <a:schemeClr val="tx1"/>
+              </a:fontRef>
+            </p:style>
+          </p:cxnSp>
+          <p:cxnSp>
+            <p:nvCxnSpPr>
+              <p:cNvPr id="33" name="직선 연결선 32"/>
+              <p:cNvCxnSpPr/>
+              <p:nvPr/>
+            </p:nvCxnSpPr>
+            <p:spPr>
+              <a:xfrm rot="5400000">
+                <a:off x="4037009" y="3821115"/>
+                <a:ext cx="3643338" cy="1588"/>
+              </a:xfrm>
+              <a:prstGeom prst="line">
+                <a:avLst/>
+              </a:prstGeom>
+              <a:ln>
+                <a:solidFill>
+                  <a:schemeClr val="bg1">
+                    <a:lumMod val="85000"/>
+                  </a:schemeClr>
+                </a:solidFill>
+              </a:ln>
+            </p:spPr>
+            <p:style>
+              <a:lnRef idx="1">
+                <a:schemeClr val="accent1"/>
+              </a:lnRef>
+              <a:fillRef idx="0">
+                <a:schemeClr val="accent1"/>
+              </a:fillRef>
+              <a:effectRef idx="0">
+                <a:schemeClr val="accent1"/>
+              </a:effectRef>
+              <a:fontRef idx="minor">
+                <a:schemeClr val="tx1"/>
+              </a:fontRef>
+            </p:style>
+          </p:cxnSp>
+          <p:sp>
+            <p:nvSpPr>
+              <p:cNvPr id="34" name="모서리가 둥근 사각형 설명선 33"/>
+              <p:cNvSpPr/>
+              <p:nvPr/>
+            </p:nvSpPr>
+            <p:spPr>
+              <a:xfrm>
+                <a:off x="3286116" y="5072074"/>
+                <a:ext cx="2500330" cy="571504"/>
+              </a:xfrm>
+              <a:prstGeom prst="wedgeRoundRectCallout">
+                <a:avLst>
+                  <a:gd name="adj1" fmla="val 24445"/>
+                  <a:gd name="adj2" fmla="val -102070"/>
+                  <a:gd name="adj3" fmla="val 16667"/>
+                </a:avLst>
+              </a:prstGeom>
+              <a:solidFill>
+                <a:schemeClr val="tx1">
+                  <a:lumMod val="65000"/>
+                  <a:lumOff val="35000"/>
+                </a:schemeClr>
               </a:solidFill>
               <a:ln>
                 <a:noFill/>
@@ -4171,516 +4678,54 @@
               <a:lstStyle/>
               <a:p>
                 <a:pPr algn="ctr"/>
-                <a:endParaRPr lang="ko-KR" altLang="en-US"/>
+                <a:r>
+                  <a:rPr lang="en-US" altLang="ko-KR" sz="1100" dirty="0" smtClean="0"/>
+                  <a:t>3</a:t>
+                </a:r>
+                <a:r>
+                  <a:rPr lang="ko-KR" altLang="en-US" sz="1100" dirty="0" smtClean="0"/>
+                  <a:t>분면 또는 </a:t>
+                </a:r>
+                <a:r>
+                  <a:rPr lang="en-US" altLang="ko-KR" sz="1100" dirty="0" smtClean="0"/>
+                  <a:t>1</a:t>
+                </a:r>
+                <a:r>
+                  <a:rPr lang="ko-KR" altLang="en-US" sz="1100" dirty="0" smtClean="0"/>
+                  <a:t>면에 차례로 배치한다</a:t>
+                </a:r>
+                <a:endParaRPr lang="ko-KR" altLang="en-US" sz="1100" dirty="0"/>
               </a:p>
             </p:txBody>
           </p:sp>
         </p:grpSp>
-        <p:pic>
-          <p:nvPicPr>
-            <p:cNvPr id="11" name="Picture 2"/>
-            <p:cNvPicPr>
-              <a:picLocks noChangeAspect="1" noChangeArrowheads="1"/>
-            </p:cNvPicPr>
+        <p:sp>
+          <p:nvSpPr>
+            <p:cNvPr id="24" name="TextBox 23"/>
+            <p:cNvSpPr txBox="1"/>
             <p:nvPr/>
-          </p:nvPicPr>
-          <p:blipFill>
-            <a:blip r:embed="rId3" cstate="print">
-              <a:extLst>
-                <a:ext uri="{28A0092B-C50C-407E-A947-70E740481C1C}">
-                  <a14:useLocalDpi xmlns:a14="http://schemas.microsoft.com/office/drawing/2010/main" xmlns="" val="0"/>
-                </a:ext>
-              </a:extLst>
-            </a:blip>
-            <a:srcRect/>
-            <a:stretch>
-              <a:fillRect/>
-            </a:stretch>
-          </p:blipFill>
-          <p:spPr bwMode="auto">
+          </p:nvSpPr>
+          <p:spPr>
             <a:xfrm>
-              <a:off x="6000760" y="2357430"/>
-              <a:ext cx="2451473" cy="2500330"/>
+              <a:off x="571472" y="1857364"/>
+              <a:ext cx="2276585" cy="369332"/>
             </a:xfrm>
             <a:prstGeom prst="rect">
               <a:avLst/>
             </a:prstGeom>
             <a:noFill/>
-            <a:ln w="9525">
-              <a:solidFill>
-                <a:schemeClr val="tx1"/>
-              </a:solidFill>
-              <a:miter lim="800000"/>
-              <a:headEnd/>
-              <a:tailEnd/>
-            </a:ln>
-            <a:effectLst/>
-            <a:extLst>
-              <a:ext uri="{909E8E84-426E-40DD-AFC4-6F175D3DCCD1}">
-                <a14:hiddenFill xmlns:a14="http://schemas.microsoft.com/office/drawing/2010/main" xmlns="">
-                  <a:solidFill>
-                    <a:schemeClr val="accent1"/>
-                  </a:solidFill>
-                </a14:hiddenFill>
-              </a:ext>
-              <a:ext uri="{AF507438-7753-43E0-B8FC-AC1667EBCBE1}">
-                <a14:hiddenEffects xmlns:a14="http://schemas.microsoft.com/office/drawing/2010/main" xmlns="">
-                  <a:effectLst>
-                    <a:outerShdw dist="35921" dir="2700000" algn="ctr" rotWithShape="0">
-                      <a:schemeClr val="bg2"/>
-                    </a:outerShdw>
-                  </a:effectLst>
-                </a14:hiddenEffects>
-              </a:ext>
-            </a:extLst>
           </p:spPr>
-        </p:pic>
-        <p:pic>
-          <p:nvPicPr>
-            <p:cNvPr id="12" name="Picture 3"/>
-            <p:cNvPicPr>
-              <a:picLocks noChangeAspect="1" noChangeArrowheads="1"/>
-            </p:cNvPicPr>
-            <p:nvPr/>
-          </p:nvPicPr>
-          <p:blipFill>
-            <a:blip r:embed="rId4" cstate="print">
-              <a:extLst>
-                <a:ext uri="{28A0092B-C50C-407E-A947-70E740481C1C}">
-                  <a14:useLocalDpi xmlns:a14="http://schemas.microsoft.com/office/drawing/2010/main" xmlns="" val="0"/>
-                </a:ext>
-              </a:extLst>
-            </a:blip>
-            <a:srcRect/>
-            <a:stretch>
-              <a:fillRect/>
-            </a:stretch>
-          </p:blipFill>
-          <p:spPr bwMode="auto">
-            <a:xfrm>
-              <a:off x="3929058" y="2357430"/>
-              <a:ext cx="1760312" cy="1714512"/>
-            </a:xfrm>
-            <a:prstGeom prst="rect">
-              <a:avLst/>
-            </a:prstGeom>
-            <a:noFill/>
-            <a:ln w="9525">
-              <a:solidFill>
-                <a:schemeClr val="tx1"/>
-              </a:solidFill>
-              <a:miter lim="800000"/>
-              <a:headEnd/>
-              <a:tailEnd/>
-            </a:ln>
-            <a:effectLst/>
-            <a:extLst>
-              <a:ext uri="{909E8E84-426E-40DD-AFC4-6F175D3DCCD1}">
-                <a14:hiddenFill xmlns:a14="http://schemas.microsoft.com/office/drawing/2010/main" xmlns="">
-                  <a:solidFill>
-                    <a:schemeClr val="accent1"/>
-                  </a:solidFill>
-                </a14:hiddenFill>
-              </a:ext>
-              <a:ext uri="{AF507438-7753-43E0-B8FC-AC1667EBCBE1}">
-                <a14:hiddenEffects xmlns:a14="http://schemas.microsoft.com/office/drawing/2010/main" xmlns="">
-                  <a:effectLst>
-                    <a:outerShdw dist="35921" dir="2700000" algn="ctr" rotWithShape="0">
-                      <a:schemeClr val="bg2"/>
-                    </a:outerShdw>
-                  </a:effectLst>
-                </a14:hiddenEffects>
-              </a:ext>
-            </a:extLst>
-          </p:spPr>
-        </p:pic>
-        <p:pic>
-          <p:nvPicPr>
-            <p:cNvPr id="13" name="Picture 4"/>
-            <p:cNvPicPr>
-              <a:picLocks noChangeAspect="1" noChangeArrowheads="1"/>
-            </p:cNvPicPr>
-            <p:nvPr/>
-          </p:nvPicPr>
-          <p:blipFill>
-            <a:blip r:embed="rId5" cstate="print">
-              <a:extLst>
-                <a:ext uri="{28A0092B-C50C-407E-A947-70E740481C1C}">
-                  <a14:useLocalDpi xmlns:a14="http://schemas.microsoft.com/office/drawing/2010/main" xmlns="" val="0"/>
-                </a:ext>
-              </a:extLst>
-            </a:blip>
-            <a:srcRect/>
-            <a:stretch>
-              <a:fillRect/>
-            </a:stretch>
-          </p:blipFill>
-          <p:spPr bwMode="auto">
-            <a:xfrm>
-              <a:off x="1071538" y="2357430"/>
-              <a:ext cx="2428892" cy="1721240"/>
-            </a:xfrm>
-            <a:prstGeom prst="rect">
-              <a:avLst/>
-            </a:prstGeom>
-            <a:noFill/>
-            <a:ln w="9525">
-              <a:solidFill>
-                <a:schemeClr val="tx1"/>
-              </a:solidFill>
-              <a:miter lim="800000"/>
-              <a:headEnd/>
-              <a:tailEnd/>
-            </a:ln>
-            <a:effectLst/>
-            <a:extLst>
-              <a:ext uri="{909E8E84-426E-40DD-AFC4-6F175D3DCCD1}">
-                <a14:hiddenFill xmlns:a14="http://schemas.microsoft.com/office/drawing/2010/main" xmlns="">
-                  <a:solidFill>
-                    <a:schemeClr val="accent1"/>
-                  </a:solidFill>
-                </a14:hiddenFill>
-              </a:ext>
-              <a:ext uri="{AF507438-7753-43E0-B8FC-AC1667EBCBE1}">
-                <a14:hiddenEffects xmlns:a14="http://schemas.microsoft.com/office/drawing/2010/main" xmlns="">
-                  <a:effectLst>
-                    <a:outerShdw dist="35921" dir="2700000" algn="ctr" rotWithShape="0">
-                      <a:schemeClr val="bg2"/>
-                    </a:outerShdw>
-                  </a:effectLst>
-                </a14:hiddenEffects>
-              </a:ext>
-            </a:extLst>
-          </p:spPr>
-        </p:pic>
-        <p:sp>
-          <p:nvSpPr>
-            <p:cNvPr id="14" name="모서리가 둥근 직사각형 1"/>
-            <p:cNvSpPr/>
-            <p:nvPr/>
-          </p:nvSpPr>
-          <p:spPr>
-            <a:xfrm>
-              <a:off x="6010331" y="2000240"/>
-              <a:ext cx="1347751" cy="288032"/>
-            </a:xfrm>
-            <a:prstGeom prst="roundRect">
-              <a:avLst/>
-            </a:prstGeom>
-            <a:solidFill>
-              <a:schemeClr val="bg1"/>
-            </a:solidFill>
-            <a:ln>
-              <a:solidFill>
-                <a:schemeClr val="tx1"/>
-              </a:solidFill>
-            </a:ln>
-          </p:spPr>
-          <p:style>
-            <a:lnRef idx="2">
-              <a:schemeClr val="accent1">
-                <a:shade val="50000"/>
-              </a:schemeClr>
-            </a:lnRef>
-            <a:fillRef idx="1">
-              <a:schemeClr val="accent1"/>
-            </a:fillRef>
-            <a:effectRef idx="0">
-              <a:schemeClr val="accent1"/>
-            </a:effectRef>
-            <a:fontRef idx="minor">
-              <a:schemeClr val="lt1"/>
-            </a:fontRef>
-          </p:style>
           <p:txBody>
-            <a:bodyPr rtlCol="0" anchor="ctr"/>
+            <a:bodyPr wrap="none" rtlCol="0">
+              <a:spAutoFit/>
+            </a:bodyPr>
             <a:lstStyle/>
             <a:p>
-              <a:pPr algn="ctr"/>
               <a:r>
-                <a:rPr lang="ko-KR" altLang="en-US" sz="1000" dirty="0" smtClean="0">
-                  <a:solidFill>
-                    <a:schemeClr val="tx1"/>
-                  </a:solidFill>
-                </a:rPr>
-                <a:t>역대관중 현황표</a:t>
+                <a:rPr lang="ko-KR" altLang="en-US" b="1" dirty="0" smtClean="0"/>
+                <a:t>팀별 역대 관중 통계</a:t>
               </a:r>
-              <a:endParaRPr lang="ko-KR" altLang="en-US" sz="1000" dirty="0">
-                <a:solidFill>
-                  <a:schemeClr val="tx1"/>
-                </a:solidFill>
-              </a:endParaRPr>
-            </a:p>
-          </p:txBody>
-        </p:sp>
-        <p:sp>
-          <p:nvSpPr>
-            <p:cNvPr id="15" name="모서리가 둥근 직사각형 14"/>
-            <p:cNvSpPr/>
-            <p:nvPr/>
-          </p:nvSpPr>
-          <p:spPr>
-            <a:xfrm>
-              <a:off x="3929058" y="2000240"/>
-              <a:ext cx="1347751" cy="288032"/>
-            </a:xfrm>
-            <a:prstGeom prst="roundRect">
-              <a:avLst/>
-            </a:prstGeom>
-            <a:solidFill>
-              <a:schemeClr val="bg1"/>
-            </a:solidFill>
-            <a:ln>
-              <a:solidFill>
-                <a:schemeClr val="tx1"/>
-              </a:solidFill>
-            </a:ln>
-          </p:spPr>
-          <p:style>
-            <a:lnRef idx="2">
-              <a:schemeClr val="accent1">
-                <a:shade val="50000"/>
-              </a:schemeClr>
-            </a:lnRef>
-            <a:fillRef idx="1">
-              <a:schemeClr val="accent1"/>
-            </a:fillRef>
-            <a:effectRef idx="0">
-              <a:schemeClr val="accent1"/>
-            </a:effectRef>
-            <a:fontRef idx="minor">
-              <a:schemeClr val="lt1"/>
-            </a:fontRef>
-          </p:style>
-          <p:txBody>
-            <a:bodyPr rtlCol="0" anchor="ctr"/>
-            <a:lstStyle/>
-            <a:p>
-              <a:pPr algn="ctr"/>
-              <a:r>
-                <a:rPr lang="ko-KR" altLang="en-US" sz="1000" dirty="0" smtClean="0">
-                  <a:solidFill>
-                    <a:schemeClr val="tx1"/>
-                  </a:solidFill>
-                </a:rPr>
-                <a:t>연도별 관중 현황</a:t>
-              </a:r>
-              <a:endParaRPr lang="ko-KR" altLang="en-US" sz="1000" dirty="0">
-                <a:solidFill>
-                  <a:schemeClr val="tx1"/>
-                </a:solidFill>
-              </a:endParaRPr>
-            </a:p>
-          </p:txBody>
-        </p:sp>
-        <p:sp>
-          <p:nvSpPr>
-            <p:cNvPr id="16" name="모서리가 둥근 직사각형 15"/>
-            <p:cNvSpPr/>
-            <p:nvPr/>
-          </p:nvSpPr>
-          <p:spPr>
-            <a:xfrm>
-              <a:off x="1071538" y="2000240"/>
-              <a:ext cx="1347751" cy="288032"/>
-            </a:xfrm>
-            <a:prstGeom prst="roundRect">
-              <a:avLst/>
-            </a:prstGeom>
-            <a:solidFill>
-              <a:schemeClr val="bg1"/>
-            </a:solidFill>
-            <a:ln>
-              <a:solidFill>
-                <a:schemeClr val="tx1"/>
-              </a:solidFill>
-            </a:ln>
-          </p:spPr>
-          <p:style>
-            <a:lnRef idx="2">
-              <a:schemeClr val="accent1">
-                <a:shade val="50000"/>
-              </a:schemeClr>
-            </a:lnRef>
-            <a:fillRef idx="1">
-              <a:schemeClr val="accent1"/>
-            </a:fillRef>
-            <a:effectRef idx="0">
-              <a:schemeClr val="accent1"/>
-            </a:effectRef>
-            <a:fontRef idx="minor">
-              <a:schemeClr val="lt1"/>
-            </a:fontRef>
-          </p:style>
-          <p:txBody>
-            <a:bodyPr rtlCol="0" anchor="ctr"/>
-            <a:lstStyle/>
-            <a:p>
-              <a:pPr algn="ctr"/>
-              <a:r>
-                <a:rPr lang="ko-KR" altLang="en-US" sz="1000" dirty="0" err="1" smtClean="0">
-                  <a:solidFill>
-                    <a:schemeClr val="tx1"/>
-                  </a:solidFill>
-                </a:rPr>
-                <a:t>구단별</a:t>
-              </a:r>
-              <a:r>
-                <a:rPr lang="ko-KR" altLang="en-US" sz="1000" dirty="0" smtClean="0">
-                  <a:solidFill>
-                    <a:schemeClr val="tx1"/>
-                  </a:solidFill>
-                </a:rPr>
-                <a:t> 관중현황</a:t>
-              </a:r>
-              <a:endParaRPr lang="ko-KR" altLang="en-US" sz="1000" dirty="0">
-                <a:solidFill>
-                  <a:schemeClr val="tx1"/>
-                </a:solidFill>
-              </a:endParaRPr>
-            </a:p>
-          </p:txBody>
-        </p:sp>
-        <p:cxnSp>
-          <p:nvCxnSpPr>
-            <p:cNvPr id="17" name="직선 연결선 16"/>
-            <p:cNvCxnSpPr/>
-            <p:nvPr/>
-          </p:nvCxnSpPr>
-          <p:spPr>
-            <a:xfrm rot="5400000">
-              <a:off x="1893075" y="3821116"/>
-              <a:ext cx="3643338" cy="1588"/>
-            </a:xfrm>
-            <a:prstGeom prst="line">
-              <a:avLst/>
-            </a:prstGeom>
-            <a:ln>
-              <a:solidFill>
-                <a:schemeClr val="bg1">
-                  <a:lumMod val="85000"/>
-                </a:schemeClr>
-              </a:solidFill>
-            </a:ln>
-          </p:spPr>
-          <p:style>
-            <a:lnRef idx="1">
-              <a:schemeClr val="accent1"/>
-            </a:lnRef>
-            <a:fillRef idx="0">
-              <a:schemeClr val="accent1"/>
-            </a:fillRef>
-            <a:effectRef idx="0">
-              <a:schemeClr val="accent1"/>
-            </a:effectRef>
-            <a:fontRef idx="minor">
-              <a:schemeClr val="tx1"/>
-            </a:fontRef>
-          </p:style>
-        </p:cxnSp>
-        <p:cxnSp>
-          <p:nvCxnSpPr>
-            <p:cNvPr id="18" name="직선 연결선 17"/>
-            <p:cNvCxnSpPr/>
-            <p:nvPr/>
-          </p:nvCxnSpPr>
-          <p:spPr>
-            <a:xfrm rot="5400000">
-              <a:off x="4037009" y="3821115"/>
-              <a:ext cx="3643338" cy="1588"/>
-            </a:xfrm>
-            <a:prstGeom prst="line">
-              <a:avLst/>
-            </a:prstGeom>
-            <a:ln>
-              <a:solidFill>
-                <a:schemeClr val="bg1">
-                  <a:lumMod val="85000"/>
-                </a:schemeClr>
-              </a:solidFill>
-            </a:ln>
-          </p:spPr>
-          <p:style>
-            <a:lnRef idx="1">
-              <a:schemeClr val="accent1"/>
-            </a:lnRef>
-            <a:fillRef idx="0">
-              <a:schemeClr val="accent1"/>
-            </a:fillRef>
-            <a:effectRef idx="0">
-              <a:schemeClr val="accent1"/>
-            </a:effectRef>
-            <a:fontRef idx="minor">
-              <a:schemeClr val="tx1"/>
-            </a:fontRef>
-          </p:style>
-        </p:cxnSp>
-        <p:sp>
-          <p:nvSpPr>
-            <p:cNvPr id="19" name="모서리가 둥근 사각형 설명선 18"/>
-            <p:cNvSpPr/>
-            <p:nvPr/>
-          </p:nvSpPr>
-          <p:spPr>
-            <a:xfrm>
-              <a:off x="3286116" y="5072074"/>
-              <a:ext cx="2500330" cy="571504"/>
-            </a:xfrm>
-            <a:prstGeom prst="wedgeRoundRectCallout">
-              <a:avLst>
-                <a:gd name="adj1" fmla="val 24445"/>
-                <a:gd name="adj2" fmla="val -102070"/>
-                <a:gd name="adj3" fmla="val 16667"/>
-              </a:avLst>
-            </a:prstGeom>
-            <a:solidFill>
-              <a:schemeClr val="tx1">
-                <a:lumMod val="65000"/>
-                <a:lumOff val="35000"/>
-              </a:schemeClr>
-            </a:solidFill>
-            <a:ln>
-              <a:noFill/>
-            </a:ln>
-          </p:spPr>
-          <p:style>
-            <a:lnRef idx="2">
-              <a:schemeClr val="accent1">
-                <a:shade val="50000"/>
-              </a:schemeClr>
-            </a:lnRef>
-            <a:fillRef idx="1">
-              <a:schemeClr val="accent1"/>
-            </a:fillRef>
-            <a:effectRef idx="0">
-              <a:schemeClr val="accent1"/>
-            </a:effectRef>
-            <a:fontRef idx="minor">
-              <a:schemeClr val="lt1"/>
-            </a:fontRef>
-          </p:style>
-          <p:txBody>
-            <a:bodyPr rtlCol="0" anchor="ctr"/>
-            <a:lstStyle/>
-            <a:p>
-              <a:pPr algn="ctr"/>
-              <a:r>
-                <a:rPr lang="en-US" altLang="ko-KR" sz="1100" dirty="0" smtClean="0"/>
-                <a:t>3</a:t>
-              </a:r>
-              <a:r>
-                <a:rPr lang="ko-KR" altLang="en-US" sz="1100" dirty="0" smtClean="0"/>
-                <a:t>분면 또는 </a:t>
-              </a:r>
-              <a:r>
-                <a:rPr lang="en-US" altLang="ko-KR" sz="1100" dirty="0" smtClean="0"/>
-                <a:t>1</a:t>
-              </a:r>
-              <a:r>
-                <a:rPr lang="ko-KR" altLang="en-US" sz="1100" dirty="0" smtClean="0"/>
-                <a:t>면에 차례로 배치한다</a:t>
-              </a:r>
-              <a:endParaRPr lang="ko-KR" altLang="en-US" sz="1100" dirty="0"/>
+              <a:endParaRPr lang="ko-KR" altLang="en-US" b="1" dirty="0"/>
             </a:p>
           </p:txBody>
         </p:sp>
@@ -4688,7 +4733,7 @@
     </p:spTree>
     <p:extLst>
       <p:ext uri="{BB962C8B-B14F-4D97-AF65-F5344CB8AC3E}">
-        <p14:creationId xmlns:p14="http://schemas.microsoft.com/office/powerpoint/2010/main" xmlns="" val="2358022711"/>
+        <p14:creationId xmlns="" xmlns:p14="http://schemas.microsoft.com/office/powerpoint/2010/main" val="2358022711"/>
       </p:ext>
     </p:extLst>
   </p:cSld>
@@ -4765,7 +4810,7 @@
           <a:blip r:embed="rId2">
             <a:extLst>
               <a:ext uri="{28A0092B-C50C-407E-A947-70E740481C1C}">
-                <a14:useLocalDpi xmlns:a14="http://schemas.microsoft.com/office/drawing/2010/main" xmlns="" val="0"/>
+                <a14:useLocalDpi xmlns="" xmlns:a14="http://schemas.microsoft.com/office/drawing/2010/main" val="0"/>
               </a:ext>
             </a:extLst>
           </a:blip>
@@ -4789,14 +4834,14 @@
           <a:effectLst/>
           <a:extLst>
             <a:ext uri="{909E8E84-426E-40DD-AFC4-6F175D3DCCD1}">
-              <a14:hiddenFill xmlns:a14="http://schemas.microsoft.com/office/drawing/2010/main" xmlns="">
+              <a14:hiddenFill xmlns="" xmlns:a14="http://schemas.microsoft.com/office/drawing/2010/main">
                 <a:solidFill>
                   <a:schemeClr val="accent1"/>
                 </a:solidFill>
               </a14:hiddenFill>
             </a:ext>
             <a:ext uri="{91240B29-F687-4F45-9708-019B960494DF}">
-              <a14:hiddenLine xmlns:a14="http://schemas.microsoft.com/office/drawing/2010/main" xmlns="" w="9525">
+              <a14:hiddenLine xmlns="" xmlns:a14="http://schemas.microsoft.com/office/drawing/2010/main" w="9525">
                 <a:solidFill>
                   <a:schemeClr val="tx1"/>
                 </a:solidFill>
@@ -4806,7 +4851,7 @@
               </a14:hiddenLine>
             </a:ext>
             <a:ext uri="{AF507438-7753-43E0-B8FC-AC1667EBCBE1}">
-              <a14:hiddenEffects xmlns:a14="http://schemas.microsoft.com/office/drawing/2010/main" xmlns="">
+              <a14:hiddenEffects xmlns="" xmlns:a14="http://schemas.microsoft.com/office/drawing/2010/main">
                 <a:effectLst>
                   <a:outerShdw dist="35921" dir="2700000" algn="ctr" rotWithShape="0">
                     <a:schemeClr val="bg2"/>
@@ -4850,7 +4895,7 @@
     </p:spTree>
     <p:extLst>
       <p:ext uri="{BB962C8B-B14F-4D97-AF65-F5344CB8AC3E}">
-        <p14:creationId xmlns:p14="http://schemas.microsoft.com/office/powerpoint/2010/main" xmlns="" val="1222455737"/>
+        <p14:creationId xmlns="" xmlns:p14="http://schemas.microsoft.com/office/powerpoint/2010/main" val="1222455737"/>
       </p:ext>
     </p:extLst>
   </p:cSld>
@@ -4913,7 +4958,7 @@
     </p:spTree>
     <p:extLst>
       <p:ext uri="{BB962C8B-B14F-4D97-AF65-F5344CB8AC3E}">
-        <p14:creationId xmlns:p14="http://schemas.microsoft.com/office/powerpoint/2010/main" xmlns="" val="3551393168"/>
+        <p14:creationId xmlns="" xmlns:p14="http://schemas.microsoft.com/office/powerpoint/2010/main" val="3551393168"/>
       </p:ext>
     </p:extLst>
   </p:cSld>
@@ -4952,7 +4997,7 @@
           <a:blip r:embed="rId2">
             <a:extLst>
               <a:ext uri="{28A0092B-C50C-407E-A947-70E740481C1C}">
-                <a14:useLocalDpi xmlns:a14="http://schemas.microsoft.com/office/drawing/2010/main" xmlns="" val="0"/>
+                <a14:useLocalDpi xmlns="" xmlns:a14="http://schemas.microsoft.com/office/drawing/2010/main" val="0"/>
               </a:ext>
             </a:extLst>
           </a:blip>
@@ -4972,7 +5017,7 @@
           <a:noFill/>
           <a:extLst>
             <a:ext uri="{909E8E84-426E-40DD-AFC4-6F175D3DCCD1}">
-              <a14:hiddenFill xmlns:a14="http://schemas.microsoft.com/office/drawing/2010/main" xmlns="">
+              <a14:hiddenFill xmlns="" xmlns:a14="http://schemas.microsoft.com/office/drawing/2010/main">
                 <a:solidFill>
                   <a:srgbClr val="FFFFFF"/>
                 </a:solidFill>
@@ -5193,7 +5238,7 @@
     </p:spTree>
     <p:extLst>
       <p:ext uri="{BB962C8B-B14F-4D97-AF65-F5344CB8AC3E}">
-        <p14:creationId xmlns:p14="http://schemas.microsoft.com/office/powerpoint/2010/main" xmlns="" val="1761084381"/>
+        <p14:creationId xmlns="" xmlns:p14="http://schemas.microsoft.com/office/powerpoint/2010/main" val="1761084381"/>
       </p:ext>
     </p:extLst>
   </p:cSld>
@@ -5232,7 +5277,7 @@
           <a:blip r:embed="rId2">
             <a:extLst>
               <a:ext uri="{28A0092B-C50C-407E-A947-70E740481C1C}">
-                <a14:useLocalDpi xmlns:a14="http://schemas.microsoft.com/office/drawing/2010/main" xmlns="" val="0"/>
+                <a14:useLocalDpi xmlns="" xmlns:a14="http://schemas.microsoft.com/office/drawing/2010/main" val="0"/>
               </a:ext>
             </a:extLst>
           </a:blip>
@@ -5252,7 +5297,7 @@
           <a:noFill/>
           <a:extLst>
             <a:ext uri="{909E8E84-426E-40DD-AFC4-6F175D3DCCD1}">
-              <a14:hiddenFill xmlns:a14="http://schemas.microsoft.com/office/drawing/2010/main" xmlns="">
+              <a14:hiddenFill xmlns="" xmlns:a14="http://schemas.microsoft.com/office/drawing/2010/main">
                 <a:solidFill>
                   <a:srgbClr val="FFFFFF"/>
                 </a:solidFill>
@@ -5357,7 +5402,7 @@
     </p:spTree>
     <p:extLst>
       <p:ext uri="{BB962C8B-B14F-4D97-AF65-F5344CB8AC3E}">
-        <p14:creationId xmlns:p14="http://schemas.microsoft.com/office/powerpoint/2010/main" xmlns="" val="2851968572"/>
+        <p14:creationId xmlns="" xmlns:p14="http://schemas.microsoft.com/office/powerpoint/2010/main" val="2851968572"/>
       </p:ext>
     </p:extLst>
   </p:cSld>
@@ -5396,7 +5441,7 @@
           <a:blip r:embed="rId2">
             <a:extLst>
               <a:ext uri="{28A0092B-C50C-407E-A947-70E740481C1C}">
-                <a14:useLocalDpi xmlns:a14="http://schemas.microsoft.com/office/drawing/2010/main" xmlns="" val="0"/>
+                <a14:useLocalDpi xmlns="" xmlns:a14="http://schemas.microsoft.com/office/drawing/2010/main" val="0"/>
               </a:ext>
             </a:extLst>
           </a:blip>
@@ -5416,7 +5461,7 @@
           <a:noFill/>
           <a:extLst>
             <a:ext uri="{909E8E84-426E-40DD-AFC4-6F175D3DCCD1}">
-              <a14:hiddenFill xmlns:a14="http://schemas.microsoft.com/office/drawing/2010/main" xmlns="">
+              <a14:hiddenFill xmlns="" xmlns:a14="http://schemas.microsoft.com/office/drawing/2010/main">
                 <a:solidFill>
                   <a:srgbClr val="FFFFFF"/>
                 </a:solidFill>
@@ -5428,7 +5473,7 @@
     </p:spTree>
     <p:extLst>
       <p:ext uri="{BB962C8B-B14F-4D97-AF65-F5344CB8AC3E}">
-        <p14:creationId xmlns:p14="http://schemas.microsoft.com/office/powerpoint/2010/main" xmlns="" val="2851968572"/>
+        <p14:creationId xmlns="" xmlns:p14="http://schemas.microsoft.com/office/powerpoint/2010/main" val="2851968572"/>
       </p:ext>
     </p:extLst>
   </p:cSld>
@@ -5467,7 +5512,7 @@
           <a:blip r:embed="rId2">
             <a:extLst>
               <a:ext uri="{28A0092B-C50C-407E-A947-70E740481C1C}">
-                <a14:useLocalDpi xmlns:a14="http://schemas.microsoft.com/office/drawing/2010/main" xmlns="" val="0"/>
+                <a14:useLocalDpi xmlns="" xmlns:a14="http://schemas.microsoft.com/office/drawing/2010/main" val="0"/>
               </a:ext>
             </a:extLst>
           </a:blip>
@@ -5487,7 +5532,7 @@
           <a:noFill/>
           <a:extLst>
             <a:ext uri="{909E8E84-426E-40DD-AFC4-6F175D3DCCD1}">
-              <a14:hiddenFill xmlns:a14="http://schemas.microsoft.com/office/drawing/2010/main" xmlns="">
+              <a14:hiddenFill xmlns="" xmlns:a14="http://schemas.microsoft.com/office/drawing/2010/main">
                 <a:solidFill>
                   <a:srgbClr val="FFFFFF"/>
                 </a:solidFill>
@@ -5499,7 +5544,7 @@
     </p:spTree>
     <p:extLst>
       <p:ext uri="{BB962C8B-B14F-4D97-AF65-F5344CB8AC3E}">
-        <p14:creationId xmlns:p14="http://schemas.microsoft.com/office/powerpoint/2010/main" xmlns="" val="2851968572"/>
+        <p14:creationId xmlns="" xmlns:p14="http://schemas.microsoft.com/office/powerpoint/2010/main" val="2851968572"/>
       </p:ext>
     </p:extLst>
   </p:cSld>
@@ -5538,7 +5583,7 @@
           <a:blip r:embed="rId2">
             <a:extLst>
               <a:ext uri="{28A0092B-C50C-407E-A947-70E740481C1C}">
-                <a14:useLocalDpi xmlns:a14="http://schemas.microsoft.com/office/drawing/2010/main" xmlns="" val="0"/>
+                <a14:useLocalDpi xmlns="" xmlns:a14="http://schemas.microsoft.com/office/drawing/2010/main" val="0"/>
               </a:ext>
             </a:extLst>
           </a:blip>
@@ -5558,7 +5603,7 @@
           <a:noFill/>
           <a:extLst>
             <a:ext uri="{909E8E84-426E-40DD-AFC4-6F175D3DCCD1}">
-              <a14:hiddenFill xmlns:a14="http://schemas.microsoft.com/office/drawing/2010/main" xmlns="">
+              <a14:hiddenFill xmlns="" xmlns:a14="http://schemas.microsoft.com/office/drawing/2010/main">
                 <a:solidFill>
                   <a:srgbClr val="FFFFFF"/>
                 </a:solidFill>
@@ -5570,7 +5615,7 @@
     </p:spTree>
     <p:extLst>
       <p:ext uri="{BB962C8B-B14F-4D97-AF65-F5344CB8AC3E}">
-        <p14:creationId xmlns:p14="http://schemas.microsoft.com/office/powerpoint/2010/main" xmlns="" val="3834709605"/>
+        <p14:creationId xmlns="" xmlns:p14="http://schemas.microsoft.com/office/powerpoint/2010/main" val="3834709605"/>
       </p:ext>
     </p:extLst>
   </p:cSld>
@@ -5609,7 +5654,7 @@
           <a:blip r:embed="rId2">
             <a:extLst>
               <a:ext uri="{28A0092B-C50C-407E-A947-70E740481C1C}">
-                <a14:useLocalDpi xmlns:a14="http://schemas.microsoft.com/office/drawing/2010/main" xmlns="" val="0"/>
+                <a14:useLocalDpi xmlns="" xmlns:a14="http://schemas.microsoft.com/office/drawing/2010/main" val="0"/>
               </a:ext>
             </a:extLst>
           </a:blip>
@@ -5629,7 +5674,7 @@
           <a:noFill/>
           <a:extLst>
             <a:ext uri="{909E8E84-426E-40DD-AFC4-6F175D3DCCD1}">
-              <a14:hiddenFill xmlns:a14="http://schemas.microsoft.com/office/drawing/2010/main" xmlns="">
+              <a14:hiddenFill xmlns="" xmlns:a14="http://schemas.microsoft.com/office/drawing/2010/main">
                 <a:solidFill>
                   <a:srgbClr val="FFFFFF"/>
                 </a:solidFill>
@@ -5768,7 +5813,7 @@
     </p:spTree>
     <p:extLst>
       <p:ext uri="{BB962C8B-B14F-4D97-AF65-F5344CB8AC3E}">
-        <p14:creationId xmlns:p14="http://schemas.microsoft.com/office/powerpoint/2010/main" xmlns="" val="3944887229"/>
+        <p14:creationId xmlns="" xmlns:p14="http://schemas.microsoft.com/office/powerpoint/2010/main" val="3944887229"/>
       </p:ext>
     </p:extLst>
   </p:cSld>
@@ -5807,7 +5852,7 @@
           <a:blip r:embed="rId2" cstate="print">
             <a:extLst>
               <a:ext uri="{28A0092B-C50C-407E-A947-70E740481C1C}">
-                <a14:useLocalDpi xmlns:a14="http://schemas.microsoft.com/office/drawing/2010/main" xmlns="" val="0"/>
+                <a14:useLocalDpi xmlns="" xmlns:a14="http://schemas.microsoft.com/office/drawing/2010/main" val="0"/>
               </a:ext>
             </a:extLst>
           </a:blip>
@@ -5827,7 +5872,7 @@
           <a:noFill/>
           <a:extLst>
             <a:ext uri="{909E8E84-426E-40DD-AFC4-6F175D3DCCD1}">
-              <a14:hiddenFill xmlns:a14="http://schemas.microsoft.com/office/drawing/2010/main" xmlns="">
+              <a14:hiddenFill xmlns="" xmlns:a14="http://schemas.microsoft.com/office/drawing/2010/main">
                 <a:solidFill>
                   <a:srgbClr val="FFFFFF"/>
                 </a:solidFill>
@@ -5839,7 +5884,7 @@
     </p:spTree>
     <p:extLst>
       <p:ext uri="{BB962C8B-B14F-4D97-AF65-F5344CB8AC3E}">
-        <p14:creationId xmlns:p14="http://schemas.microsoft.com/office/powerpoint/2010/main" xmlns="" val="877918525"/>
+        <p14:creationId xmlns="" xmlns:p14="http://schemas.microsoft.com/office/powerpoint/2010/main" val="877918525"/>
       </p:ext>
     </p:extLst>
   </p:cSld>
@@ -5886,7 +5931,7 @@
           <a:blip r:embed="rId2" cstate="print">
             <a:extLst>
               <a:ext uri="{28A0092B-C50C-407E-A947-70E740481C1C}">
-                <a14:useLocalDpi xmlns:a14="http://schemas.microsoft.com/office/drawing/2010/main" xmlns="" val="0"/>
+                <a14:useLocalDpi xmlns="" xmlns:a14="http://schemas.microsoft.com/office/drawing/2010/main" val="0"/>
               </a:ext>
             </a:extLst>
           </a:blip>
@@ -5906,7 +5951,7 @@
           <a:noFill/>
           <a:extLst>
             <a:ext uri="{909E8E84-426E-40DD-AFC4-6F175D3DCCD1}">
-              <a14:hiddenFill xmlns:a14="http://schemas.microsoft.com/office/drawing/2010/main" xmlns="">
+              <a14:hiddenFill xmlns="" xmlns:a14="http://schemas.microsoft.com/office/drawing/2010/main">
                 <a:solidFill>
                   <a:srgbClr val="FFFFFF"/>
                 </a:solidFill>
@@ -5918,7 +5963,7 @@
     </p:spTree>
     <p:extLst>
       <p:ext uri="{BB962C8B-B14F-4D97-AF65-F5344CB8AC3E}">
-        <p14:creationId xmlns:p14="http://schemas.microsoft.com/office/powerpoint/2010/main" xmlns="" val="3176543279"/>
+        <p14:creationId xmlns="" xmlns:p14="http://schemas.microsoft.com/office/powerpoint/2010/main" val="3176543279"/>
       </p:ext>
     </p:extLst>
   </p:cSld>
@@ -5965,7 +6010,7 @@
           <a:blip r:embed="rId2" cstate="print">
             <a:extLst>
               <a:ext uri="{28A0092B-C50C-407E-A947-70E740481C1C}">
-                <a14:useLocalDpi xmlns:a14="http://schemas.microsoft.com/office/drawing/2010/main" xmlns="" val="0"/>
+                <a14:useLocalDpi xmlns="" xmlns:a14="http://schemas.microsoft.com/office/drawing/2010/main" val="0"/>
               </a:ext>
             </a:extLst>
           </a:blip>
@@ -5985,7 +6030,7 @@
           <a:noFill/>
           <a:extLst>
             <a:ext uri="{909E8E84-426E-40DD-AFC4-6F175D3DCCD1}">
-              <a14:hiddenFill xmlns:a14="http://schemas.microsoft.com/office/drawing/2010/main" xmlns="">
+              <a14:hiddenFill xmlns="" xmlns:a14="http://schemas.microsoft.com/office/drawing/2010/main">
                 <a:solidFill>
                   <a:srgbClr val="FFFFFF"/>
                 </a:solidFill>
@@ -5997,7 +6042,7 @@
     </p:spTree>
     <p:extLst>
       <p:ext uri="{BB962C8B-B14F-4D97-AF65-F5344CB8AC3E}">
-        <p14:creationId xmlns:p14="http://schemas.microsoft.com/office/powerpoint/2010/main" xmlns="" val="3434212402"/>
+        <p14:creationId xmlns="" xmlns:p14="http://schemas.microsoft.com/office/powerpoint/2010/main" val="3434212402"/>
       </p:ext>
     </p:extLst>
   </p:cSld>
@@ -6082,7 +6127,7 @@
           <a:blip r:embed="rId2">
             <a:extLst>
               <a:ext uri="{28A0092B-C50C-407E-A947-70E740481C1C}">
-                <a14:useLocalDpi xmlns:a14="http://schemas.microsoft.com/office/drawing/2010/main" xmlns="" val="0"/>
+                <a14:useLocalDpi xmlns="" xmlns:a14="http://schemas.microsoft.com/office/drawing/2010/main" val="0"/>
               </a:ext>
             </a:extLst>
           </a:blip>
@@ -6106,14 +6151,14 @@
           <a:effectLst/>
           <a:extLst>
             <a:ext uri="{909E8E84-426E-40DD-AFC4-6F175D3DCCD1}">
-              <a14:hiddenFill xmlns:a14="http://schemas.microsoft.com/office/drawing/2010/main" xmlns="">
+              <a14:hiddenFill xmlns="" xmlns:a14="http://schemas.microsoft.com/office/drawing/2010/main">
                 <a:solidFill>
                   <a:schemeClr val="accent1"/>
                 </a:solidFill>
               </a14:hiddenFill>
             </a:ext>
             <a:ext uri="{91240B29-F687-4F45-9708-019B960494DF}">
-              <a14:hiddenLine xmlns:a14="http://schemas.microsoft.com/office/drawing/2010/main" xmlns="" w="9525">
+              <a14:hiddenLine xmlns="" xmlns:a14="http://schemas.microsoft.com/office/drawing/2010/main" w="9525">
                 <a:solidFill>
                   <a:schemeClr val="tx1"/>
                 </a:solidFill>
@@ -6123,7 +6168,7 @@
               </a14:hiddenLine>
             </a:ext>
             <a:ext uri="{AF507438-7753-43E0-B8FC-AC1667EBCBE1}">
-              <a14:hiddenEffects xmlns:a14="http://schemas.microsoft.com/office/drawing/2010/main" xmlns="">
+              <a14:hiddenEffects xmlns="" xmlns:a14="http://schemas.microsoft.com/office/drawing/2010/main">
                 <a:effectLst>
                   <a:outerShdw dist="35921" dir="2700000" algn="ctr" rotWithShape="0">
                     <a:schemeClr val="bg2"/>
@@ -6248,7 +6293,7 @@
     </p:spTree>
     <p:extLst>
       <p:ext uri="{BB962C8B-B14F-4D97-AF65-F5344CB8AC3E}">
-        <p14:creationId xmlns:p14="http://schemas.microsoft.com/office/powerpoint/2010/main" xmlns="" val="2025987737"/>
+        <p14:creationId xmlns="" xmlns:p14="http://schemas.microsoft.com/office/powerpoint/2010/main" val="2025987737"/>
       </p:ext>
     </p:extLst>
   </p:cSld>
@@ -6287,7 +6332,7 @@
           <a:blip r:embed="rId2" cstate="print">
             <a:extLst>
               <a:ext uri="{28A0092B-C50C-407E-A947-70E740481C1C}">
-                <a14:useLocalDpi xmlns:a14="http://schemas.microsoft.com/office/drawing/2010/main" xmlns="" val="0"/>
+                <a14:useLocalDpi xmlns="" xmlns:a14="http://schemas.microsoft.com/office/drawing/2010/main" val="0"/>
               </a:ext>
             </a:extLst>
           </a:blip>
@@ -6307,7 +6352,7 @@
           <a:noFill/>
           <a:extLst>
             <a:ext uri="{909E8E84-426E-40DD-AFC4-6F175D3DCCD1}">
-              <a14:hiddenFill xmlns:a14="http://schemas.microsoft.com/office/drawing/2010/main" xmlns="">
+              <a14:hiddenFill xmlns="" xmlns:a14="http://schemas.microsoft.com/office/drawing/2010/main">
                 <a:solidFill>
                   <a:srgbClr val="FFFFFF"/>
                 </a:solidFill>
@@ -6319,7 +6364,7 @@
     </p:spTree>
     <p:extLst>
       <p:ext uri="{BB962C8B-B14F-4D97-AF65-F5344CB8AC3E}">
-        <p14:creationId xmlns:p14="http://schemas.microsoft.com/office/powerpoint/2010/main" xmlns="" val="2665957509"/>
+        <p14:creationId xmlns="" xmlns:p14="http://schemas.microsoft.com/office/powerpoint/2010/main" val="2665957509"/>
       </p:ext>
     </p:extLst>
   </p:cSld>
@@ -6366,7 +6411,7 @@
           <a:blip r:embed="rId2" cstate="print">
             <a:extLst>
               <a:ext uri="{28A0092B-C50C-407E-A947-70E740481C1C}">
-                <a14:useLocalDpi xmlns:a14="http://schemas.microsoft.com/office/drawing/2010/main" xmlns="" val="0"/>
+                <a14:useLocalDpi xmlns="" xmlns:a14="http://schemas.microsoft.com/office/drawing/2010/main" val="0"/>
               </a:ext>
             </a:extLst>
           </a:blip>
@@ -6386,7 +6431,7 @@
           <a:noFill/>
           <a:extLst>
             <a:ext uri="{909E8E84-426E-40DD-AFC4-6F175D3DCCD1}">
-              <a14:hiddenFill xmlns:a14="http://schemas.microsoft.com/office/drawing/2010/main" xmlns="">
+              <a14:hiddenFill xmlns="" xmlns:a14="http://schemas.microsoft.com/office/drawing/2010/main">
                 <a:solidFill>
                   <a:srgbClr val="FFFFFF"/>
                 </a:solidFill>
@@ -6398,7 +6443,7 @@
     </p:spTree>
     <p:extLst>
       <p:ext uri="{BB962C8B-B14F-4D97-AF65-F5344CB8AC3E}">
-        <p14:creationId xmlns:p14="http://schemas.microsoft.com/office/powerpoint/2010/main" xmlns="" val="2883297758"/>
+        <p14:creationId xmlns="" xmlns:p14="http://schemas.microsoft.com/office/powerpoint/2010/main" val="2883297758"/>
       </p:ext>
     </p:extLst>
   </p:cSld>
@@ -6445,7 +6490,7 @@
           <a:blip r:embed="rId2" cstate="print">
             <a:extLst>
               <a:ext uri="{28A0092B-C50C-407E-A947-70E740481C1C}">
-                <a14:useLocalDpi xmlns:a14="http://schemas.microsoft.com/office/drawing/2010/main" xmlns="" val="0"/>
+                <a14:useLocalDpi xmlns="" xmlns:a14="http://schemas.microsoft.com/office/drawing/2010/main" val="0"/>
               </a:ext>
             </a:extLst>
           </a:blip>
@@ -6465,7 +6510,7 @@
           <a:noFill/>
           <a:extLst>
             <a:ext uri="{909E8E84-426E-40DD-AFC4-6F175D3DCCD1}">
-              <a14:hiddenFill xmlns:a14="http://schemas.microsoft.com/office/drawing/2010/main" xmlns="">
+              <a14:hiddenFill xmlns="" xmlns:a14="http://schemas.microsoft.com/office/drawing/2010/main">
                 <a:solidFill>
                   <a:srgbClr val="FFFFFF"/>
                 </a:solidFill>
@@ -6477,7 +6522,7 @@
     </p:spTree>
     <p:extLst>
       <p:ext uri="{BB962C8B-B14F-4D97-AF65-F5344CB8AC3E}">
-        <p14:creationId xmlns:p14="http://schemas.microsoft.com/office/powerpoint/2010/main" xmlns="" val="2360957746"/>
+        <p14:creationId xmlns="" xmlns:p14="http://schemas.microsoft.com/office/powerpoint/2010/main" val="2360957746"/>
       </p:ext>
     </p:extLst>
   </p:cSld>
@@ -6524,7 +6569,7 @@
           <a:blip r:embed="rId2" cstate="print">
             <a:extLst>
               <a:ext uri="{28A0092B-C50C-407E-A947-70E740481C1C}">
-                <a14:useLocalDpi xmlns:a14="http://schemas.microsoft.com/office/drawing/2010/main" xmlns="" val="0"/>
+                <a14:useLocalDpi xmlns="" xmlns:a14="http://schemas.microsoft.com/office/drawing/2010/main" val="0"/>
               </a:ext>
             </a:extLst>
           </a:blip>
@@ -6544,7 +6589,7 @@
           <a:noFill/>
           <a:extLst>
             <a:ext uri="{909E8E84-426E-40DD-AFC4-6F175D3DCCD1}">
-              <a14:hiddenFill xmlns:a14="http://schemas.microsoft.com/office/drawing/2010/main" xmlns="">
+              <a14:hiddenFill xmlns="" xmlns:a14="http://schemas.microsoft.com/office/drawing/2010/main">
                 <a:solidFill>
                   <a:srgbClr val="FFFFFF"/>
                 </a:solidFill>
@@ -6556,7 +6601,7 @@
     </p:spTree>
     <p:extLst>
       <p:ext uri="{BB962C8B-B14F-4D97-AF65-F5344CB8AC3E}">
-        <p14:creationId xmlns:p14="http://schemas.microsoft.com/office/powerpoint/2010/main" xmlns="" val="334552316"/>
+        <p14:creationId xmlns="" xmlns:p14="http://schemas.microsoft.com/office/powerpoint/2010/main" val="334552316"/>
       </p:ext>
     </p:extLst>
   </p:cSld>
@@ -6603,7 +6648,7 @@
           <a:blip r:embed="rId2" cstate="print">
             <a:extLst>
               <a:ext uri="{28A0092B-C50C-407E-A947-70E740481C1C}">
-                <a14:useLocalDpi xmlns:a14="http://schemas.microsoft.com/office/drawing/2010/main" xmlns="" val="0"/>
+                <a14:useLocalDpi xmlns="" xmlns:a14="http://schemas.microsoft.com/office/drawing/2010/main" val="0"/>
               </a:ext>
             </a:extLst>
           </a:blip>
@@ -6623,7 +6668,7 @@
           <a:noFill/>
           <a:extLst>
             <a:ext uri="{909E8E84-426E-40DD-AFC4-6F175D3DCCD1}">
-              <a14:hiddenFill xmlns:a14="http://schemas.microsoft.com/office/drawing/2010/main" xmlns="">
+              <a14:hiddenFill xmlns="" xmlns:a14="http://schemas.microsoft.com/office/drawing/2010/main">
                 <a:solidFill>
                   <a:srgbClr val="FFFFFF"/>
                 </a:solidFill>
@@ -6818,7 +6863,7 @@
     </p:spTree>
     <p:extLst>
       <p:ext uri="{BB962C8B-B14F-4D97-AF65-F5344CB8AC3E}">
-        <p14:creationId xmlns:p14="http://schemas.microsoft.com/office/powerpoint/2010/main" xmlns="" val="2188434631"/>
+        <p14:creationId xmlns="" xmlns:p14="http://schemas.microsoft.com/office/powerpoint/2010/main" val="2188434631"/>
       </p:ext>
     </p:extLst>
   </p:cSld>
@@ -6865,7 +6910,7 @@
           <a:blip r:embed="rId2" cstate="print">
             <a:extLst>
               <a:ext uri="{28A0092B-C50C-407E-A947-70E740481C1C}">
-                <a14:useLocalDpi xmlns:a14="http://schemas.microsoft.com/office/drawing/2010/main" xmlns="" val="0"/>
+                <a14:useLocalDpi xmlns="" xmlns:a14="http://schemas.microsoft.com/office/drawing/2010/main" val="0"/>
               </a:ext>
             </a:extLst>
           </a:blip>
@@ -6885,7 +6930,7 @@
           <a:noFill/>
           <a:extLst>
             <a:ext uri="{909E8E84-426E-40DD-AFC4-6F175D3DCCD1}">
-              <a14:hiddenFill xmlns:a14="http://schemas.microsoft.com/office/drawing/2010/main" xmlns="">
+              <a14:hiddenFill xmlns="" xmlns:a14="http://schemas.microsoft.com/office/drawing/2010/main">
                 <a:solidFill>
                   <a:srgbClr val="FFFFFF"/>
                 </a:solidFill>
@@ -6942,7 +6987,7 @@
     </p:spTree>
     <p:extLst>
       <p:ext uri="{BB962C8B-B14F-4D97-AF65-F5344CB8AC3E}">
-        <p14:creationId xmlns:p14="http://schemas.microsoft.com/office/powerpoint/2010/main" xmlns="" val="396975966"/>
+        <p14:creationId xmlns="" xmlns:p14="http://schemas.microsoft.com/office/powerpoint/2010/main" val="396975966"/>
       </p:ext>
     </p:extLst>
   </p:cSld>
@@ -6989,7 +7034,7 @@
           <a:blip r:embed="rId2" cstate="print">
             <a:extLst>
               <a:ext uri="{28A0092B-C50C-407E-A947-70E740481C1C}">
-                <a14:useLocalDpi xmlns:a14="http://schemas.microsoft.com/office/drawing/2010/main" xmlns="" val="0"/>
+                <a14:useLocalDpi xmlns="" xmlns:a14="http://schemas.microsoft.com/office/drawing/2010/main" val="0"/>
               </a:ext>
             </a:extLst>
           </a:blip>
@@ -7009,7 +7054,7 @@
           <a:noFill/>
           <a:extLst>
             <a:ext uri="{909E8E84-426E-40DD-AFC4-6F175D3DCCD1}">
-              <a14:hiddenFill xmlns:a14="http://schemas.microsoft.com/office/drawing/2010/main" xmlns="">
+              <a14:hiddenFill xmlns="" xmlns:a14="http://schemas.microsoft.com/office/drawing/2010/main">
                 <a:solidFill>
                   <a:srgbClr val="FFFFFF"/>
                 </a:solidFill>
@@ -7021,7 +7066,7 @@
     </p:spTree>
     <p:extLst>
       <p:ext uri="{BB962C8B-B14F-4D97-AF65-F5344CB8AC3E}">
-        <p14:creationId xmlns:p14="http://schemas.microsoft.com/office/powerpoint/2010/main" xmlns="" val="247157852"/>
+        <p14:creationId xmlns="" xmlns:p14="http://schemas.microsoft.com/office/powerpoint/2010/main" val="247157852"/>
       </p:ext>
     </p:extLst>
   </p:cSld>
@@ -7068,7 +7113,7 @@
           <a:blip r:embed="rId2" cstate="print">
             <a:extLst>
               <a:ext uri="{28A0092B-C50C-407E-A947-70E740481C1C}">
-                <a14:useLocalDpi xmlns:a14="http://schemas.microsoft.com/office/drawing/2010/main" xmlns="" val="0"/>
+                <a14:useLocalDpi xmlns="" xmlns:a14="http://schemas.microsoft.com/office/drawing/2010/main" val="0"/>
               </a:ext>
             </a:extLst>
           </a:blip>
@@ -7088,7 +7133,7 @@
           <a:noFill/>
           <a:extLst>
             <a:ext uri="{909E8E84-426E-40DD-AFC4-6F175D3DCCD1}">
-              <a14:hiddenFill xmlns:a14="http://schemas.microsoft.com/office/drawing/2010/main" xmlns="">
+              <a14:hiddenFill xmlns="" xmlns:a14="http://schemas.microsoft.com/office/drawing/2010/main">
                 <a:solidFill>
                   <a:srgbClr val="FFFFFF"/>
                 </a:solidFill>
@@ -7100,7 +7145,7 @@
     </p:spTree>
     <p:extLst>
       <p:ext uri="{BB962C8B-B14F-4D97-AF65-F5344CB8AC3E}">
-        <p14:creationId xmlns:p14="http://schemas.microsoft.com/office/powerpoint/2010/main" xmlns="" val="1090011476"/>
+        <p14:creationId xmlns="" xmlns:p14="http://schemas.microsoft.com/office/powerpoint/2010/main" val="1090011476"/>
       </p:ext>
     </p:extLst>
   </p:cSld>
@@ -7185,7 +7230,7 @@
           <a:blip r:embed="rId2">
             <a:extLst>
               <a:ext uri="{28A0092B-C50C-407E-A947-70E740481C1C}">
-                <a14:useLocalDpi xmlns:a14="http://schemas.microsoft.com/office/drawing/2010/main" xmlns="" val="0"/>
+                <a14:useLocalDpi xmlns="" xmlns:a14="http://schemas.microsoft.com/office/drawing/2010/main" val="0"/>
               </a:ext>
             </a:extLst>
           </a:blip>
@@ -7209,14 +7254,14 @@
           <a:effectLst/>
           <a:extLst>
             <a:ext uri="{909E8E84-426E-40DD-AFC4-6F175D3DCCD1}">
-              <a14:hiddenFill xmlns:a14="http://schemas.microsoft.com/office/drawing/2010/main" xmlns="">
+              <a14:hiddenFill xmlns="" xmlns:a14="http://schemas.microsoft.com/office/drawing/2010/main">
                 <a:solidFill>
                   <a:schemeClr val="accent1"/>
                 </a:solidFill>
               </a14:hiddenFill>
             </a:ext>
             <a:ext uri="{91240B29-F687-4F45-9708-019B960494DF}">
-              <a14:hiddenLine xmlns:a14="http://schemas.microsoft.com/office/drawing/2010/main" xmlns="" w="9525">
+              <a14:hiddenLine xmlns="" xmlns:a14="http://schemas.microsoft.com/office/drawing/2010/main" w="9525">
                 <a:solidFill>
                   <a:schemeClr val="tx1"/>
                 </a:solidFill>
@@ -7226,7 +7271,7 @@
               </a14:hiddenLine>
             </a:ext>
             <a:ext uri="{AF507438-7753-43E0-B8FC-AC1667EBCBE1}">
-              <a14:hiddenEffects xmlns:a14="http://schemas.microsoft.com/office/drawing/2010/main" xmlns="">
+              <a14:hiddenEffects xmlns="" xmlns:a14="http://schemas.microsoft.com/office/drawing/2010/main">
                 <a:effectLst>
                   <a:outerShdw dist="35921" dir="2700000" algn="ctr" rotWithShape="0">
                     <a:schemeClr val="bg2"/>
@@ -7316,7 +7361,7 @@
     </p:spTree>
     <p:extLst>
       <p:ext uri="{BB962C8B-B14F-4D97-AF65-F5344CB8AC3E}">
-        <p14:creationId xmlns:p14="http://schemas.microsoft.com/office/powerpoint/2010/main" xmlns="" val="3792504104"/>
+        <p14:creationId xmlns="" xmlns:p14="http://schemas.microsoft.com/office/powerpoint/2010/main" val="3792504104"/>
       </p:ext>
     </p:extLst>
   </p:cSld>
@@ -7393,7 +7438,7 @@
           <a:blip r:embed="rId2">
             <a:extLst>
               <a:ext uri="{28A0092B-C50C-407E-A947-70E740481C1C}">
-                <a14:useLocalDpi xmlns:a14="http://schemas.microsoft.com/office/drawing/2010/main" xmlns="" val="0"/>
+                <a14:useLocalDpi xmlns="" xmlns:a14="http://schemas.microsoft.com/office/drawing/2010/main" val="0"/>
               </a:ext>
             </a:extLst>
           </a:blip>
@@ -7417,14 +7462,14 @@
           <a:effectLst/>
           <a:extLst>
             <a:ext uri="{909E8E84-426E-40DD-AFC4-6F175D3DCCD1}">
-              <a14:hiddenFill xmlns:a14="http://schemas.microsoft.com/office/drawing/2010/main" xmlns="">
+              <a14:hiddenFill xmlns="" xmlns:a14="http://schemas.microsoft.com/office/drawing/2010/main">
                 <a:solidFill>
                   <a:schemeClr val="accent1"/>
                 </a:solidFill>
               </a14:hiddenFill>
             </a:ext>
             <a:ext uri="{91240B29-F687-4F45-9708-019B960494DF}">
-              <a14:hiddenLine xmlns:a14="http://schemas.microsoft.com/office/drawing/2010/main" xmlns="" w="9525">
+              <a14:hiddenLine xmlns="" xmlns:a14="http://schemas.microsoft.com/office/drawing/2010/main" w="9525">
                 <a:solidFill>
                   <a:schemeClr val="tx1"/>
                 </a:solidFill>
@@ -7434,7 +7479,7 @@
               </a14:hiddenLine>
             </a:ext>
             <a:ext uri="{AF507438-7753-43E0-B8FC-AC1667EBCBE1}">
-              <a14:hiddenEffects xmlns:a14="http://schemas.microsoft.com/office/drawing/2010/main" xmlns="">
+              <a14:hiddenEffects xmlns="" xmlns:a14="http://schemas.microsoft.com/office/drawing/2010/main">
                 <a:effectLst>
                   <a:outerShdw dist="35921" dir="2700000" algn="ctr" rotWithShape="0">
                     <a:schemeClr val="bg2"/>
@@ -7478,7 +7523,7 @@
     </p:spTree>
     <p:extLst>
       <p:ext uri="{BB962C8B-B14F-4D97-AF65-F5344CB8AC3E}">
-        <p14:creationId xmlns:p14="http://schemas.microsoft.com/office/powerpoint/2010/main" xmlns="" val="1178541986"/>
+        <p14:creationId xmlns="" xmlns:p14="http://schemas.microsoft.com/office/powerpoint/2010/main" val="1178541986"/>
       </p:ext>
     </p:extLst>
   </p:cSld>
@@ -7555,7 +7600,7 @@
           <a:blip r:embed="rId2">
             <a:extLst>
               <a:ext uri="{28A0092B-C50C-407E-A947-70E740481C1C}">
-                <a14:useLocalDpi xmlns:a14="http://schemas.microsoft.com/office/drawing/2010/main" xmlns="" val="0"/>
+                <a14:useLocalDpi xmlns="" xmlns:a14="http://schemas.microsoft.com/office/drawing/2010/main" val="0"/>
               </a:ext>
             </a:extLst>
           </a:blip>
@@ -7579,14 +7624,14 @@
           <a:effectLst/>
           <a:extLst>
             <a:ext uri="{909E8E84-426E-40DD-AFC4-6F175D3DCCD1}">
-              <a14:hiddenFill xmlns:a14="http://schemas.microsoft.com/office/drawing/2010/main" xmlns="">
+              <a14:hiddenFill xmlns="" xmlns:a14="http://schemas.microsoft.com/office/drawing/2010/main">
                 <a:solidFill>
                   <a:schemeClr val="accent1"/>
                 </a:solidFill>
               </a14:hiddenFill>
             </a:ext>
             <a:ext uri="{91240B29-F687-4F45-9708-019B960494DF}">
-              <a14:hiddenLine xmlns:a14="http://schemas.microsoft.com/office/drawing/2010/main" xmlns="" w="9525">
+              <a14:hiddenLine xmlns="" xmlns:a14="http://schemas.microsoft.com/office/drawing/2010/main" w="9525">
                 <a:solidFill>
                   <a:schemeClr val="tx1"/>
                 </a:solidFill>
@@ -7596,7 +7641,7 @@
               </a14:hiddenLine>
             </a:ext>
             <a:ext uri="{AF507438-7753-43E0-B8FC-AC1667EBCBE1}">
-              <a14:hiddenEffects xmlns:a14="http://schemas.microsoft.com/office/drawing/2010/main" xmlns="">
+              <a14:hiddenEffects xmlns="" xmlns:a14="http://schemas.microsoft.com/office/drawing/2010/main">
                 <a:effectLst>
                   <a:outerShdw dist="35921" dir="2700000" algn="ctr" rotWithShape="0">
                     <a:schemeClr val="bg2"/>
@@ -7694,7 +7739,7 @@
     </p:spTree>
     <p:extLst>
       <p:ext uri="{BB962C8B-B14F-4D97-AF65-F5344CB8AC3E}">
-        <p14:creationId xmlns:p14="http://schemas.microsoft.com/office/powerpoint/2010/main" xmlns="" val="3840524966"/>
+        <p14:creationId xmlns="" xmlns:p14="http://schemas.microsoft.com/office/powerpoint/2010/main" val="3840524966"/>
       </p:ext>
     </p:extLst>
   </p:cSld>
@@ -7771,7 +7816,7 @@
           <a:blip r:embed="rId2">
             <a:extLst>
               <a:ext uri="{28A0092B-C50C-407E-A947-70E740481C1C}">
-                <a14:useLocalDpi xmlns:a14="http://schemas.microsoft.com/office/drawing/2010/main" xmlns="" val="0"/>
+                <a14:useLocalDpi xmlns="" xmlns:a14="http://schemas.microsoft.com/office/drawing/2010/main" val="0"/>
               </a:ext>
             </a:extLst>
           </a:blip>
@@ -7795,14 +7840,14 @@
           <a:effectLst/>
           <a:extLst>
             <a:ext uri="{909E8E84-426E-40DD-AFC4-6F175D3DCCD1}">
-              <a14:hiddenFill xmlns:a14="http://schemas.microsoft.com/office/drawing/2010/main" xmlns="">
+              <a14:hiddenFill xmlns="" xmlns:a14="http://schemas.microsoft.com/office/drawing/2010/main">
                 <a:solidFill>
                   <a:schemeClr val="accent1"/>
                 </a:solidFill>
               </a14:hiddenFill>
             </a:ext>
             <a:ext uri="{91240B29-F687-4F45-9708-019B960494DF}">
-              <a14:hiddenLine xmlns:a14="http://schemas.microsoft.com/office/drawing/2010/main" xmlns="" w="9525">
+              <a14:hiddenLine xmlns="" xmlns:a14="http://schemas.microsoft.com/office/drawing/2010/main" w="9525">
                 <a:solidFill>
                   <a:schemeClr val="tx1"/>
                 </a:solidFill>
@@ -7812,7 +7857,7 @@
               </a14:hiddenLine>
             </a:ext>
             <a:ext uri="{AF507438-7753-43E0-B8FC-AC1667EBCBE1}">
-              <a14:hiddenEffects xmlns:a14="http://schemas.microsoft.com/office/drawing/2010/main" xmlns="">
+              <a14:hiddenEffects xmlns="" xmlns:a14="http://schemas.microsoft.com/office/drawing/2010/main">
                 <a:effectLst>
                   <a:outerShdw dist="35921" dir="2700000" algn="ctr" rotWithShape="0">
                     <a:schemeClr val="bg2"/>
@@ -7864,7 +7909,7 @@
     </p:spTree>
     <p:extLst>
       <p:ext uri="{BB962C8B-B14F-4D97-AF65-F5344CB8AC3E}">
-        <p14:creationId xmlns:p14="http://schemas.microsoft.com/office/powerpoint/2010/main" xmlns="" val="2111256600"/>
+        <p14:creationId xmlns="" xmlns:p14="http://schemas.microsoft.com/office/powerpoint/2010/main" val="2111256600"/>
       </p:ext>
     </p:extLst>
   </p:cSld>
@@ -7941,7 +7986,7 @@
           <a:blip r:embed="rId2">
             <a:extLst>
               <a:ext uri="{28A0092B-C50C-407E-A947-70E740481C1C}">
-                <a14:useLocalDpi xmlns:a14="http://schemas.microsoft.com/office/drawing/2010/main" xmlns="" val="0"/>
+                <a14:useLocalDpi xmlns="" xmlns:a14="http://schemas.microsoft.com/office/drawing/2010/main" val="0"/>
               </a:ext>
             </a:extLst>
           </a:blip>
@@ -7965,14 +8010,14 @@
           <a:effectLst/>
           <a:extLst>
             <a:ext uri="{909E8E84-426E-40DD-AFC4-6F175D3DCCD1}">
-              <a14:hiddenFill xmlns:a14="http://schemas.microsoft.com/office/drawing/2010/main" xmlns="">
+              <a14:hiddenFill xmlns="" xmlns:a14="http://schemas.microsoft.com/office/drawing/2010/main">
                 <a:solidFill>
                   <a:schemeClr val="accent1"/>
                 </a:solidFill>
               </a14:hiddenFill>
             </a:ext>
             <a:ext uri="{91240B29-F687-4F45-9708-019B960494DF}">
-              <a14:hiddenLine xmlns:a14="http://schemas.microsoft.com/office/drawing/2010/main" xmlns="" w="9525">
+              <a14:hiddenLine xmlns="" xmlns:a14="http://schemas.microsoft.com/office/drawing/2010/main" w="9525">
                 <a:solidFill>
                   <a:schemeClr val="tx1"/>
                 </a:solidFill>
@@ -7982,7 +8027,7 @@
               </a14:hiddenLine>
             </a:ext>
             <a:ext uri="{AF507438-7753-43E0-B8FC-AC1667EBCBE1}">
-              <a14:hiddenEffects xmlns:a14="http://schemas.microsoft.com/office/drawing/2010/main" xmlns="">
+              <a14:hiddenEffects xmlns="" xmlns:a14="http://schemas.microsoft.com/office/drawing/2010/main">
                 <a:effectLst>
                   <a:outerShdw dist="35921" dir="2700000" algn="ctr" rotWithShape="0">
                     <a:schemeClr val="bg2"/>
@@ -8026,7 +8071,7 @@
     </p:spTree>
     <p:extLst>
       <p:ext uri="{BB962C8B-B14F-4D97-AF65-F5344CB8AC3E}">
-        <p14:creationId xmlns:p14="http://schemas.microsoft.com/office/powerpoint/2010/main" xmlns="" val="3200386711"/>
+        <p14:creationId xmlns="" xmlns:p14="http://schemas.microsoft.com/office/powerpoint/2010/main" val="3200386711"/>
       </p:ext>
     </p:extLst>
   </p:cSld>
@@ -8065,7 +8110,7 @@
           <a:blip r:embed="rId2">
             <a:extLst>
               <a:ext uri="{28A0092B-C50C-407E-A947-70E740481C1C}">
-                <a14:useLocalDpi xmlns:a14="http://schemas.microsoft.com/office/drawing/2010/main" xmlns="" val="0"/>
+                <a14:useLocalDpi xmlns="" xmlns:a14="http://schemas.microsoft.com/office/drawing/2010/main" val="0"/>
               </a:ext>
             </a:extLst>
           </a:blip>
@@ -8085,7 +8130,7 @@
           <a:noFill/>
           <a:extLst>
             <a:ext uri="{909E8E84-426E-40DD-AFC4-6F175D3DCCD1}">
-              <a14:hiddenFill xmlns:a14="http://schemas.microsoft.com/office/drawing/2010/main" xmlns="">
+              <a14:hiddenFill xmlns="" xmlns:a14="http://schemas.microsoft.com/office/drawing/2010/main">
                 <a:solidFill>
                   <a:srgbClr val="FFFFFF"/>
                 </a:solidFill>
@@ -8236,7 +8281,7 @@
     </p:spTree>
     <p:extLst>
       <p:ext uri="{BB962C8B-B14F-4D97-AF65-F5344CB8AC3E}">
-        <p14:creationId xmlns:p14="http://schemas.microsoft.com/office/powerpoint/2010/main" xmlns="" val="1522577095"/>
+        <p14:creationId xmlns="" xmlns:p14="http://schemas.microsoft.com/office/powerpoint/2010/main" val="1522577095"/>
       </p:ext>
     </p:extLst>
   </p:cSld>

--- a/doc/0.공용폴더/05 와이어프레임/00 와이어프레임 - 종합 rev 00.pptx
+++ b/doc/0.공용폴더/05 와이어프레임/00 와이어프레임 - 종합 rev 00.pptx
@@ -325,7 +325,7 @@
             <a:fld id="{85B16BDE-032D-489F-8D20-A88791298AC1}" type="datetimeFigureOut">
               <a:rPr lang="ko-KR" altLang="en-US" smtClean="0"/>
               <a:pPr/>
-              <a:t>2020-06-30</a:t>
+              <a:t>2020-07-01</a:t>
             </a:fld>
             <a:endParaRPr lang="ko-KR" altLang="en-US"/>
           </a:p>
@@ -377,7 +377,7 @@
     </p:spTree>
     <p:extLst>
       <p:ext uri="{BB962C8B-B14F-4D97-AF65-F5344CB8AC3E}">
-        <p14:creationId xmlns="" xmlns:p14="http://schemas.microsoft.com/office/powerpoint/2010/main" val="2118148366"/>
+        <p14:creationId xmlns:p14="http://schemas.microsoft.com/office/powerpoint/2010/main" xmlns="" val="2118148366"/>
       </p:ext>
     </p:extLst>
   </p:cSld>
@@ -497,7 +497,7 @@
             <a:fld id="{85B16BDE-032D-489F-8D20-A88791298AC1}" type="datetimeFigureOut">
               <a:rPr lang="ko-KR" altLang="en-US" smtClean="0"/>
               <a:pPr/>
-              <a:t>2020-06-30</a:t>
+              <a:t>2020-07-01</a:t>
             </a:fld>
             <a:endParaRPr lang="ko-KR" altLang="en-US"/>
           </a:p>
@@ -549,7 +549,7 @@
     </p:spTree>
     <p:extLst>
       <p:ext uri="{BB962C8B-B14F-4D97-AF65-F5344CB8AC3E}">
-        <p14:creationId xmlns="" xmlns:p14="http://schemas.microsoft.com/office/powerpoint/2010/main" val="2967183153"/>
+        <p14:creationId xmlns:p14="http://schemas.microsoft.com/office/powerpoint/2010/main" xmlns="" val="2967183153"/>
       </p:ext>
     </p:extLst>
   </p:cSld>
@@ -679,7 +679,7 @@
             <a:fld id="{85B16BDE-032D-489F-8D20-A88791298AC1}" type="datetimeFigureOut">
               <a:rPr lang="ko-KR" altLang="en-US" smtClean="0"/>
               <a:pPr/>
-              <a:t>2020-06-30</a:t>
+              <a:t>2020-07-01</a:t>
             </a:fld>
             <a:endParaRPr lang="ko-KR" altLang="en-US"/>
           </a:p>
@@ -731,7 +731,7 @@
     </p:spTree>
     <p:extLst>
       <p:ext uri="{BB962C8B-B14F-4D97-AF65-F5344CB8AC3E}">
-        <p14:creationId xmlns="" xmlns:p14="http://schemas.microsoft.com/office/powerpoint/2010/main" val="3139434043"/>
+        <p14:creationId xmlns:p14="http://schemas.microsoft.com/office/powerpoint/2010/main" xmlns="" val="3139434043"/>
       </p:ext>
     </p:extLst>
   </p:cSld>
@@ -851,7 +851,7 @@
             <a:fld id="{85B16BDE-032D-489F-8D20-A88791298AC1}" type="datetimeFigureOut">
               <a:rPr lang="ko-KR" altLang="en-US" smtClean="0"/>
               <a:pPr/>
-              <a:t>2020-06-30</a:t>
+              <a:t>2020-07-01</a:t>
             </a:fld>
             <a:endParaRPr lang="ko-KR" altLang="en-US"/>
           </a:p>
@@ -903,7 +903,7 @@
     </p:spTree>
     <p:extLst>
       <p:ext uri="{BB962C8B-B14F-4D97-AF65-F5344CB8AC3E}">
-        <p14:creationId xmlns="" xmlns:p14="http://schemas.microsoft.com/office/powerpoint/2010/main" val="884517288"/>
+        <p14:creationId xmlns:p14="http://schemas.microsoft.com/office/powerpoint/2010/main" xmlns="" val="884517288"/>
       </p:ext>
     </p:extLst>
   </p:cSld>
@@ -1099,7 +1099,7 @@
             <a:fld id="{85B16BDE-032D-489F-8D20-A88791298AC1}" type="datetimeFigureOut">
               <a:rPr lang="ko-KR" altLang="en-US" smtClean="0"/>
               <a:pPr/>
-              <a:t>2020-06-30</a:t>
+              <a:t>2020-07-01</a:t>
             </a:fld>
             <a:endParaRPr lang="ko-KR" altLang="en-US"/>
           </a:p>
@@ -1151,7 +1151,7 @@
     </p:spTree>
     <p:extLst>
       <p:ext uri="{BB962C8B-B14F-4D97-AF65-F5344CB8AC3E}">
-        <p14:creationId xmlns="" xmlns:p14="http://schemas.microsoft.com/office/powerpoint/2010/main" val="2742713806"/>
+        <p14:creationId xmlns:p14="http://schemas.microsoft.com/office/powerpoint/2010/main" xmlns="" val="2742713806"/>
       </p:ext>
     </p:extLst>
   </p:cSld>
@@ -1389,7 +1389,7 @@
             <a:fld id="{85B16BDE-032D-489F-8D20-A88791298AC1}" type="datetimeFigureOut">
               <a:rPr lang="ko-KR" altLang="en-US" smtClean="0"/>
               <a:pPr/>
-              <a:t>2020-06-30</a:t>
+              <a:t>2020-07-01</a:t>
             </a:fld>
             <a:endParaRPr lang="ko-KR" altLang="en-US"/>
           </a:p>
@@ -1441,7 +1441,7 @@
     </p:spTree>
     <p:extLst>
       <p:ext uri="{BB962C8B-B14F-4D97-AF65-F5344CB8AC3E}">
-        <p14:creationId xmlns="" xmlns:p14="http://schemas.microsoft.com/office/powerpoint/2010/main" val="4228873110"/>
+        <p14:creationId xmlns:p14="http://schemas.microsoft.com/office/powerpoint/2010/main" xmlns="" val="4228873110"/>
       </p:ext>
     </p:extLst>
   </p:cSld>
@@ -1813,7 +1813,7 @@
             <a:fld id="{85B16BDE-032D-489F-8D20-A88791298AC1}" type="datetimeFigureOut">
               <a:rPr lang="ko-KR" altLang="en-US" smtClean="0"/>
               <a:pPr/>
-              <a:t>2020-06-30</a:t>
+              <a:t>2020-07-01</a:t>
             </a:fld>
             <a:endParaRPr lang="ko-KR" altLang="en-US"/>
           </a:p>
@@ -1865,7 +1865,7 @@
     </p:spTree>
     <p:extLst>
       <p:ext uri="{BB962C8B-B14F-4D97-AF65-F5344CB8AC3E}">
-        <p14:creationId xmlns="" xmlns:p14="http://schemas.microsoft.com/office/powerpoint/2010/main" val="603847611"/>
+        <p14:creationId xmlns:p14="http://schemas.microsoft.com/office/powerpoint/2010/main" xmlns="" val="603847611"/>
       </p:ext>
     </p:extLst>
   </p:cSld>
@@ -1933,7 +1933,7 @@
             <a:fld id="{85B16BDE-032D-489F-8D20-A88791298AC1}" type="datetimeFigureOut">
               <a:rPr lang="ko-KR" altLang="en-US" smtClean="0"/>
               <a:pPr/>
-              <a:t>2020-06-30</a:t>
+              <a:t>2020-07-01</a:t>
             </a:fld>
             <a:endParaRPr lang="ko-KR" altLang="en-US"/>
           </a:p>
@@ -1985,7 +1985,7 @@
     </p:spTree>
     <p:extLst>
       <p:ext uri="{BB962C8B-B14F-4D97-AF65-F5344CB8AC3E}">
-        <p14:creationId xmlns="" xmlns:p14="http://schemas.microsoft.com/office/powerpoint/2010/main" val="2005364396"/>
+        <p14:creationId xmlns:p14="http://schemas.microsoft.com/office/powerpoint/2010/main" xmlns="" val="2005364396"/>
       </p:ext>
     </p:extLst>
   </p:cSld>
@@ -2030,7 +2030,7 @@
             <a:fld id="{85B16BDE-032D-489F-8D20-A88791298AC1}" type="datetimeFigureOut">
               <a:rPr lang="ko-KR" altLang="en-US" smtClean="0"/>
               <a:pPr/>
-              <a:t>2020-06-30</a:t>
+              <a:t>2020-07-01</a:t>
             </a:fld>
             <a:endParaRPr lang="ko-KR" altLang="en-US"/>
           </a:p>
@@ -2082,7 +2082,7 @@
     </p:spTree>
     <p:extLst>
       <p:ext uri="{BB962C8B-B14F-4D97-AF65-F5344CB8AC3E}">
-        <p14:creationId xmlns="" xmlns:p14="http://schemas.microsoft.com/office/powerpoint/2010/main" val="1259732851"/>
+        <p14:creationId xmlns:p14="http://schemas.microsoft.com/office/powerpoint/2010/main" xmlns="" val="1259732851"/>
       </p:ext>
     </p:extLst>
   </p:cSld>
@@ -2309,7 +2309,7 @@
             <a:fld id="{85B16BDE-032D-489F-8D20-A88791298AC1}" type="datetimeFigureOut">
               <a:rPr lang="ko-KR" altLang="en-US" smtClean="0"/>
               <a:pPr/>
-              <a:t>2020-06-30</a:t>
+              <a:t>2020-07-01</a:t>
             </a:fld>
             <a:endParaRPr lang="ko-KR" altLang="en-US"/>
           </a:p>
@@ -2361,7 +2361,7 @@
     </p:spTree>
     <p:extLst>
       <p:ext uri="{BB962C8B-B14F-4D97-AF65-F5344CB8AC3E}">
-        <p14:creationId xmlns="" xmlns:p14="http://schemas.microsoft.com/office/powerpoint/2010/main" val="933014393"/>
+        <p14:creationId xmlns:p14="http://schemas.microsoft.com/office/powerpoint/2010/main" xmlns="" val="933014393"/>
       </p:ext>
     </p:extLst>
   </p:cSld>
@@ -2564,7 +2564,7 @@
             <a:fld id="{85B16BDE-032D-489F-8D20-A88791298AC1}" type="datetimeFigureOut">
               <a:rPr lang="ko-KR" altLang="en-US" smtClean="0"/>
               <a:pPr/>
-              <a:t>2020-06-30</a:t>
+              <a:t>2020-07-01</a:t>
             </a:fld>
             <a:endParaRPr lang="ko-KR" altLang="en-US"/>
           </a:p>
@@ -2616,7 +2616,7 @@
     </p:spTree>
     <p:extLst>
       <p:ext uri="{BB962C8B-B14F-4D97-AF65-F5344CB8AC3E}">
-        <p14:creationId xmlns="" xmlns:p14="http://schemas.microsoft.com/office/powerpoint/2010/main" val="2509312667"/>
+        <p14:creationId xmlns:p14="http://schemas.microsoft.com/office/powerpoint/2010/main" xmlns="" val="2509312667"/>
       </p:ext>
     </p:extLst>
   </p:cSld>
@@ -2779,7 +2779,7 @@
             <a:fld id="{85B16BDE-032D-489F-8D20-A88791298AC1}" type="datetimeFigureOut">
               <a:rPr lang="ko-KR" altLang="en-US" smtClean="0"/>
               <a:pPr/>
-              <a:t>2020-06-30</a:t>
+              <a:t>2020-07-01</a:t>
             </a:fld>
             <a:endParaRPr lang="ko-KR" altLang="en-US"/>
           </a:p>
@@ -2867,7 +2867,7 @@
     </p:spTree>
     <p:extLst>
       <p:ext uri="{BB962C8B-B14F-4D97-AF65-F5344CB8AC3E}">
-        <p14:creationId xmlns="" xmlns:p14="http://schemas.microsoft.com/office/powerpoint/2010/main" val="2062571708"/>
+        <p14:creationId xmlns:p14="http://schemas.microsoft.com/office/powerpoint/2010/main" xmlns="" val="2062571708"/>
       </p:ext>
     </p:extLst>
   </p:cSld>
@@ -3202,10 +3202,10 @@
           <p:nvPr/>
         </p:nvPicPr>
         <p:blipFill>
-          <a:blip r:embed="rId2">
+          <a:blip r:embed="rId2" cstate="print">
             <a:extLst>
               <a:ext uri="{28A0092B-C50C-407E-A947-70E740481C1C}">
-                <a14:useLocalDpi xmlns="" xmlns:a14="http://schemas.microsoft.com/office/drawing/2010/main" val="0"/>
+                <a14:useLocalDpi xmlns:a14="http://schemas.microsoft.com/office/drawing/2010/main" xmlns="" val="0"/>
               </a:ext>
             </a:extLst>
           </a:blip>
@@ -3229,14 +3229,14 @@
           <a:effectLst/>
           <a:extLst>
             <a:ext uri="{909E8E84-426E-40DD-AFC4-6F175D3DCCD1}">
-              <a14:hiddenFill xmlns="" xmlns:a14="http://schemas.microsoft.com/office/drawing/2010/main">
+              <a14:hiddenFill xmlns:a14="http://schemas.microsoft.com/office/drawing/2010/main" xmlns="">
                 <a:solidFill>
                   <a:schemeClr val="accent1"/>
                 </a:solidFill>
               </a14:hiddenFill>
             </a:ext>
             <a:ext uri="{91240B29-F687-4F45-9708-019B960494DF}">
-              <a14:hiddenLine xmlns="" xmlns:a14="http://schemas.microsoft.com/office/drawing/2010/main" w="9525">
+              <a14:hiddenLine xmlns:a14="http://schemas.microsoft.com/office/drawing/2010/main" xmlns="" w="9525">
                 <a:solidFill>
                   <a:schemeClr val="tx1"/>
                 </a:solidFill>
@@ -3246,7 +3246,7 @@
               </a14:hiddenLine>
             </a:ext>
             <a:ext uri="{AF507438-7753-43E0-B8FC-AC1667EBCBE1}">
-              <a14:hiddenEffects xmlns="" xmlns:a14="http://schemas.microsoft.com/office/drawing/2010/main">
+              <a14:hiddenEffects xmlns:a14="http://schemas.microsoft.com/office/drawing/2010/main" xmlns="">
                 <a:effectLst>
                   <a:outerShdw dist="35921" dir="2700000" algn="ctr" rotWithShape="0">
                     <a:schemeClr val="bg2"/>
@@ -3354,7 +3354,7 @@
     </p:spTree>
     <p:extLst>
       <p:ext uri="{BB962C8B-B14F-4D97-AF65-F5344CB8AC3E}">
-        <p14:creationId xmlns="" xmlns:p14="http://schemas.microsoft.com/office/powerpoint/2010/main" val="3322499010"/>
+        <p14:creationId xmlns:p14="http://schemas.microsoft.com/office/powerpoint/2010/main" xmlns="" val="3322499010"/>
       </p:ext>
     </p:extLst>
   </p:cSld>
@@ -3383,20 +3383,14 @@
       </p:grpSpPr>
       <p:pic>
         <p:nvPicPr>
-          <p:cNvPr id="2" name="Picture 4" descr="E:\2차 프로젝트(구로구 기러기)\04 wire frame\와이어프레임 - 경기일정 게시판(박종수)\경기일정 게시판 - 상세보기.PNG"/>
+          <p:cNvPr id="5122" name="Picture 2" descr="C:\Users\hong\Desktop\mediQ\ggs\doc\1.개인폴더\최현우\99. 참고\수정본\경기 일정 상세.PNG"/>
           <p:cNvPicPr>
             <a:picLocks noChangeAspect="1" noChangeArrowheads="1"/>
           </p:cNvPicPr>
           <p:nvPr/>
         </p:nvPicPr>
         <p:blipFill>
-          <a:blip r:embed="rId2">
-            <a:extLst>
-              <a:ext uri="{28A0092B-C50C-407E-A947-70E740481C1C}">
-                <a14:useLocalDpi xmlns="" xmlns:a14="http://schemas.microsoft.com/office/drawing/2010/main" val="0"/>
-              </a:ext>
-            </a:extLst>
-          </a:blip>
+          <a:blip r:embed="rId2" cstate="print"/>
           <a:srcRect/>
           <a:stretch>
             <a:fillRect/>
@@ -3404,28 +3398,19 @@
         </p:blipFill>
         <p:spPr bwMode="auto">
           <a:xfrm>
-            <a:off x="1547664" y="188640"/>
-            <a:ext cx="6218438" cy="6480000"/>
+            <a:off x="1979712" y="188640"/>
+            <a:ext cx="6192688" cy="6444423"/>
           </a:xfrm>
           <a:prstGeom prst="rect">
             <a:avLst/>
           </a:prstGeom>
           <a:noFill/>
-          <a:extLst>
-            <a:ext uri="{909E8E84-426E-40DD-AFC4-6F175D3DCCD1}">
-              <a14:hiddenFill xmlns="" xmlns:a14="http://schemas.microsoft.com/office/drawing/2010/main">
-                <a:solidFill>
-                  <a:srgbClr val="FFFFFF"/>
-                </a:solidFill>
-              </a14:hiddenFill>
-            </a:ext>
-          </a:extLst>
         </p:spPr>
       </p:pic>
     </p:spTree>
     <p:extLst>
       <p:ext uri="{BB962C8B-B14F-4D97-AF65-F5344CB8AC3E}">
-        <p14:creationId xmlns="" xmlns:p14="http://schemas.microsoft.com/office/powerpoint/2010/main" val="1522577095"/>
+        <p14:creationId xmlns:p14="http://schemas.microsoft.com/office/powerpoint/2010/main" xmlns="" val="1522577095"/>
       </p:ext>
     </p:extLst>
   </p:cSld>
@@ -3461,20 +3446,14 @@
       </p:grpSpPr>
       <p:pic>
         <p:nvPicPr>
-          <p:cNvPr id="2" name="Picture 7" descr="E:\2차 프로젝트(구로구 기러기)\04 wire frame\와이어프레임 - 경기일정 게시판(박종수)\승부 예측.PNG"/>
+          <p:cNvPr id="4098" name="Picture 2" descr="C:\Users\hong\Desktop\mediQ\ggs\doc\1.개인폴더\최현우\99. 참고\수정본\경기 예측 수정본.PNG"/>
           <p:cNvPicPr>
             <a:picLocks noChangeAspect="1" noChangeArrowheads="1"/>
           </p:cNvPicPr>
           <p:nvPr/>
         </p:nvPicPr>
         <p:blipFill>
-          <a:blip r:embed="rId2">
-            <a:extLst>
-              <a:ext uri="{28A0092B-C50C-407E-A947-70E740481C1C}">
-                <a14:useLocalDpi xmlns="" xmlns:a14="http://schemas.microsoft.com/office/drawing/2010/main" val="0"/>
-              </a:ext>
-            </a:extLst>
-          </a:blip>
+          <a:blip r:embed="rId2" cstate="print"/>
           <a:srcRect/>
           <a:stretch>
             <a:fillRect/>
@@ -3482,28 +3461,19 @@
         </p:blipFill>
         <p:spPr bwMode="auto">
           <a:xfrm>
-            <a:off x="1244315" y="188640"/>
-            <a:ext cx="6325917" cy="6480000"/>
+            <a:off x="755576" y="269576"/>
+            <a:ext cx="6984776" cy="6394898"/>
           </a:xfrm>
           <a:prstGeom prst="rect">
             <a:avLst/>
           </a:prstGeom>
           <a:noFill/>
-          <a:extLst>
-            <a:ext uri="{909E8E84-426E-40DD-AFC4-6F175D3DCCD1}">
-              <a14:hiddenFill xmlns="" xmlns:a14="http://schemas.microsoft.com/office/drawing/2010/main">
-                <a:solidFill>
-                  <a:srgbClr val="FFFFFF"/>
-                </a:solidFill>
-              </a14:hiddenFill>
-            </a:ext>
-          </a:extLst>
         </p:spPr>
       </p:pic>
     </p:spTree>
     <p:extLst>
       <p:ext uri="{BB962C8B-B14F-4D97-AF65-F5344CB8AC3E}">
-        <p14:creationId xmlns="" xmlns:p14="http://schemas.microsoft.com/office/powerpoint/2010/main" val="1522577095"/>
+        <p14:creationId xmlns:p14="http://schemas.microsoft.com/office/powerpoint/2010/main" xmlns="" val="1522577095"/>
       </p:ext>
     </p:extLst>
   </p:cSld>
@@ -3539,20 +3509,14 @@
       </p:grpSpPr>
       <p:pic>
         <p:nvPicPr>
-          <p:cNvPr id="2" name="Picture 6" descr="E:\2차 프로젝트(구로구 기러기)\04 wire frame\와이어프레임 - 경기일정 게시판(박종수)\승부 예측 상세.PNG"/>
+          <p:cNvPr id="3074" name="Picture 2" descr="C:\Users\hong\Desktop\mediQ\ggs\doc\1.개인폴더\최현우\99. 참고\수정본\경기 예측 상세.PNG"/>
           <p:cNvPicPr>
             <a:picLocks noChangeAspect="1" noChangeArrowheads="1"/>
           </p:cNvPicPr>
           <p:nvPr/>
         </p:nvPicPr>
         <p:blipFill>
-          <a:blip r:embed="rId2">
-            <a:extLst>
-              <a:ext uri="{28A0092B-C50C-407E-A947-70E740481C1C}">
-                <a14:useLocalDpi xmlns="" xmlns:a14="http://schemas.microsoft.com/office/drawing/2010/main" val="0"/>
-              </a:ext>
-            </a:extLst>
-          </a:blip>
+          <a:blip r:embed="rId2" cstate="print"/>
           <a:srcRect/>
           <a:stretch>
             <a:fillRect/>
@@ -3560,28 +3524,19 @@
         </p:blipFill>
         <p:spPr bwMode="auto">
           <a:xfrm>
-            <a:off x="1691680" y="233881"/>
-            <a:ext cx="5319646" cy="6480000"/>
+            <a:off x="2051720" y="131107"/>
+            <a:ext cx="5400600" cy="6726893"/>
           </a:xfrm>
           <a:prstGeom prst="rect">
             <a:avLst/>
           </a:prstGeom>
           <a:noFill/>
-          <a:extLst>
-            <a:ext uri="{909E8E84-426E-40DD-AFC4-6F175D3DCCD1}">
-              <a14:hiddenFill xmlns="" xmlns:a14="http://schemas.microsoft.com/office/drawing/2010/main">
-                <a:solidFill>
-                  <a:srgbClr val="FFFFFF"/>
-                </a:solidFill>
-              </a14:hiddenFill>
-            </a:ext>
-          </a:extLst>
         </p:spPr>
       </p:pic>
     </p:spTree>
     <p:extLst>
       <p:ext uri="{BB962C8B-B14F-4D97-AF65-F5344CB8AC3E}">
-        <p14:creationId xmlns="" xmlns:p14="http://schemas.microsoft.com/office/powerpoint/2010/main" val="1522577095"/>
+        <p14:creationId xmlns:p14="http://schemas.microsoft.com/office/powerpoint/2010/main" xmlns="" val="1522577095"/>
       </p:ext>
     </p:extLst>
   </p:cSld>
@@ -3617,20 +3572,14 @@
       </p:grpSpPr>
       <p:pic>
         <p:nvPicPr>
-          <p:cNvPr id="2" name="Picture 3" descr="E:\2차 프로젝트(구로구 기러기)\04 wire frame\와이어프레임 - 경기일정 게시판(박종수)\경기결과 게시판.PNG"/>
+          <p:cNvPr id="2050" name="Picture 2" descr="C:\Users\hong\Desktop\mediQ\ggs\doc\1.개인폴더\최현우\99. 참고\수정본\경기 결과 수정본.PNG"/>
           <p:cNvPicPr>
             <a:picLocks noChangeAspect="1" noChangeArrowheads="1"/>
           </p:cNvPicPr>
           <p:nvPr/>
         </p:nvPicPr>
         <p:blipFill>
-          <a:blip r:embed="rId2">
-            <a:extLst>
-              <a:ext uri="{28A0092B-C50C-407E-A947-70E740481C1C}">
-                <a14:useLocalDpi xmlns="" xmlns:a14="http://schemas.microsoft.com/office/drawing/2010/main" val="0"/>
-              </a:ext>
-            </a:extLst>
-          </a:blip>
+          <a:blip r:embed="rId2" cstate="print"/>
           <a:srcRect/>
           <a:stretch>
             <a:fillRect/>
@@ -3638,28 +3587,19 @@
         </p:blipFill>
         <p:spPr bwMode="auto">
           <a:xfrm>
-            <a:off x="74992" y="460355"/>
-            <a:ext cx="9000000" cy="6327319"/>
+            <a:off x="251519" y="332656"/>
+            <a:ext cx="8681945" cy="6214070"/>
           </a:xfrm>
           <a:prstGeom prst="rect">
             <a:avLst/>
           </a:prstGeom>
           <a:noFill/>
-          <a:extLst>
-            <a:ext uri="{909E8E84-426E-40DD-AFC4-6F175D3DCCD1}">
-              <a14:hiddenFill xmlns="" xmlns:a14="http://schemas.microsoft.com/office/drawing/2010/main">
-                <a:solidFill>
-                  <a:srgbClr val="FFFFFF"/>
-                </a:solidFill>
-              </a14:hiddenFill>
-            </a:ext>
-          </a:extLst>
         </p:spPr>
       </p:pic>
     </p:spTree>
     <p:extLst>
       <p:ext uri="{BB962C8B-B14F-4D97-AF65-F5344CB8AC3E}">
-        <p14:creationId xmlns="" xmlns:p14="http://schemas.microsoft.com/office/powerpoint/2010/main" val="1522577095"/>
+        <p14:creationId xmlns:p14="http://schemas.microsoft.com/office/powerpoint/2010/main" xmlns="" val="1522577095"/>
       </p:ext>
     </p:extLst>
   </p:cSld>
@@ -3695,20 +3635,14 @@
       </p:grpSpPr>
       <p:pic>
         <p:nvPicPr>
-          <p:cNvPr id="1026" name="Picture 2" descr="E:\2차 프로젝트(구로구 기러기)\04 wire frame\와이어프레임 - 경기일정 게시판(박종수)\경기결과 게시판 상세.PNG"/>
+          <p:cNvPr id="1027" name="Picture 3" descr="C:\Users\hong\Desktop\mediQ\ggs\doc\1.개인폴더\최현우\99. 참고\수정본\경기 결과 상세 수정본.PNG"/>
           <p:cNvPicPr>
             <a:picLocks noChangeAspect="1" noChangeArrowheads="1"/>
           </p:cNvPicPr>
           <p:nvPr/>
         </p:nvPicPr>
         <p:blipFill>
-          <a:blip r:embed="rId2">
-            <a:extLst>
-              <a:ext uri="{28A0092B-C50C-407E-A947-70E740481C1C}">
-                <a14:useLocalDpi xmlns="" xmlns:a14="http://schemas.microsoft.com/office/drawing/2010/main" val="0"/>
-              </a:ext>
-            </a:extLst>
-          </a:blip>
+          <a:blip r:embed="rId2" cstate="print"/>
           <a:srcRect/>
           <a:stretch>
             <a:fillRect/>
@@ -3716,73 +3650,19 @@
         </p:blipFill>
         <p:spPr bwMode="auto">
           <a:xfrm>
-            <a:off x="2267744" y="188640"/>
-            <a:ext cx="4355850" cy="6480000"/>
+            <a:off x="2195736" y="1"/>
+            <a:ext cx="4724400" cy="6857999"/>
           </a:xfrm>
           <a:prstGeom prst="rect">
             <a:avLst/>
           </a:prstGeom>
           <a:noFill/>
-          <a:extLst>
-            <a:ext uri="{909E8E84-426E-40DD-AFC4-6F175D3DCCD1}">
-              <a14:hiddenFill xmlns="" xmlns:a14="http://schemas.microsoft.com/office/drawing/2010/main">
-                <a:solidFill>
-                  <a:srgbClr val="FFFFFF"/>
-                </a:solidFill>
-              </a14:hiddenFill>
-            </a:ext>
-          </a:extLst>
         </p:spPr>
       </p:pic>
-      <p:sp>
-        <p:nvSpPr>
-          <p:cNvPr id="3" name="TextBox 2"/>
-          <p:cNvSpPr txBox="1"/>
-          <p:nvPr/>
-        </p:nvSpPr>
-        <p:spPr>
-          <a:xfrm>
-            <a:off x="6516216" y="4581128"/>
-            <a:ext cx="2448272" cy="246221"/>
-          </a:xfrm>
-          <a:prstGeom prst="rect">
-            <a:avLst/>
-          </a:prstGeom>
-          <a:solidFill>
-            <a:schemeClr val="bg1"/>
-          </a:solidFill>
-          <a:ln>
-            <a:solidFill>
-              <a:schemeClr val="tx1"/>
-            </a:solidFill>
-          </a:ln>
-        </p:spPr>
-        <p:txBody>
-          <a:bodyPr wrap="square" rtlCol="0">
-            <a:spAutoFit/>
-          </a:bodyPr>
-          <a:lstStyle/>
-          <a:p>
-            <a:r>
-              <a:rPr lang="ko-KR" altLang="en-US" sz="1000" b="1" dirty="0" smtClean="0">
-                <a:solidFill>
-                  <a:srgbClr val="FF0000"/>
-                </a:solidFill>
-              </a:rPr>
-              <a:t>예측 결과 추가</a:t>
-            </a:r>
-            <a:endParaRPr lang="ko-KR" altLang="en-US" sz="1000" b="1" dirty="0">
-              <a:solidFill>
-                <a:srgbClr val="FF0000"/>
-              </a:solidFill>
-            </a:endParaRPr>
-          </a:p>
-        </p:txBody>
-      </p:sp>
     </p:spTree>
     <p:extLst>
       <p:ext uri="{BB962C8B-B14F-4D97-AF65-F5344CB8AC3E}">
-        <p14:creationId xmlns="" xmlns:p14="http://schemas.microsoft.com/office/powerpoint/2010/main" val="2234334166"/>
+        <p14:creationId xmlns:p14="http://schemas.microsoft.com/office/powerpoint/2010/main" xmlns="" val="2234334166"/>
       </p:ext>
     </p:extLst>
   </p:cSld>
@@ -3825,7 +3705,7 @@
           <p:nvPr/>
         </p:nvPicPr>
         <p:blipFill>
-          <a:blip r:embed="rId2"/>
+          <a:blip r:embed="rId2" cstate="print"/>
           <a:srcRect/>
           <a:stretch>
             <a:fillRect/>
@@ -3852,7 +3732,7 @@
     </p:spTree>
     <p:extLst>
       <p:ext uri="{BB962C8B-B14F-4D97-AF65-F5344CB8AC3E}">
-        <p14:creationId xmlns="" xmlns:p14="http://schemas.microsoft.com/office/powerpoint/2010/main" val="1245314589"/>
+        <p14:creationId xmlns:p14="http://schemas.microsoft.com/office/powerpoint/2010/main" xmlns="" val="1245314589"/>
       </p:ext>
     </p:extLst>
   </p:cSld>
@@ -3888,7 +3768,7 @@
           <p:nvPr/>
         </p:nvPicPr>
         <p:blipFill>
-          <a:blip r:embed="rId2"/>
+          <a:blip r:embed="rId2" cstate="print"/>
           <a:srcRect/>
           <a:stretch>
             <a:fillRect/>
@@ -3915,7 +3795,7 @@
     </p:spTree>
     <p:extLst>
       <p:ext uri="{BB962C8B-B14F-4D97-AF65-F5344CB8AC3E}">
-        <p14:creationId xmlns="" xmlns:p14="http://schemas.microsoft.com/office/powerpoint/2010/main" val="2206801969"/>
+        <p14:creationId xmlns:p14="http://schemas.microsoft.com/office/powerpoint/2010/main" xmlns="" val="2206801969"/>
       </p:ext>
     </p:extLst>
   </p:cSld>
@@ -3951,7 +3831,7 @@
           <p:nvPr/>
         </p:nvPicPr>
         <p:blipFill>
-          <a:blip r:embed="rId2"/>
+          <a:blip r:embed="rId2" cstate="print"/>
           <a:srcRect/>
           <a:stretch>
             <a:fillRect/>
@@ -3978,7 +3858,7 @@
     </p:spTree>
     <p:extLst>
       <p:ext uri="{BB962C8B-B14F-4D97-AF65-F5344CB8AC3E}">
-        <p14:creationId xmlns="" xmlns:p14="http://schemas.microsoft.com/office/powerpoint/2010/main" val="713391932"/>
+        <p14:creationId xmlns:p14="http://schemas.microsoft.com/office/powerpoint/2010/main" xmlns="" val="713391932"/>
       </p:ext>
     </p:extLst>
   </p:cSld>
@@ -4014,7 +3894,7 @@
           <p:nvPr/>
         </p:nvPicPr>
         <p:blipFill>
-          <a:blip r:embed="rId2"/>
+          <a:blip r:embed="rId2" cstate="print"/>
           <a:srcRect/>
           <a:stretch>
             <a:fillRect/>
@@ -4041,7 +3921,7 @@
     </p:spTree>
     <p:extLst>
       <p:ext uri="{BB962C8B-B14F-4D97-AF65-F5344CB8AC3E}">
-        <p14:creationId xmlns="" xmlns:p14="http://schemas.microsoft.com/office/powerpoint/2010/main" val="2573928863"/>
+        <p14:creationId xmlns:p14="http://schemas.microsoft.com/office/powerpoint/2010/main" xmlns="" val="2573928863"/>
       </p:ext>
     </p:extLst>
   </p:cSld>
@@ -4119,7 +3999,7 @@
                 <p:nvPr/>
               </p:nvPicPr>
               <p:blipFill>
-                <a:blip r:embed="rId2"/>
+                <a:blip r:embed="rId2" cstate="print"/>
                 <a:srcRect/>
                 <a:stretch>
                   <a:fillRect/>
@@ -4202,7 +4082,7 @@
               <a:blip r:embed="rId3" cstate="print">
                 <a:extLst>
                   <a:ext uri="{28A0092B-C50C-407E-A947-70E740481C1C}">
-                    <a14:useLocalDpi xmlns="" xmlns:a14="http://schemas.microsoft.com/office/drawing/2010/main" val="0"/>
+                    <a14:useLocalDpi xmlns:a14="http://schemas.microsoft.com/office/drawing/2010/main" xmlns="" val="0"/>
                   </a:ext>
                 </a:extLst>
               </a:blip>
@@ -4231,14 +4111,14 @@
               <a:effectLst/>
               <a:extLst>
                 <a:ext uri="{909E8E84-426E-40DD-AFC4-6F175D3DCCD1}">
-                  <a14:hiddenFill xmlns="" xmlns:a14="http://schemas.microsoft.com/office/drawing/2010/main">
+                  <a14:hiddenFill xmlns:a14="http://schemas.microsoft.com/office/drawing/2010/main" xmlns="">
                     <a:solidFill>
                       <a:schemeClr val="accent1"/>
                     </a:solidFill>
                   </a14:hiddenFill>
                 </a:ext>
                 <a:ext uri="{AF507438-7753-43E0-B8FC-AC1667EBCBE1}">
-                  <a14:hiddenEffects xmlns="" xmlns:a14="http://schemas.microsoft.com/office/drawing/2010/main">
+                  <a14:hiddenEffects xmlns:a14="http://schemas.microsoft.com/office/drawing/2010/main" xmlns="">
                     <a:effectLst>
                       <a:outerShdw dist="35921" dir="2700000" algn="ctr" rotWithShape="0">
                         <a:schemeClr val="bg2"/>
@@ -4261,7 +4141,7 @@
               <a:blip r:embed="rId4" cstate="print">
                 <a:extLst>
                   <a:ext uri="{28A0092B-C50C-407E-A947-70E740481C1C}">
-                    <a14:useLocalDpi xmlns="" xmlns:a14="http://schemas.microsoft.com/office/drawing/2010/main" val="0"/>
+                    <a14:useLocalDpi xmlns:a14="http://schemas.microsoft.com/office/drawing/2010/main" xmlns="" val="0"/>
                   </a:ext>
                 </a:extLst>
               </a:blip>
@@ -4290,14 +4170,14 @@
               <a:effectLst/>
               <a:extLst>
                 <a:ext uri="{909E8E84-426E-40DD-AFC4-6F175D3DCCD1}">
-                  <a14:hiddenFill xmlns="" xmlns:a14="http://schemas.microsoft.com/office/drawing/2010/main">
+                  <a14:hiddenFill xmlns:a14="http://schemas.microsoft.com/office/drawing/2010/main" xmlns="">
                     <a:solidFill>
                       <a:schemeClr val="accent1"/>
                     </a:solidFill>
                   </a14:hiddenFill>
                 </a:ext>
                 <a:ext uri="{AF507438-7753-43E0-B8FC-AC1667EBCBE1}">
-                  <a14:hiddenEffects xmlns="" xmlns:a14="http://schemas.microsoft.com/office/drawing/2010/main">
+                  <a14:hiddenEffects xmlns:a14="http://schemas.microsoft.com/office/drawing/2010/main" xmlns="">
                     <a:effectLst>
                       <a:outerShdw dist="35921" dir="2700000" algn="ctr" rotWithShape="0">
                         <a:schemeClr val="bg2"/>
@@ -4320,7 +4200,7 @@
               <a:blip r:embed="rId5" cstate="print">
                 <a:extLst>
                   <a:ext uri="{28A0092B-C50C-407E-A947-70E740481C1C}">
-                    <a14:useLocalDpi xmlns="" xmlns:a14="http://schemas.microsoft.com/office/drawing/2010/main" val="0"/>
+                    <a14:useLocalDpi xmlns:a14="http://schemas.microsoft.com/office/drawing/2010/main" xmlns="" val="0"/>
                   </a:ext>
                 </a:extLst>
               </a:blip>
@@ -4349,14 +4229,14 @@
               <a:effectLst/>
               <a:extLst>
                 <a:ext uri="{909E8E84-426E-40DD-AFC4-6F175D3DCCD1}">
-                  <a14:hiddenFill xmlns="" xmlns:a14="http://schemas.microsoft.com/office/drawing/2010/main">
+                  <a14:hiddenFill xmlns:a14="http://schemas.microsoft.com/office/drawing/2010/main" xmlns="">
                     <a:solidFill>
                       <a:schemeClr val="accent1"/>
                     </a:solidFill>
                   </a14:hiddenFill>
                 </a:ext>
                 <a:ext uri="{AF507438-7753-43E0-B8FC-AC1667EBCBE1}">
-                  <a14:hiddenEffects xmlns="" xmlns:a14="http://schemas.microsoft.com/office/drawing/2010/main">
+                  <a14:hiddenEffects xmlns:a14="http://schemas.microsoft.com/office/drawing/2010/main" xmlns="">
                     <a:effectLst>
                       <a:outerShdw dist="35921" dir="2700000" algn="ctr" rotWithShape="0">
                         <a:schemeClr val="bg2"/>
@@ -4733,7 +4613,7 @@
     </p:spTree>
     <p:extLst>
       <p:ext uri="{BB962C8B-B14F-4D97-AF65-F5344CB8AC3E}">
-        <p14:creationId xmlns="" xmlns:p14="http://schemas.microsoft.com/office/powerpoint/2010/main" val="2358022711"/>
+        <p14:creationId xmlns:p14="http://schemas.microsoft.com/office/powerpoint/2010/main" xmlns="" val="2358022711"/>
       </p:ext>
     </p:extLst>
   </p:cSld>
@@ -4807,10 +4687,10 @@
           <p:nvPr/>
         </p:nvPicPr>
         <p:blipFill>
-          <a:blip r:embed="rId2">
+          <a:blip r:embed="rId2" cstate="print">
             <a:extLst>
               <a:ext uri="{28A0092B-C50C-407E-A947-70E740481C1C}">
-                <a14:useLocalDpi xmlns="" xmlns:a14="http://schemas.microsoft.com/office/drawing/2010/main" val="0"/>
+                <a14:useLocalDpi xmlns:a14="http://schemas.microsoft.com/office/drawing/2010/main" xmlns="" val="0"/>
               </a:ext>
             </a:extLst>
           </a:blip>
@@ -4834,14 +4714,14 @@
           <a:effectLst/>
           <a:extLst>
             <a:ext uri="{909E8E84-426E-40DD-AFC4-6F175D3DCCD1}">
-              <a14:hiddenFill xmlns="" xmlns:a14="http://schemas.microsoft.com/office/drawing/2010/main">
+              <a14:hiddenFill xmlns:a14="http://schemas.microsoft.com/office/drawing/2010/main" xmlns="">
                 <a:solidFill>
                   <a:schemeClr val="accent1"/>
                 </a:solidFill>
               </a14:hiddenFill>
             </a:ext>
             <a:ext uri="{91240B29-F687-4F45-9708-019B960494DF}">
-              <a14:hiddenLine xmlns="" xmlns:a14="http://schemas.microsoft.com/office/drawing/2010/main" w="9525">
+              <a14:hiddenLine xmlns:a14="http://schemas.microsoft.com/office/drawing/2010/main" xmlns="" w="9525">
                 <a:solidFill>
                   <a:schemeClr val="tx1"/>
                 </a:solidFill>
@@ -4851,7 +4731,7 @@
               </a14:hiddenLine>
             </a:ext>
             <a:ext uri="{AF507438-7753-43E0-B8FC-AC1667EBCBE1}">
-              <a14:hiddenEffects xmlns="" xmlns:a14="http://schemas.microsoft.com/office/drawing/2010/main">
+              <a14:hiddenEffects xmlns:a14="http://schemas.microsoft.com/office/drawing/2010/main" xmlns="">
                 <a:effectLst>
                   <a:outerShdw dist="35921" dir="2700000" algn="ctr" rotWithShape="0">
                     <a:schemeClr val="bg2"/>
@@ -4895,7 +4775,7 @@
     </p:spTree>
     <p:extLst>
       <p:ext uri="{BB962C8B-B14F-4D97-AF65-F5344CB8AC3E}">
-        <p14:creationId xmlns="" xmlns:p14="http://schemas.microsoft.com/office/powerpoint/2010/main" val="1222455737"/>
+        <p14:creationId xmlns:p14="http://schemas.microsoft.com/office/powerpoint/2010/main" xmlns="" val="1222455737"/>
       </p:ext>
     </p:extLst>
   </p:cSld>
@@ -4931,7 +4811,7 @@
           <p:nvPr/>
         </p:nvPicPr>
         <p:blipFill>
-          <a:blip r:embed="rId2"/>
+          <a:blip r:embed="rId2" cstate="print"/>
           <a:srcRect/>
           <a:stretch>
             <a:fillRect/>
@@ -4958,7 +4838,7 @@
     </p:spTree>
     <p:extLst>
       <p:ext uri="{BB962C8B-B14F-4D97-AF65-F5344CB8AC3E}">
-        <p14:creationId xmlns="" xmlns:p14="http://schemas.microsoft.com/office/powerpoint/2010/main" val="3551393168"/>
+        <p14:creationId xmlns:p14="http://schemas.microsoft.com/office/powerpoint/2010/main" xmlns="" val="3551393168"/>
       </p:ext>
     </p:extLst>
   </p:cSld>
@@ -4994,10 +4874,10 @@
           <p:nvPr/>
         </p:nvPicPr>
         <p:blipFill>
-          <a:blip r:embed="rId2">
+          <a:blip r:embed="rId2" cstate="print">
             <a:extLst>
               <a:ext uri="{28A0092B-C50C-407E-A947-70E740481C1C}">
-                <a14:useLocalDpi xmlns="" xmlns:a14="http://schemas.microsoft.com/office/drawing/2010/main" val="0"/>
+                <a14:useLocalDpi xmlns:a14="http://schemas.microsoft.com/office/drawing/2010/main" xmlns="" val="0"/>
               </a:ext>
             </a:extLst>
           </a:blip>
@@ -5017,7 +4897,7 @@
           <a:noFill/>
           <a:extLst>
             <a:ext uri="{909E8E84-426E-40DD-AFC4-6F175D3DCCD1}">
-              <a14:hiddenFill xmlns="" xmlns:a14="http://schemas.microsoft.com/office/drawing/2010/main">
+              <a14:hiddenFill xmlns:a14="http://schemas.microsoft.com/office/drawing/2010/main" xmlns="">
                 <a:solidFill>
                   <a:srgbClr val="FFFFFF"/>
                 </a:solidFill>
@@ -5238,7 +5118,7 @@
     </p:spTree>
     <p:extLst>
       <p:ext uri="{BB962C8B-B14F-4D97-AF65-F5344CB8AC3E}">
-        <p14:creationId xmlns="" xmlns:p14="http://schemas.microsoft.com/office/powerpoint/2010/main" val="1761084381"/>
+        <p14:creationId xmlns:p14="http://schemas.microsoft.com/office/powerpoint/2010/main" xmlns="" val="1761084381"/>
       </p:ext>
     </p:extLst>
   </p:cSld>
@@ -5274,10 +5154,10 @@
           <p:nvPr/>
         </p:nvPicPr>
         <p:blipFill>
-          <a:blip r:embed="rId2">
+          <a:blip r:embed="rId2" cstate="print">
             <a:extLst>
               <a:ext uri="{28A0092B-C50C-407E-A947-70E740481C1C}">
-                <a14:useLocalDpi xmlns="" xmlns:a14="http://schemas.microsoft.com/office/drawing/2010/main" val="0"/>
+                <a14:useLocalDpi xmlns:a14="http://schemas.microsoft.com/office/drawing/2010/main" xmlns="" val="0"/>
               </a:ext>
             </a:extLst>
           </a:blip>
@@ -5297,7 +5177,7 @@
           <a:noFill/>
           <a:extLst>
             <a:ext uri="{909E8E84-426E-40DD-AFC4-6F175D3DCCD1}">
-              <a14:hiddenFill xmlns="" xmlns:a14="http://schemas.microsoft.com/office/drawing/2010/main">
+              <a14:hiddenFill xmlns:a14="http://schemas.microsoft.com/office/drawing/2010/main" xmlns="">
                 <a:solidFill>
                   <a:srgbClr val="FFFFFF"/>
                 </a:solidFill>
@@ -5402,7 +5282,7 @@
     </p:spTree>
     <p:extLst>
       <p:ext uri="{BB962C8B-B14F-4D97-AF65-F5344CB8AC3E}">
-        <p14:creationId xmlns="" xmlns:p14="http://schemas.microsoft.com/office/powerpoint/2010/main" val="2851968572"/>
+        <p14:creationId xmlns:p14="http://schemas.microsoft.com/office/powerpoint/2010/main" xmlns="" val="2851968572"/>
       </p:ext>
     </p:extLst>
   </p:cSld>
@@ -5438,10 +5318,10 @@
           <p:nvPr/>
         </p:nvPicPr>
         <p:blipFill>
-          <a:blip r:embed="rId2">
+          <a:blip r:embed="rId2" cstate="print">
             <a:extLst>
               <a:ext uri="{28A0092B-C50C-407E-A947-70E740481C1C}">
-                <a14:useLocalDpi xmlns="" xmlns:a14="http://schemas.microsoft.com/office/drawing/2010/main" val="0"/>
+                <a14:useLocalDpi xmlns:a14="http://schemas.microsoft.com/office/drawing/2010/main" xmlns="" val="0"/>
               </a:ext>
             </a:extLst>
           </a:blip>
@@ -5461,7 +5341,7 @@
           <a:noFill/>
           <a:extLst>
             <a:ext uri="{909E8E84-426E-40DD-AFC4-6F175D3DCCD1}">
-              <a14:hiddenFill xmlns="" xmlns:a14="http://schemas.microsoft.com/office/drawing/2010/main">
+              <a14:hiddenFill xmlns:a14="http://schemas.microsoft.com/office/drawing/2010/main" xmlns="">
                 <a:solidFill>
                   <a:srgbClr val="FFFFFF"/>
                 </a:solidFill>
@@ -5473,7 +5353,7 @@
     </p:spTree>
     <p:extLst>
       <p:ext uri="{BB962C8B-B14F-4D97-AF65-F5344CB8AC3E}">
-        <p14:creationId xmlns="" xmlns:p14="http://schemas.microsoft.com/office/powerpoint/2010/main" val="2851968572"/>
+        <p14:creationId xmlns:p14="http://schemas.microsoft.com/office/powerpoint/2010/main" xmlns="" val="2851968572"/>
       </p:ext>
     </p:extLst>
   </p:cSld>
@@ -5509,10 +5389,10 @@
           <p:nvPr/>
         </p:nvPicPr>
         <p:blipFill>
-          <a:blip r:embed="rId2">
+          <a:blip r:embed="rId2" cstate="print">
             <a:extLst>
               <a:ext uri="{28A0092B-C50C-407E-A947-70E740481C1C}">
-                <a14:useLocalDpi xmlns="" xmlns:a14="http://schemas.microsoft.com/office/drawing/2010/main" val="0"/>
+                <a14:useLocalDpi xmlns:a14="http://schemas.microsoft.com/office/drawing/2010/main" xmlns="" val="0"/>
               </a:ext>
             </a:extLst>
           </a:blip>
@@ -5532,7 +5412,7 @@
           <a:noFill/>
           <a:extLst>
             <a:ext uri="{909E8E84-426E-40DD-AFC4-6F175D3DCCD1}">
-              <a14:hiddenFill xmlns="" xmlns:a14="http://schemas.microsoft.com/office/drawing/2010/main">
+              <a14:hiddenFill xmlns:a14="http://schemas.microsoft.com/office/drawing/2010/main" xmlns="">
                 <a:solidFill>
                   <a:srgbClr val="FFFFFF"/>
                 </a:solidFill>
@@ -5544,7 +5424,7 @@
     </p:spTree>
     <p:extLst>
       <p:ext uri="{BB962C8B-B14F-4D97-AF65-F5344CB8AC3E}">
-        <p14:creationId xmlns="" xmlns:p14="http://schemas.microsoft.com/office/powerpoint/2010/main" val="2851968572"/>
+        <p14:creationId xmlns:p14="http://schemas.microsoft.com/office/powerpoint/2010/main" xmlns="" val="2851968572"/>
       </p:ext>
     </p:extLst>
   </p:cSld>
@@ -5580,10 +5460,10 @@
           <p:nvPr/>
         </p:nvPicPr>
         <p:blipFill>
-          <a:blip r:embed="rId2">
+          <a:blip r:embed="rId2" cstate="print">
             <a:extLst>
               <a:ext uri="{28A0092B-C50C-407E-A947-70E740481C1C}">
-                <a14:useLocalDpi xmlns="" xmlns:a14="http://schemas.microsoft.com/office/drawing/2010/main" val="0"/>
+                <a14:useLocalDpi xmlns:a14="http://schemas.microsoft.com/office/drawing/2010/main" xmlns="" val="0"/>
               </a:ext>
             </a:extLst>
           </a:blip>
@@ -5603,7 +5483,7 @@
           <a:noFill/>
           <a:extLst>
             <a:ext uri="{909E8E84-426E-40DD-AFC4-6F175D3DCCD1}">
-              <a14:hiddenFill xmlns="" xmlns:a14="http://schemas.microsoft.com/office/drawing/2010/main">
+              <a14:hiddenFill xmlns:a14="http://schemas.microsoft.com/office/drawing/2010/main" xmlns="">
                 <a:solidFill>
                   <a:srgbClr val="FFFFFF"/>
                 </a:solidFill>
@@ -5615,7 +5495,7 @@
     </p:spTree>
     <p:extLst>
       <p:ext uri="{BB962C8B-B14F-4D97-AF65-F5344CB8AC3E}">
-        <p14:creationId xmlns="" xmlns:p14="http://schemas.microsoft.com/office/powerpoint/2010/main" val="3834709605"/>
+        <p14:creationId xmlns:p14="http://schemas.microsoft.com/office/powerpoint/2010/main" xmlns="" val="3834709605"/>
       </p:ext>
     </p:extLst>
   </p:cSld>
@@ -5651,10 +5531,10 @@
           <p:nvPr/>
         </p:nvPicPr>
         <p:blipFill>
-          <a:blip r:embed="rId2">
+          <a:blip r:embed="rId2" cstate="print">
             <a:extLst>
               <a:ext uri="{28A0092B-C50C-407E-A947-70E740481C1C}">
-                <a14:useLocalDpi xmlns="" xmlns:a14="http://schemas.microsoft.com/office/drawing/2010/main" val="0"/>
+                <a14:useLocalDpi xmlns:a14="http://schemas.microsoft.com/office/drawing/2010/main" xmlns="" val="0"/>
               </a:ext>
             </a:extLst>
           </a:blip>
@@ -5674,7 +5554,7 @@
           <a:noFill/>
           <a:extLst>
             <a:ext uri="{909E8E84-426E-40DD-AFC4-6F175D3DCCD1}">
-              <a14:hiddenFill xmlns="" xmlns:a14="http://schemas.microsoft.com/office/drawing/2010/main">
+              <a14:hiddenFill xmlns:a14="http://schemas.microsoft.com/office/drawing/2010/main" xmlns="">
                 <a:solidFill>
                   <a:srgbClr val="FFFFFF"/>
                 </a:solidFill>
@@ -5813,7 +5693,7 @@
     </p:spTree>
     <p:extLst>
       <p:ext uri="{BB962C8B-B14F-4D97-AF65-F5344CB8AC3E}">
-        <p14:creationId xmlns="" xmlns:p14="http://schemas.microsoft.com/office/powerpoint/2010/main" val="3944887229"/>
+        <p14:creationId xmlns:p14="http://schemas.microsoft.com/office/powerpoint/2010/main" xmlns="" val="3944887229"/>
       </p:ext>
     </p:extLst>
   </p:cSld>
@@ -5852,7 +5732,7 @@
           <a:blip r:embed="rId2" cstate="print">
             <a:extLst>
               <a:ext uri="{28A0092B-C50C-407E-A947-70E740481C1C}">
-                <a14:useLocalDpi xmlns="" xmlns:a14="http://schemas.microsoft.com/office/drawing/2010/main" val="0"/>
+                <a14:useLocalDpi xmlns:a14="http://schemas.microsoft.com/office/drawing/2010/main" xmlns="" val="0"/>
               </a:ext>
             </a:extLst>
           </a:blip>
@@ -5872,7 +5752,7 @@
           <a:noFill/>
           <a:extLst>
             <a:ext uri="{909E8E84-426E-40DD-AFC4-6F175D3DCCD1}">
-              <a14:hiddenFill xmlns="" xmlns:a14="http://schemas.microsoft.com/office/drawing/2010/main">
+              <a14:hiddenFill xmlns:a14="http://schemas.microsoft.com/office/drawing/2010/main" xmlns="">
                 <a:solidFill>
                   <a:srgbClr val="FFFFFF"/>
                 </a:solidFill>
@@ -5884,7 +5764,7 @@
     </p:spTree>
     <p:extLst>
       <p:ext uri="{BB962C8B-B14F-4D97-AF65-F5344CB8AC3E}">
-        <p14:creationId xmlns="" xmlns:p14="http://schemas.microsoft.com/office/powerpoint/2010/main" val="877918525"/>
+        <p14:creationId xmlns:p14="http://schemas.microsoft.com/office/powerpoint/2010/main" xmlns="" val="877918525"/>
       </p:ext>
     </p:extLst>
   </p:cSld>
@@ -5931,7 +5811,7 @@
           <a:blip r:embed="rId2" cstate="print">
             <a:extLst>
               <a:ext uri="{28A0092B-C50C-407E-A947-70E740481C1C}">
-                <a14:useLocalDpi xmlns="" xmlns:a14="http://schemas.microsoft.com/office/drawing/2010/main" val="0"/>
+                <a14:useLocalDpi xmlns:a14="http://schemas.microsoft.com/office/drawing/2010/main" xmlns="" val="0"/>
               </a:ext>
             </a:extLst>
           </a:blip>
@@ -5951,7 +5831,7 @@
           <a:noFill/>
           <a:extLst>
             <a:ext uri="{909E8E84-426E-40DD-AFC4-6F175D3DCCD1}">
-              <a14:hiddenFill xmlns="" xmlns:a14="http://schemas.microsoft.com/office/drawing/2010/main">
+              <a14:hiddenFill xmlns:a14="http://schemas.microsoft.com/office/drawing/2010/main" xmlns="">
                 <a:solidFill>
                   <a:srgbClr val="FFFFFF"/>
                 </a:solidFill>
@@ -5963,7 +5843,7 @@
     </p:spTree>
     <p:extLst>
       <p:ext uri="{BB962C8B-B14F-4D97-AF65-F5344CB8AC3E}">
-        <p14:creationId xmlns="" xmlns:p14="http://schemas.microsoft.com/office/powerpoint/2010/main" val="3176543279"/>
+        <p14:creationId xmlns:p14="http://schemas.microsoft.com/office/powerpoint/2010/main" xmlns="" val="3176543279"/>
       </p:ext>
     </p:extLst>
   </p:cSld>
@@ -6010,7 +5890,7 @@
           <a:blip r:embed="rId2" cstate="print">
             <a:extLst>
               <a:ext uri="{28A0092B-C50C-407E-A947-70E740481C1C}">
-                <a14:useLocalDpi xmlns="" xmlns:a14="http://schemas.microsoft.com/office/drawing/2010/main" val="0"/>
+                <a14:useLocalDpi xmlns:a14="http://schemas.microsoft.com/office/drawing/2010/main" xmlns="" val="0"/>
               </a:ext>
             </a:extLst>
           </a:blip>
@@ -6030,7 +5910,7 @@
           <a:noFill/>
           <a:extLst>
             <a:ext uri="{909E8E84-426E-40DD-AFC4-6F175D3DCCD1}">
-              <a14:hiddenFill xmlns="" xmlns:a14="http://schemas.microsoft.com/office/drawing/2010/main">
+              <a14:hiddenFill xmlns:a14="http://schemas.microsoft.com/office/drawing/2010/main" xmlns="">
                 <a:solidFill>
                   <a:srgbClr val="FFFFFF"/>
                 </a:solidFill>
@@ -6042,7 +5922,7 @@
     </p:spTree>
     <p:extLst>
       <p:ext uri="{BB962C8B-B14F-4D97-AF65-F5344CB8AC3E}">
-        <p14:creationId xmlns="" xmlns:p14="http://schemas.microsoft.com/office/powerpoint/2010/main" val="3434212402"/>
+        <p14:creationId xmlns:p14="http://schemas.microsoft.com/office/powerpoint/2010/main" xmlns="" val="3434212402"/>
       </p:ext>
     </p:extLst>
   </p:cSld>
@@ -6124,10 +6004,10 @@
           <p:nvPr/>
         </p:nvPicPr>
         <p:blipFill>
-          <a:blip r:embed="rId2">
+          <a:blip r:embed="rId2" cstate="print">
             <a:extLst>
               <a:ext uri="{28A0092B-C50C-407E-A947-70E740481C1C}">
-                <a14:useLocalDpi xmlns="" xmlns:a14="http://schemas.microsoft.com/office/drawing/2010/main" val="0"/>
+                <a14:useLocalDpi xmlns:a14="http://schemas.microsoft.com/office/drawing/2010/main" xmlns="" val="0"/>
               </a:ext>
             </a:extLst>
           </a:blip>
@@ -6151,14 +6031,14 @@
           <a:effectLst/>
           <a:extLst>
             <a:ext uri="{909E8E84-426E-40DD-AFC4-6F175D3DCCD1}">
-              <a14:hiddenFill xmlns="" xmlns:a14="http://schemas.microsoft.com/office/drawing/2010/main">
+              <a14:hiddenFill xmlns:a14="http://schemas.microsoft.com/office/drawing/2010/main" xmlns="">
                 <a:solidFill>
                   <a:schemeClr val="accent1"/>
                 </a:solidFill>
               </a14:hiddenFill>
             </a:ext>
             <a:ext uri="{91240B29-F687-4F45-9708-019B960494DF}">
-              <a14:hiddenLine xmlns="" xmlns:a14="http://schemas.microsoft.com/office/drawing/2010/main" w="9525">
+              <a14:hiddenLine xmlns:a14="http://schemas.microsoft.com/office/drawing/2010/main" xmlns="" w="9525">
                 <a:solidFill>
                   <a:schemeClr val="tx1"/>
                 </a:solidFill>
@@ -6168,7 +6048,7 @@
               </a14:hiddenLine>
             </a:ext>
             <a:ext uri="{AF507438-7753-43E0-B8FC-AC1667EBCBE1}">
-              <a14:hiddenEffects xmlns="" xmlns:a14="http://schemas.microsoft.com/office/drawing/2010/main">
+              <a14:hiddenEffects xmlns:a14="http://schemas.microsoft.com/office/drawing/2010/main" xmlns="">
                 <a:effectLst>
                   <a:outerShdw dist="35921" dir="2700000" algn="ctr" rotWithShape="0">
                     <a:schemeClr val="bg2"/>
@@ -6293,7 +6173,7 @@
     </p:spTree>
     <p:extLst>
       <p:ext uri="{BB962C8B-B14F-4D97-AF65-F5344CB8AC3E}">
-        <p14:creationId xmlns="" xmlns:p14="http://schemas.microsoft.com/office/powerpoint/2010/main" val="2025987737"/>
+        <p14:creationId xmlns:p14="http://schemas.microsoft.com/office/powerpoint/2010/main" xmlns="" val="2025987737"/>
       </p:ext>
     </p:extLst>
   </p:cSld>
@@ -6332,7 +6212,7 @@
           <a:blip r:embed="rId2" cstate="print">
             <a:extLst>
               <a:ext uri="{28A0092B-C50C-407E-A947-70E740481C1C}">
-                <a14:useLocalDpi xmlns="" xmlns:a14="http://schemas.microsoft.com/office/drawing/2010/main" val="0"/>
+                <a14:useLocalDpi xmlns:a14="http://schemas.microsoft.com/office/drawing/2010/main" xmlns="" val="0"/>
               </a:ext>
             </a:extLst>
           </a:blip>
@@ -6352,7 +6232,7 @@
           <a:noFill/>
           <a:extLst>
             <a:ext uri="{909E8E84-426E-40DD-AFC4-6F175D3DCCD1}">
-              <a14:hiddenFill xmlns="" xmlns:a14="http://schemas.microsoft.com/office/drawing/2010/main">
+              <a14:hiddenFill xmlns:a14="http://schemas.microsoft.com/office/drawing/2010/main" xmlns="">
                 <a:solidFill>
                   <a:srgbClr val="FFFFFF"/>
                 </a:solidFill>
@@ -6364,7 +6244,7 @@
     </p:spTree>
     <p:extLst>
       <p:ext uri="{BB962C8B-B14F-4D97-AF65-F5344CB8AC3E}">
-        <p14:creationId xmlns="" xmlns:p14="http://schemas.microsoft.com/office/powerpoint/2010/main" val="2665957509"/>
+        <p14:creationId xmlns:p14="http://schemas.microsoft.com/office/powerpoint/2010/main" xmlns="" val="2665957509"/>
       </p:ext>
     </p:extLst>
   </p:cSld>
@@ -6411,7 +6291,7 @@
           <a:blip r:embed="rId2" cstate="print">
             <a:extLst>
               <a:ext uri="{28A0092B-C50C-407E-A947-70E740481C1C}">
-                <a14:useLocalDpi xmlns="" xmlns:a14="http://schemas.microsoft.com/office/drawing/2010/main" val="0"/>
+                <a14:useLocalDpi xmlns:a14="http://schemas.microsoft.com/office/drawing/2010/main" xmlns="" val="0"/>
               </a:ext>
             </a:extLst>
           </a:blip>
@@ -6431,7 +6311,7 @@
           <a:noFill/>
           <a:extLst>
             <a:ext uri="{909E8E84-426E-40DD-AFC4-6F175D3DCCD1}">
-              <a14:hiddenFill xmlns="" xmlns:a14="http://schemas.microsoft.com/office/drawing/2010/main">
+              <a14:hiddenFill xmlns:a14="http://schemas.microsoft.com/office/drawing/2010/main" xmlns="">
                 <a:solidFill>
                   <a:srgbClr val="FFFFFF"/>
                 </a:solidFill>
@@ -6443,7 +6323,7 @@
     </p:spTree>
     <p:extLst>
       <p:ext uri="{BB962C8B-B14F-4D97-AF65-F5344CB8AC3E}">
-        <p14:creationId xmlns="" xmlns:p14="http://schemas.microsoft.com/office/powerpoint/2010/main" val="2883297758"/>
+        <p14:creationId xmlns:p14="http://schemas.microsoft.com/office/powerpoint/2010/main" xmlns="" val="2883297758"/>
       </p:ext>
     </p:extLst>
   </p:cSld>
@@ -6490,7 +6370,7 @@
           <a:blip r:embed="rId2" cstate="print">
             <a:extLst>
               <a:ext uri="{28A0092B-C50C-407E-A947-70E740481C1C}">
-                <a14:useLocalDpi xmlns="" xmlns:a14="http://schemas.microsoft.com/office/drawing/2010/main" val="0"/>
+                <a14:useLocalDpi xmlns:a14="http://schemas.microsoft.com/office/drawing/2010/main" xmlns="" val="0"/>
               </a:ext>
             </a:extLst>
           </a:blip>
@@ -6510,7 +6390,7 @@
           <a:noFill/>
           <a:extLst>
             <a:ext uri="{909E8E84-426E-40DD-AFC4-6F175D3DCCD1}">
-              <a14:hiddenFill xmlns="" xmlns:a14="http://schemas.microsoft.com/office/drawing/2010/main">
+              <a14:hiddenFill xmlns:a14="http://schemas.microsoft.com/office/drawing/2010/main" xmlns="">
                 <a:solidFill>
                   <a:srgbClr val="FFFFFF"/>
                 </a:solidFill>
@@ -6522,7 +6402,7 @@
     </p:spTree>
     <p:extLst>
       <p:ext uri="{BB962C8B-B14F-4D97-AF65-F5344CB8AC3E}">
-        <p14:creationId xmlns="" xmlns:p14="http://schemas.microsoft.com/office/powerpoint/2010/main" val="2360957746"/>
+        <p14:creationId xmlns:p14="http://schemas.microsoft.com/office/powerpoint/2010/main" xmlns="" val="2360957746"/>
       </p:ext>
     </p:extLst>
   </p:cSld>
@@ -6569,7 +6449,7 @@
           <a:blip r:embed="rId2" cstate="print">
             <a:extLst>
               <a:ext uri="{28A0092B-C50C-407E-A947-70E740481C1C}">
-                <a14:useLocalDpi xmlns="" xmlns:a14="http://schemas.microsoft.com/office/drawing/2010/main" val="0"/>
+                <a14:useLocalDpi xmlns:a14="http://schemas.microsoft.com/office/drawing/2010/main" xmlns="" val="0"/>
               </a:ext>
             </a:extLst>
           </a:blip>
@@ -6589,7 +6469,7 @@
           <a:noFill/>
           <a:extLst>
             <a:ext uri="{909E8E84-426E-40DD-AFC4-6F175D3DCCD1}">
-              <a14:hiddenFill xmlns="" xmlns:a14="http://schemas.microsoft.com/office/drawing/2010/main">
+              <a14:hiddenFill xmlns:a14="http://schemas.microsoft.com/office/drawing/2010/main" xmlns="">
                 <a:solidFill>
                   <a:srgbClr val="FFFFFF"/>
                 </a:solidFill>
@@ -6601,7 +6481,7 @@
     </p:spTree>
     <p:extLst>
       <p:ext uri="{BB962C8B-B14F-4D97-AF65-F5344CB8AC3E}">
-        <p14:creationId xmlns="" xmlns:p14="http://schemas.microsoft.com/office/powerpoint/2010/main" val="334552316"/>
+        <p14:creationId xmlns:p14="http://schemas.microsoft.com/office/powerpoint/2010/main" xmlns="" val="334552316"/>
       </p:ext>
     </p:extLst>
   </p:cSld>
@@ -6648,7 +6528,7 @@
           <a:blip r:embed="rId2" cstate="print">
             <a:extLst>
               <a:ext uri="{28A0092B-C50C-407E-A947-70E740481C1C}">
-                <a14:useLocalDpi xmlns="" xmlns:a14="http://schemas.microsoft.com/office/drawing/2010/main" val="0"/>
+                <a14:useLocalDpi xmlns:a14="http://schemas.microsoft.com/office/drawing/2010/main" xmlns="" val="0"/>
               </a:ext>
             </a:extLst>
           </a:blip>
@@ -6668,7 +6548,7 @@
           <a:noFill/>
           <a:extLst>
             <a:ext uri="{909E8E84-426E-40DD-AFC4-6F175D3DCCD1}">
-              <a14:hiddenFill xmlns="" xmlns:a14="http://schemas.microsoft.com/office/drawing/2010/main">
+              <a14:hiddenFill xmlns:a14="http://schemas.microsoft.com/office/drawing/2010/main" xmlns="">
                 <a:solidFill>
                   <a:srgbClr val="FFFFFF"/>
                 </a:solidFill>
@@ -6863,7 +6743,7 @@
     </p:spTree>
     <p:extLst>
       <p:ext uri="{BB962C8B-B14F-4D97-AF65-F5344CB8AC3E}">
-        <p14:creationId xmlns="" xmlns:p14="http://schemas.microsoft.com/office/powerpoint/2010/main" val="2188434631"/>
+        <p14:creationId xmlns:p14="http://schemas.microsoft.com/office/powerpoint/2010/main" xmlns="" val="2188434631"/>
       </p:ext>
     </p:extLst>
   </p:cSld>
@@ -6910,7 +6790,7 @@
           <a:blip r:embed="rId2" cstate="print">
             <a:extLst>
               <a:ext uri="{28A0092B-C50C-407E-A947-70E740481C1C}">
-                <a14:useLocalDpi xmlns="" xmlns:a14="http://schemas.microsoft.com/office/drawing/2010/main" val="0"/>
+                <a14:useLocalDpi xmlns:a14="http://schemas.microsoft.com/office/drawing/2010/main" xmlns="" val="0"/>
               </a:ext>
             </a:extLst>
           </a:blip>
@@ -6930,7 +6810,7 @@
           <a:noFill/>
           <a:extLst>
             <a:ext uri="{909E8E84-426E-40DD-AFC4-6F175D3DCCD1}">
-              <a14:hiddenFill xmlns="" xmlns:a14="http://schemas.microsoft.com/office/drawing/2010/main">
+              <a14:hiddenFill xmlns:a14="http://schemas.microsoft.com/office/drawing/2010/main" xmlns="">
                 <a:solidFill>
                   <a:srgbClr val="FFFFFF"/>
                 </a:solidFill>
@@ -6987,7 +6867,7 @@
     </p:spTree>
     <p:extLst>
       <p:ext uri="{BB962C8B-B14F-4D97-AF65-F5344CB8AC3E}">
-        <p14:creationId xmlns="" xmlns:p14="http://schemas.microsoft.com/office/powerpoint/2010/main" val="396975966"/>
+        <p14:creationId xmlns:p14="http://schemas.microsoft.com/office/powerpoint/2010/main" xmlns="" val="396975966"/>
       </p:ext>
     </p:extLst>
   </p:cSld>
@@ -7034,7 +6914,7 @@
           <a:blip r:embed="rId2" cstate="print">
             <a:extLst>
               <a:ext uri="{28A0092B-C50C-407E-A947-70E740481C1C}">
-                <a14:useLocalDpi xmlns="" xmlns:a14="http://schemas.microsoft.com/office/drawing/2010/main" val="0"/>
+                <a14:useLocalDpi xmlns:a14="http://schemas.microsoft.com/office/drawing/2010/main" xmlns="" val="0"/>
               </a:ext>
             </a:extLst>
           </a:blip>
@@ -7054,7 +6934,7 @@
           <a:noFill/>
           <a:extLst>
             <a:ext uri="{909E8E84-426E-40DD-AFC4-6F175D3DCCD1}">
-              <a14:hiddenFill xmlns="" xmlns:a14="http://schemas.microsoft.com/office/drawing/2010/main">
+              <a14:hiddenFill xmlns:a14="http://schemas.microsoft.com/office/drawing/2010/main" xmlns="">
                 <a:solidFill>
                   <a:srgbClr val="FFFFFF"/>
                 </a:solidFill>
@@ -7066,7 +6946,7 @@
     </p:spTree>
     <p:extLst>
       <p:ext uri="{BB962C8B-B14F-4D97-AF65-F5344CB8AC3E}">
-        <p14:creationId xmlns="" xmlns:p14="http://schemas.microsoft.com/office/powerpoint/2010/main" val="247157852"/>
+        <p14:creationId xmlns:p14="http://schemas.microsoft.com/office/powerpoint/2010/main" xmlns="" val="247157852"/>
       </p:ext>
     </p:extLst>
   </p:cSld>
@@ -7113,7 +6993,7 @@
           <a:blip r:embed="rId2" cstate="print">
             <a:extLst>
               <a:ext uri="{28A0092B-C50C-407E-A947-70E740481C1C}">
-                <a14:useLocalDpi xmlns="" xmlns:a14="http://schemas.microsoft.com/office/drawing/2010/main" val="0"/>
+                <a14:useLocalDpi xmlns:a14="http://schemas.microsoft.com/office/drawing/2010/main" xmlns="" val="0"/>
               </a:ext>
             </a:extLst>
           </a:blip>
@@ -7133,7 +7013,7 @@
           <a:noFill/>
           <a:extLst>
             <a:ext uri="{909E8E84-426E-40DD-AFC4-6F175D3DCCD1}">
-              <a14:hiddenFill xmlns="" xmlns:a14="http://schemas.microsoft.com/office/drawing/2010/main">
+              <a14:hiddenFill xmlns:a14="http://schemas.microsoft.com/office/drawing/2010/main" xmlns="">
                 <a:solidFill>
                   <a:srgbClr val="FFFFFF"/>
                 </a:solidFill>
@@ -7145,7 +7025,7 @@
     </p:spTree>
     <p:extLst>
       <p:ext uri="{BB962C8B-B14F-4D97-AF65-F5344CB8AC3E}">
-        <p14:creationId xmlns="" xmlns:p14="http://schemas.microsoft.com/office/powerpoint/2010/main" val="1090011476"/>
+        <p14:creationId xmlns:p14="http://schemas.microsoft.com/office/powerpoint/2010/main" xmlns="" val="1090011476"/>
       </p:ext>
     </p:extLst>
   </p:cSld>
@@ -7227,10 +7107,10 @@
           <p:nvPr/>
         </p:nvPicPr>
         <p:blipFill>
-          <a:blip r:embed="rId2">
+          <a:blip r:embed="rId2" cstate="print">
             <a:extLst>
               <a:ext uri="{28A0092B-C50C-407E-A947-70E740481C1C}">
-                <a14:useLocalDpi xmlns="" xmlns:a14="http://schemas.microsoft.com/office/drawing/2010/main" val="0"/>
+                <a14:useLocalDpi xmlns:a14="http://schemas.microsoft.com/office/drawing/2010/main" xmlns="" val="0"/>
               </a:ext>
             </a:extLst>
           </a:blip>
@@ -7254,14 +7134,14 @@
           <a:effectLst/>
           <a:extLst>
             <a:ext uri="{909E8E84-426E-40DD-AFC4-6F175D3DCCD1}">
-              <a14:hiddenFill xmlns="" xmlns:a14="http://schemas.microsoft.com/office/drawing/2010/main">
+              <a14:hiddenFill xmlns:a14="http://schemas.microsoft.com/office/drawing/2010/main" xmlns="">
                 <a:solidFill>
                   <a:schemeClr val="accent1"/>
                 </a:solidFill>
               </a14:hiddenFill>
             </a:ext>
             <a:ext uri="{91240B29-F687-4F45-9708-019B960494DF}">
-              <a14:hiddenLine xmlns="" xmlns:a14="http://schemas.microsoft.com/office/drawing/2010/main" w="9525">
+              <a14:hiddenLine xmlns:a14="http://schemas.microsoft.com/office/drawing/2010/main" xmlns="" w="9525">
                 <a:solidFill>
                   <a:schemeClr val="tx1"/>
                 </a:solidFill>
@@ -7271,7 +7151,7 @@
               </a14:hiddenLine>
             </a:ext>
             <a:ext uri="{AF507438-7753-43E0-B8FC-AC1667EBCBE1}">
-              <a14:hiddenEffects xmlns="" xmlns:a14="http://schemas.microsoft.com/office/drawing/2010/main">
+              <a14:hiddenEffects xmlns:a14="http://schemas.microsoft.com/office/drawing/2010/main" xmlns="">
                 <a:effectLst>
                   <a:outerShdw dist="35921" dir="2700000" algn="ctr" rotWithShape="0">
                     <a:schemeClr val="bg2"/>
@@ -7361,7 +7241,7 @@
     </p:spTree>
     <p:extLst>
       <p:ext uri="{BB962C8B-B14F-4D97-AF65-F5344CB8AC3E}">
-        <p14:creationId xmlns="" xmlns:p14="http://schemas.microsoft.com/office/powerpoint/2010/main" val="3792504104"/>
+        <p14:creationId xmlns:p14="http://schemas.microsoft.com/office/powerpoint/2010/main" xmlns="" val="3792504104"/>
       </p:ext>
     </p:extLst>
   </p:cSld>
@@ -7435,10 +7315,10 @@
           <p:nvPr/>
         </p:nvPicPr>
         <p:blipFill>
-          <a:blip r:embed="rId2">
+          <a:blip r:embed="rId2" cstate="print">
             <a:extLst>
               <a:ext uri="{28A0092B-C50C-407E-A947-70E740481C1C}">
-                <a14:useLocalDpi xmlns="" xmlns:a14="http://schemas.microsoft.com/office/drawing/2010/main" val="0"/>
+                <a14:useLocalDpi xmlns:a14="http://schemas.microsoft.com/office/drawing/2010/main" xmlns="" val="0"/>
               </a:ext>
             </a:extLst>
           </a:blip>
@@ -7462,14 +7342,14 @@
           <a:effectLst/>
           <a:extLst>
             <a:ext uri="{909E8E84-426E-40DD-AFC4-6F175D3DCCD1}">
-              <a14:hiddenFill xmlns="" xmlns:a14="http://schemas.microsoft.com/office/drawing/2010/main">
+              <a14:hiddenFill xmlns:a14="http://schemas.microsoft.com/office/drawing/2010/main" xmlns="">
                 <a:solidFill>
                   <a:schemeClr val="accent1"/>
                 </a:solidFill>
               </a14:hiddenFill>
             </a:ext>
             <a:ext uri="{91240B29-F687-4F45-9708-019B960494DF}">
-              <a14:hiddenLine xmlns="" xmlns:a14="http://schemas.microsoft.com/office/drawing/2010/main" w="9525">
+              <a14:hiddenLine xmlns:a14="http://schemas.microsoft.com/office/drawing/2010/main" xmlns="" w="9525">
                 <a:solidFill>
                   <a:schemeClr val="tx1"/>
                 </a:solidFill>
@@ -7479,7 +7359,7 @@
               </a14:hiddenLine>
             </a:ext>
             <a:ext uri="{AF507438-7753-43E0-B8FC-AC1667EBCBE1}">
-              <a14:hiddenEffects xmlns="" xmlns:a14="http://schemas.microsoft.com/office/drawing/2010/main">
+              <a14:hiddenEffects xmlns:a14="http://schemas.microsoft.com/office/drawing/2010/main" xmlns="">
                 <a:effectLst>
                   <a:outerShdw dist="35921" dir="2700000" algn="ctr" rotWithShape="0">
                     <a:schemeClr val="bg2"/>
@@ -7523,7 +7403,7 @@
     </p:spTree>
     <p:extLst>
       <p:ext uri="{BB962C8B-B14F-4D97-AF65-F5344CB8AC3E}">
-        <p14:creationId xmlns="" xmlns:p14="http://schemas.microsoft.com/office/powerpoint/2010/main" val="1178541986"/>
+        <p14:creationId xmlns:p14="http://schemas.microsoft.com/office/powerpoint/2010/main" xmlns="" val="1178541986"/>
       </p:ext>
     </p:extLst>
   </p:cSld>
@@ -7597,10 +7477,10 @@
           <p:nvPr/>
         </p:nvPicPr>
         <p:blipFill>
-          <a:blip r:embed="rId2">
+          <a:blip r:embed="rId2" cstate="print">
             <a:extLst>
               <a:ext uri="{28A0092B-C50C-407E-A947-70E740481C1C}">
-                <a14:useLocalDpi xmlns="" xmlns:a14="http://schemas.microsoft.com/office/drawing/2010/main" val="0"/>
+                <a14:useLocalDpi xmlns:a14="http://schemas.microsoft.com/office/drawing/2010/main" xmlns="" val="0"/>
               </a:ext>
             </a:extLst>
           </a:blip>
@@ -7624,14 +7504,14 @@
           <a:effectLst/>
           <a:extLst>
             <a:ext uri="{909E8E84-426E-40DD-AFC4-6F175D3DCCD1}">
-              <a14:hiddenFill xmlns="" xmlns:a14="http://schemas.microsoft.com/office/drawing/2010/main">
+              <a14:hiddenFill xmlns:a14="http://schemas.microsoft.com/office/drawing/2010/main" xmlns="">
                 <a:solidFill>
                   <a:schemeClr val="accent1"/>
                 </a:solidFill>
               </a14:hiddenFill>
             </a:ext>
             <a:ext uri="{91240B29-F687-4F45-9708-019B960494DF}">
-              <a14:hiddenLine xmlns="" xmlns:a14="http://schemas.microsoft.com/office/drawing/2010/main" w="9525">
+              <a14:hiddenLine xmlns:a14="http://schemas.microsoft.com/office/drawing/2010/main" xmlns="" w="9525">
                 <a:solidFill>
                   <a:schemeClr val="tx1"/>
                 </a:solidFill>
@@ -7641,7 +7521,7 @@
               </a14:hiddenLine>
             </a:ext>
             <a:ext uri="{AF507438-7753-43E0-B8FC-AC1667EBCBE1}">
-              <a14:hiddenEffects xmlns="" xmlns:a14="http://schemas.microsoft.com/office/drawing/2010/main">
+              <a14:hiddenEffects xmlns:a14="http://schemas.microsoft.com/office/drawing/2010/main" xmlns="">
                 <a:effectLst>
                   <a:outerShdw dist="35921" dir="2700000" algn="ctr" rotWithShape="0">
                     <a:schemeClr val="bg2"/>
@@ -7739,7 +7619,7 @@
     </p:spTree>
     <p:extLst>
       <p:ext uri="{BB962C8B-B14F-4D97-AF65-F5344CB8AC3E}">
-        <p14:creationId xmlns="" xmlns:p14="http://schemas.microsoft.com/office/powerpoint/2010/main" val="3840524966"/>
+        <p14:creationId xmlns:p14="http://schemas.microsoft.com/office/powerpoint/2010/main" xmlns="" val="3840524966"/>
       </p:ext>
     </p:extLst>
   </p:cSld>
@@ -7813,10 +7693,10 @@
           <p:nvPr/>
         </p:nvPicPr>
         <p:blipFill>
-          <a:blip r:embed="rId2">
+          <a:blip r:embed="rId2" cstate="print">
             <a:extLst>
               <a:ext uri="{28A0092B-C50C-407E-A947-70E740481C1C}">
-                <a14:useLocalDpi xmlns="" xmlns:a14="http://schemas.microsoft.com/office/drawing/2010/main" val="0"/>
+                <a14:useLocalDpi xmlns:a14="http://schemas.microsoft.com/office/drawing/2010/main" xmlns="" val="0"/>
               </a:ext>
             </a:extLst>
           </a:blip>
@@ -7840,14 +7720,14 @@
           <a:effectLst/>
           <a:extLst>
             <a:ext uri="{909E8E84-426E-40DD-AFC4-6F175D3DCCD1}">
-              <a14:hiddenFill xmlns="" xmlns:a14="http://schemas.microsoft.com/office/drawing/2010/main">
+              <a14:hiddenFill xmlns:a14="http://schemas.microsoft.com/office/drawing/2010/main" xmlns="">
                 <a:solidFill>
                   <a:schemeClr val="accent1"/>
                 </a:solidFill>
               </a14:hiddenFill>
             </a:ext>
             <a:ext uri="{91240B29-F687-4F45-9708-019B960494DF}">
-              <a14:hiddenLine xmlns="" xmlns:a14="http://schemas.microsoft.com/office/drawing/2010/main" w="9525">
+              <a14:hiddenLine xmlns:a14="http://schemas.microsoft.com/office/drawing/2010/main" xmlns="" w="9525">
                 <a:solidFill>
                   <a:schemeClr val="tx1"/>
                 </a:solidFill>
@@ -7857,7 +7737,7 @@
               </a14:hiddenLine>
             </a:ext>
             <a:ext uri="{AF507438-7753-43E0-B8FC-AC1667EBCBE1}">
-              <a14:hiddenEffects xmlns="" xmlns:a14="http://schemas.microsoft.com/office/drawing/2010/main">
+              <a14:hiddenEffects xmlns:a14="http://schemas.microsoft.com/office/drawing/2010/main" xmlns="">
                 <a:effectLst>
                   <a:outerShdw dist="35921" dir="2700000" algn="ctr" rotWithShape="0">
                     <a:schemeClr val="bg2"/>
@@ -7909,7 +7789,7 @@
     </p:spTree>
     <p:extLst>
       <p:ext uri="{BB962C8B-B14F-4D97-AF65-F5344CB8AC3E}">
-        <p14:creationId xmlns="" xmlns:p14="http://schemas.microsoft.com/office/powerpoint/2010/main" val="2111256600"/>
+        <p14:creationId xmlns:p14="http://schemas.microsoft.com/office/powerpoint/2010/main" xmlns="" val="2111256600"/>
       </p:ext>
     </p:extLst>
   </p:cSld>
@@ -7983,10 +7863,10 @@
           <p:nvPr/>
         </p:nvPicPr>
         <p:blipFill>
-          <a:blip r:embed="rId2">
+          <a:blip r:embed="rId2" cstate="print">
             <a:extLst>
               <a:ext uri="{28A0092B-C50C-407E-A947-70E740481C1C}">
-                <a14:useLocalDpi xmlns="" xmlns:a14="http://schemas.microsoft.com/office/drawing/2010/main" val="0"/>
+                <a14:useLocalDpi xmlns:a14="http://schemas.microsoft.com/office/drawing/2010/main" xmlns="" val="0"/>
               </a:ext>
             </a:extLst>
           </a:blip>
@@ -8010,14 +7890,14 @@
           <a:effectLst/>
           <a:extLst>
             <a:ext uri="{909E8E84-426E-40DD-AFC4-6F175D3DCCD1}">
-              <a14:hiddenFill xmlns="" xmlns:a14="http://schemas.microsoft.com/office/drawing/2010/main">
+              <a14:hiddenFill xmlns:a14="http://schemas.microsoft.com/office/drawing/2010/main" xmlns="">
                 <a:solidFill>
                   <a:schemeClr val="accent1"/>
                 </a:solidFill>
               </a14:hiddenFill>
             </a:ext>
             <a:ext uri="{91240B29-F687-4F45-9708-019B960494DF}">
-              <a14:hiddenLine xmlns="" xmlns:a14="http://schemas.microsoft.com/office/drawing/2010/main" w="9525">
+              <a14:hiddenLine xmlns:a14="http://schemas.microsoft.com/office/drawing/2010/main" xmlns="" w="9525">
                 <a:solidFill>
                   <a:schemeClr val="tx1"/>
                 </a:solidFill>
@@ -8027,7 +7907,7 @@
               </a14:hiddenLine>
             </a:ext>
             <a:ext uri="{AF507438-7753-43E0-B8FC-AC1667EBCBE1}">
-              <a14:hiddenEffects xmlns="" xmlns:a14="http://schemas.microsoft.com/office/drawing/2010/main">
+              <a14:hiddenEffects xmlns:a14="http://schemas.microsoft.com/office/drawing/2010/main" xmlns="">
                 <a:effectLst>
                   <a:outerShdw dist="35921" dir="2700000" algn="ctr" rotWithShape="0">
                     <a:schemeClr val="bg2"/>
@@ -8071,7 +7951,7 @@
     </p:spTree>
     <p:extLst>
       <p:ext uri="{BB962C8B-B14F-4D97-AF65-F5344CB8AC3E}">
-        <p14:creationId xmlns="" xmlns:p14="http://schemas.microsoft.com/office/powerpoint/2010/main" val="3200386711"/>
+        <p14:creationId xmlns:p14="http://schemas.microsoft.com/office/powerpoint/2010/main" xmlns="" val="3200386711"/>
       </p:ext>
     </p:extLst>
   </p:cSld>
@@ -8100,20 +7980,14 @@
       </p:grpSpPr>
       <p:pic>
         <p:nvPicPr>
-          <p:cNvPr id="2" name="Picture 5" descr="E:\2차 프로젝트(구로구 기러기)\04 wire frame\와이어프레임 - 경기일정 게시판(박종수)\경기일정 게시판.PNG"/>
+          <p:cNvPr id="6146" name="Picture 2" descr="C:\Users\hong\Desktop\mediQ\ggs\doc\1.개인폴더\최현우\99. 참고\수정본\경기 일정 조회 수정본.PNG"/>
           <p:cNvPicPr>
             <a:picLocks noChangeAspect="1" noChangeArrowheads="1"/>
           </p:cNvPicPr>
           <p:nvPr/>
         </p:nvPicPr>
         <p:blipFill>
-          <a:blip r:embed="rId2">
-            <a:extLst>
-              <a:ext uri="{28A0092B-C50C-407E-A947-70E740481C1C}">
-                <a14:useLocalDpi xmlns="" xmlns:a14="http://schemas.microsoft.com/office/drawing/2010/main" val="0"/>
-              </a:ext>
-            </a:extLst>
-          </a:blip>
+          <a:blip r:embed="rId2" cstate="print"/>
           <a:srcRect/>
           <a:stretch>
             <a:fillRect/>
@@ -8121,167 +7995,19 @@
         </p:blipFill>
         <p:spPr bwMode="auto">
           <a:xfrm>
-            <a:off x="84982" y="533786"/>
-            <a:ext cx="9000000" cy="6324214"/>
+            <a:off x="683567" y="548680"/>
+            <a:ext cx="7560841" cy="5873080"/>
           </a:xfrm>
           <a:prstGeom prst="rect">
             <a:avLst/>
           </a:prstGeom>
           <a:noFill/>
-          <a:extLst>
-            <a:ext uri="{909E8E84-426E-40DD-AFC4-6F175D3DCCD1}">
-              <a14:hiddenFill xmlns="" xmlns:a14="http://schemas.microsoft.com/office/drawing/2010/main">
-                <a:solidFill>
-                  <a:srgbClr val="FFFFFF"/>
-                </a:solidFill>
-              </a14:hiddenFill>
-            </a:ext>
-          </a:extLst>
         </p:spPr>
       </p:pic>
-      <p:sp>
-        <p:nvSpPr>
-          <p:cNvPr id="4" name="TextBox 3"/>
-          <p:cNvSpPr txBox="1"/>
-          <p:nvPr/>
-        </p:nvSpPr>
-        <p:spPr>
-          <a:xfrm>
-            <a:off x="5652120" y="2462699"/>
-            <a:ext cx="2448272" cy="246221"/>
-          </a:xfrm>
-          <a:prstGeom prst="rect">
-            <a:avLst/>
-          </a:prstGeom>
-          <a:solidFill>
-            <a:schemeClr val="bg1"/>
-          </a:solidFill>
-          <a:ln>
-            <a:solidFill>
-              <a:schemeClr val="tx1"/>
-            </a:solidFill>
-          </a:ln>
-        </p:spPr>
-        <p:txBody>
-          <a:bodyPr wrap="square" rtlCol="0">
-            <a:spAutoFit/>
-          </a:bodyPr>
-          <a:lstStyle/>
-          <a:p>
-            <a:r>
-              <a:rPr lang="ko-KR" altLang="en-US" sz="1000" b="1" dirty="0" err="1" smtClean="0">
-                <a:solidFill>
-                  <a:srgbClr val="FF0000"/>
-                </a:solidFill>
-              </a:rPr>
-              <a:t>페이징</a:t>
-            </a:r>
-            <a:r>
-              <a:rPr lang="ko-KR" altLang="en-US" sz="1000" b="1" dirty="0" smtClean="0">
-                <a:solidFill>
-                  <a:srgbClr val="FF0000"/>
-                </a:solidFill>
-              </a:rPr>
-              <a:t> 처리를 </a:t>
-            </a:r>
-            <a:r>
-              <a:rPr lang="ko-KR" altLang="en-US" sz="1000" b="1" dirty="0" err="1" smtClean="0">
-                <a:solidFill>
-                  <a:srgbClr val="FF0000"/>
-                </a:solidFill>
-              </a:rPr>
-              <a:t>월기준으로</a:t>
-            </a:r>
-            <a:endParaRPr lang="ko-KR" altLang="en-US" sz="1000" b="1" dirty="0">
-              <a:solidFill>
-                <a:srgbClr val="FF0000"/>
-              </a:solidFill>
-            </a:endParaRPr>
-          </a:p>
-        </p:txBody>
-      </p:sp>
-      <p:sp>
-        <p:nvSpPr>
-          <p:cNvPr id="6" name="TextBox 5"/>
-          <p:cNvSpPr txBox="1"/>
-          <p:nvPr/>
-        </p:nvSpPr>
-        <p:spPr>
-          <a:xfrm>
-            <a:off x="3059832" y="1268760"/>
-            <a:ext cx="3384376" cy="246221"/>
-          </a:xfrm>
-          <a:prstGeom prst="rect">
-            <a:avLst/>
-          </a:prstGeom>
-          <a:solidFill>
-            <a:schemeClr val="bg1"/>
-          </a:solidFill>
-          <a:ln>
-            <a:solidFill>
-              <a:schemeClr val="tx1"/>
-            </a:solidFill>
-          </a:ln>
-        </p:spPr>
-        <p:txBody>
-          <a:bodyPr wrap="square" rtlCol="0">
-            <a:spAutoFit/>
-          </a:bodyPr>
-          <a:lstStyle/>
-          <a:p>
-            <a:r>
-              <a:rPr lang="en-US" altLang="ko-KR" sz="1000" b="1" dirty="0" smtClean="0">
-                <a:solidFill>
-                  <a:srgbClr val="FF0000"/>
-                </a:solidFill>
-                <a:sym typeface="Wingdings" pitchFamily="2" charset="2"/>
-              </a:rPr>
-              <a:t> </a:t>
-            </a:r>
-            <a:r>
-              <a:rPr lang="en-US" altLang="ko-KR" sz="1000" b="1" dirty="0" smtClean="0">
-                <a:solidFill>
-                  <a:srgbClr val="FF0000"/>
-                </a:solidFill>
-              </a:rPr>
-              <a:t>4. </a:t>
-            </a:r>
-            <a:r>
-              <a:rPr lang="ko-KR" altLang="en-US" sz="1000" b="1" dirty="0" smtClean="0">
-                <a:solidFill>
-                  <a:srgbClr val="FF0000"/>
-                </a:solidFill>
-              </a:rPr>
-              <a:t>이동 버튼은 </a:t>
-            </a:r>
-            <a:r>
-              <a:rPr lang="en-US" altLang="ko-KR" sz="1000" b="1" dirty="0" smtClean="0">
-                <a:solidFill>
-                  <a:srgbClr val="FF0000"/>
-                </a:solidFill>
-              </a:rPr>
-              <a:t>3</a:t>
-            </a:r>
-            <a:r>
-              <a:rPr lang="ko-KR" altLang="en-US" sz="1000" b="1" dirty="0" smtClean="0">
-                <a:solidFill>
-                  <a:srgbClr val="FF0000"/>
-                </a:solidFill>
-              </a:rPr>
-              <a:t>개로 계속 유지 되도록 변경 검토</a:t>
-            </a:r>
-            <a:endParaRPr lang="ko-KR" altLang="en-US" sz="1000" b="1" dirty="0">
-              <a:solidFill>
-                <a:srgbClr val="FF0000"/>
-              </a:solidFill>
-            </a:endParaRPr>
-          </a:p>
-        </p:txBody>
-      </p:sp>
     </p:spTree>
     <p:extLst>
       <p:ext uri="{BB962C8B-B14F-4D97-AF65-F5344CB8AC3E}">
-        <p14:creationId xmlns="" xmlns:p14="http://schemas.microsoft.com/office/powerpoint/2010/main" val="1522577095"/>
+        <p14:creationId xmlns:p14="http://schemas.microsoft.com/office/powerpoint/2010/main" xmlns="" val="1522577095"/>
       </p:ext>
     </p:extLst>
   </p:cSld>
